--- a/上課教材/Week1.pptx
+++ b/上課教材/Week1.pptx
@@ -9,38 +9,36 @@
     <p:sldId id="289" r:id="rId3"/>
     <p:sldId id="288" r:id="rId4"/>
     <p:sldId id="287" r:id="rId5"/>
-    <p:sldId id="290" r:id="rId6"/>
-    <p:sldId id="272" r:id="rId7"/>
-    <p:sldId id="260" r:id="rId8"/>
-    <p:sldId id="282" r:id="rId9"/>
-    <p:sldId id="261" r:id="rId10"/>
-    <p:sldId id="268" r:id="rId11"/>
-    <p:sldId id="271" r:id="rId12"/>
-    <p:sldId id="264" r:id="rId13"/>
-    <p:sldId id="275" r:id="rId14"/>
-    <p:sldId id="269" r:id="rId15"/>
-    <p:sldId id="273" r:id="rId16"/>
-    <p:sldId id="258" r:id="rId17"/>
-    <p:sldId id="270" r:id="rId18"/>
-    <p:sldId id="265" r:id="rId19"/>
-    <p:sldId id="294" r:id="rId20"/>
-    <p:sldId id="295" r:id="rId21"/>
-    <p:sldId id="296" r:id="rId22"/>
-    <p:sldId id="297" r:id="rId23"/>
-    <p:sldId id="281" r:id="rId24"/>
-    <p:sldId id="256" r:id="rId25"/>
-    <p:sldId id="262" r:id="rId26"/>
-    <p:sldId id="263" r:id="rId27"/>
-    <p:sldId id="284" r:id="rId28"/>
-    <p:sldId id="285" r:id="rId29"/>
-    <p:sldId id="259" r:id="rId30"/>
-    <p:sldId id="266" r:id="rId31"/>
-    <p:sldId id="292" r:id="rId32"/>
-    <p:sldId id="267" r:id="rId33"/>
-    <p:sldId id="283" r:id="rId34"/>
-    <p:sldId id="291" r:id="rId35"/>
-    <p:sldId id="286" r:id="rId36"/>
-    <p:sldId id="293" r:id="rId37"/>
+    <p:sldId id="272" r:id="rId6"/>
+    <p:sldId id="260" r:id="rId7"/>
+    <p:sldId id="282" r:id="rId8"/>
+    <p:sldId id="261" r:id="rId9"/>
+    <p:sldId id="268" r:id="rId10"/>
+    <p:sldId id="271" r:id="rId11"/>
+    <p:sldId id="264" r:id="rId12"/>
+    <p:sldId id="275" r:id="rId13"/>
+    <p:sldId id="269" r:id="rId14"/>
+    <p:sldId id="273" r:id="rId15"/>
+    <p:sldId id="258" r:id="rId16"/>
+    <p:sldId id="270" r:id="rId17"/>
+    <p:sldId id="265" r:id="rId18"/>
+    <p:sldId id="294" r:id="rId19"/>
+    <p:sldId id="295" r:id="rId20"/>
+    <p:sldId id="296" r:id="rId21"/>
+    <p:sldId id="281" r:id="rId22"/>
+    <p:sldId id="256" r:id="rId23"/>
+    <p:sldId id="262" r:id="rId24"/>
+    <p:sldId id="263" r:id="rId25"/>
+    <p:sldId id="284" r:id="rId26"/>
+    <p:sldId id="285" r:id="rId27"/>
+    <p:sldId id="259" r:id="rId28"/>
+    <p:sldId id="266" r:id="rId29"/>
+    <p:sldId id="292" r:id="rId30"/>
+    <p:sldId id="267" r:id="rId31"/>
+    <p:sldId id="283" r:id="rId32"/>
+    <p:sldId id="291" r:id="rId33"/>
+    <p:sldId id="286" r:id="rId34"/>
+    <p:sldId id="293" r:id="rId35"/>
   </p:sldIdLst>
   <p:sldSz cx="12192000" cy="6858000"/>
   <p:notesSz cx="6858000" cy="9144000"/>
@@ -150,7 +148,7 @@
 <file path=ppt/revisionInfo.xml><?xml version="1.0" encoding="utf-8"?>
 <p1510:revInfo xmlns:a="http://schemas.openxmlformats.org/drawingml/2006/main" xmlns:r="http://schemas.openxmlformats.org/officeDocument/2006/relationships" xmlns:p1510="http://schemas.microsoft.com/office/powerpoint/2015/10/main">
   <p1510:revLst>
-    <p1510:client id="{794224D3-789D-47BB-A0D2-62C663EDB1CA}" v="245" dt="2020-06-02T00:01:47.440"/>
+    <p1510:client id="{794224D3-789D-47BB-A0D2-62C663EDB1CA}" v="330" dt="2020-06-05T00:01:55.270"/>
   </p1510:revLst>
 </p1510:revInfo>
 </file>
@@ -160,7 +158,7 @@
   <pc:docChgLst>
     <pc:chgData name="Ming-Chih Lin" userId="f1ba3ba5-e185-404b-b55f-b2be90e2bdc2" providerId="ADAL" clId="{794224D3-789D-47BB-A0D2-62C663EDB1CA}"/>
     <pc:docChg chg="undo custSel addSld delSld modSld sldOrd">
-      <pc:chgData name="Ming-Chih Lin" userId="f1ba3ba5-e185-404b-b55f-b2be90e2bdc2" providerId="ADAL" clId="{794224D3-789D-47BB-A0D2-62C663EDB1CA}" dt="2020-06-02T00:01:47.440" v="1421"/>
+      <pc:chgData name="Ming-Chih Lin" userId="f1ba3ba5-e185-404b-b55f-b2be90e2bdc2" providerId="ADAL" clId="{794224D3-789D-47BB-A0D2-62C663EDB1CA}" dt="2020-06-05T00:03:08.814" v="1951" actId="47"/>
       <pc:docMkLst>
         <pc:docMk/>
       </pc:docMkLst>
@@ -553,7 +551,7 @@
         </pc:spChg>
       </pc:sldChg>
       <pc:sldChg chg="addSp delSp modSp new mod modClrScheme chgLayout">
-        <pc:chgData name="Ming-Chih Lin" userId="f1ba3ba5-e185-404b-b55f-b2be90e2bdc2" providerId="ADAL" clId="{794224D3-789D-47BB-A0D2-62C663EDB1CA}" dt="2020-05-31T07:09:25.040" v="200" actId="20577"/>
+        <pc:chgData name="Ming-Chih Lin" userId="f1ba3ba5-e185-404b-b55f-b2be90e2bdc2" providerId="ADAL" clId="{794224D3-789D-47BB-A0D2-62C663EDB1CA}" dt="2020-06-05T00:01:55.269" v="1948"/>
         <pc:sldMkLst>
           <pc:docMk/>
           <pc:sldMk cId="1580561292" sldId="270"/>
@@ -583,7 +581,7 @@
           </ac:spMkLst>
         </pc:spChg>
         <pc:spChg chg="add mod ord">
-          <ac:chgData name="Ming-Chih Lin" userId="f1ba3ba5-e185-404b-b55f-b2be90e2bdc2" providerId="ADAL" clId="{794224D3-789D-47BB-A0D2-62C663EDB1CA}" dt="2020-05-31T07:09:25.040" v="200" actId="20577"/>
+          <ac:chgData name="Ming-Chih Lin" userId="f1ba3ba5-e185-404b-b55f-b2be90e2bdc2" providerId="ADAL" clId="{794224D3-789D-47BB-A0D2-62C663EDB1CA}" dt="2020-06-05T00:01:55.269" v="1948"/>
           <ac:spMkLst>
             <pc:docMk/>
             <pc:sldMk cId="1580561292" sldId="270"/>
@@ -983,8 +981,8 @@
           <pc:sldMk cId="3370046481" sldId="287"/>
         </pc:sldMkLst>
       </pc:sldChg>
-      <pc:sldChg chg="addSp delSp modSp new mod modClrScheme chgLayout">
-        <pc:chgData name="Ming-Chih Lin" userId="f1ba3ba5-e185-404b-b55f-b2be90e2bdc2" providerId="ADAL" clId="{794224D3-789D-47BB-A0D2-62C663EDB1CA}" dt="2020-06-01T08:04:32.622" v="1263" actId="700"/>
+      <pc:sldChg chg="addSp delSp modSp new add del mod modClrScheme chgLayout">
+        <pc:chgData name="Ming-Chih Lin" userId="f1ba3ba5-e185-404b-b55f-b2be90e2bdc2" providerId="ADAL" clId="{794224D3-789D-47BB-A0D2-62C663EDB1CA}" dt="2020-06-05T00:03:05.188" v="1950" actId="47"/>
         <pc:sldMkLst>
           <pc:docMk/>
           <pc:sldMk cId="2773999239" sldId="288"/>
@@ -1077,8 +1075,8 @@
           </ac:spMkLst>
         </pc:spChg>
       </pc:sldChg>
-      <pc:sldChg chg="modSp new mod">
-        <pc:chgData name="Ming-Chih Lin" userId="f1ba3ba5-e185-404b-b55f-b2be90e2bdc2" providerId="ADAL" clId="{794224D3-789D-47BB-A0D2-62C663EDB1CA}" dt="2020-05-31T07:42:39.327" v="693"/>
+      <pc:sldChg chg="modSp new del mod">
+        <pc:chgData name="Ming-Chih Lin" userId="f1ba3ba5-e185-404b-b55f-b2be90e2bdc2" providerId="ADAL" clId="{794224D3-789D-47BB-A0D2-62C663EDB1CA}" dt="2020-06-05T00:03:08.814" v="1951" actId="47"/>
         <pc:sldMkLst>
           <pc:docMk/>
           <pc:sldMk cId="1663756997" sldId="290"/>
@@ -1153,14 +1151,14 @@
           </ac:spMkLst>
         </pc:spChg>
       </pc:sldChg>
-      <pc:sldChg chg="modSp new mod">
-        <pc:chgData name="Ming-Chih Lin" userId="f1ba3ba5-e185-404b-b55f-b2be90e2bdc2" providerId="ADAL" clId="{794224D3-789D-47BB-A0D2-62C663EDB1CA}" dt="2020-06-01T07:44:55.720" v="853"/>
+      <pc:sldChg chg="addSp modSp new mod">
+        <pc:chgData name="Ming-Chih Lin" userId="f1ba3ba5-e185-404b-b55f-b2be90e2bdc2" providerId="ADAL" clId="{794224D3-789D-47BB-A0D2-62C663EDB1CA}" dt="2020-06-04T23:53:44.048" v="1569" actId="20577"/>
         <pc:sldMkLst>
           <pc:docMk/>
           <pc:sldMk cId="64240318" sldId="294"/>
         </pc:sldMkLst>
         <pc:spChg chg="mod">
-          <ac:chgData name="Ming-Chih Lin" userId="f1ba3ba5-e185-404b-b55f-b2be90e2bdc2" providerId="ADAL" clId="{794224D3-789D-47BB-A0D2-62C663EDB1CA}" dt="2020-06-01T07:44:54.951" v="852" actId="21"/>
+          <ac:chgData name="Ming-Chih Lin" userId="f1ba3ba5-e185-404b-b55f-b2be90e2bdc2" providerId="ADAL" clId="{794224D3-789D-47BB-A0D2-62C663EDB1CA}" dt="2020-06-04T23:53:44.048" v="1569" actId="20577"/>
           <ac:spMkLst>
             <pc:docMk/>
             <pc:sldMk cId="64240318" sldId="294"/>
@@ -1168,22 +1166,30 @@
           </ac:spMkLst>
         </pc:spChg>
         <pc:spChg chg="mod">
-          <ac:chgData name="Ming-Chih Lin" userId="f1ba3ba5-e185-404b-b55f-b2be90e2bdc2" providerId="ADAL" clId="{794224D3-789D-47BB-A0D2-62C663EDB1CA}" dt="2020-06-01T07:44:55.720" v="853"/>
+          <ac:chgData name="Ming-Chih Lin" userId="f1ba3ba5-e185-404b-b55f-b2be90e2bdc2" providerId="ADAL" clId="{794224D3-789D-47BB-A0D2-62C663EDB1CA}" dt="2020-06-04T23:53:04.572" v="1514" actId="20577"/>
           <ac:spMkLst>
             <pc:docMk/>
             <pc:sldMk cId="64240318" sldId="294"/>
             <ac:spMk id="3" creationId="{21DC9115-EA07-4E43-B229-3DDAC0EF5CB9}"/>
           </ac:spMkLst>
         </pc:spChg>
+        <pc:picChg chg="add mod">
+          <ac:chgData name="Ming-Chih Lin" userId="f1ba3ba5-e185-404b-b55f-b2be90e2bdc2" providerId="ADAL" clId="{794224D3-789D-47BB-A0D2-62C663EDB1CA}" dt="2020-06-04T23:52:13.539" v="1425" actId="1076"/>
+          <ac:picMkLst>
+            <pc:docMk/>
+            <pc:sldMk cId="64240318" sldId="294"/>
+            <ac:picMk id="4" creationId="{B411296D-BC63-46B8-8633-2EDC31032B75}"/>
+          </ac:picMkLst>
+        </pc:picChg>
       </pc:sldChg>
-      <pc:sldChg chg="modSp new">
-        <pc:chgData name="Ming-Chih Lin" userId="f1ba3ba5-e185-404b-b55f-b2be90e2bdc2" providerId="ADAL" clId="{794224D3-789D-47BB-A0D2-62C663EDB1CA}" dt="2020-06-01T07:45:22.900" v="856"/>
+      <pc:sldChg chg="addSp modSp new mod">
+        <pc:chgData name="Ming-Chih Lin" userId="f1ba3ba5-e185-404b-b55f-b2be90e2bdc2" providerId="ADAL" clId="{794224D3-789D-47BB-A0D2-62C663EDB1CA}" dt="2020-06-04T23:56:19.289" v="1730" actId="14100"/>
         <pc:sldMkLst>
           <pc:docMk/>
           <pc:sldMk cId="3800941536" sldId="295"/>
         </pc:sldMkLst>
         <pc:spChg chg="mod">
-          <ac:chgData name="Ming-Chih Lin" userId="f1ba3ba5-e185-404b-b55f-b2be90e2bdc2" providerId="ADAL" clId="{794224D3-789D-47BB-A0D2-62C663EDB1CA}" dt="2020-06-01T07:45:22.900" v="856"/>
+          <ac:chgData name="Ming-Chih Lin" userId="f1ba3ba5-e185-404b-b55f-b2be90e2bdc2" providerId="ADAL" clId="{794224D3-789D-47BB-A0D2-62C663EDB1CA}" dt="2020-06-04T23:56:19.289" v="1730" actId="14100"/>
           <ac:spMkLst>
             <pc:docMk/>
             <pc:sldMk cId="3800941536" sldId="295"/>
@@ -1198,15 +1204,23 @@
             <ac:spMk id="3" creationId="{B74F9DDA-5D21-4474-B5A9-0D53658E6B5E}"/>
           </ac:spMkLst>
         </pc:spChg>
+        <pc:picChg chg="add mod">
+          <ac:chgData name="Ming-Chih Lin" userId="f1ba3ba5-e185-404b-b55f-b2be90e2bdc2" providerId="ADAL" clId="{794224D3-789D-47BB-A0D2-62C663EDB1CA}" dt="2020-06-04T23:56:16.755" v="1729" actId="1076"/>
+          <ac:picMkLst>
+            <pc:docMk/>
+            <pc:sldMk cId="3800941536" sldId="295"/>
+            <ac:picMk id="4" creationId="{778FB711-4E94-494F-999A-FFDC79ED57C8}"/>
+          </ac:picMkLst>
+        </pc:picChg>
       </pc:sldChg>
-      <pc:sldChg chg="modSp new">
-        <pc:chgData name="Ming-Chih Lin" userId="f1ba3ba5-e185-404b-b55f-b2be90e2bdc2" providerId="ADAL" clId="{794224D3-789D-47BB-A0D2-62C663EDB1CA}" dt="2020-06-01T07:45:47.506" v="859"/>
+      <pc:sldChg chg="addSp delSp modSp new mod">
+        <pc:chgData name="Ming-Chih Lin" userId="f1ba3ba5-e185-404b-b55f-b2be90e2bdc2" providerId="ADAL" clId="{794224D3-789D-47BB-A0D2-62C663EDB1CA}" dt="2020-06-04T23:59:52.700" v="1826" actId="1076"/>
         <pc:sldMkLst>
           <pc:docMk/>
           <pc:sldMk cId="71803066" sldId="296"/>
         </pc:sldMkLst>
         <pc:spChg chg="mod">
-          <ac:chgData name="Ming-Chih Lin" userId="f1ba3ba5-e185-404b-b55f-b2be90e2bdc2" providerId="ADAL" clId="{794224D3-789D-47BB-A0D2-62C663EDB1CA}" dt="2020-06-01T07:45:47.506" v="859"/>
+          <ac:chgData name="Ming-Chih Lin" userId="f1ba3ba5-e185-404b-b55f-b2be90e2bdc2" providerId="ADAL" clId="{794224D3-789D-47BB-A0D2-62C663EDB1CA}" dt="2020-06-04T23:59:48.947" v="1825" actId="14100"/>
           <ac:spMkLst>
             <pc:docMk/>
             <pc:sldMk cId="71803066" sldId="296"/>
@@ -1221,9 +1235,33 @@
             <ac:spMk id="3" creationId="{C8C03A03-E1F0-43C9-B0BD-2ABDF2CB329D}"/>
           </ac:spMkLst>
         </pc:spChg>
+        <pc:picChg chg="add mod">
+          <ac:chgData name="Ming-Chih Lin" userId="f1ba3ba5-e185-404b-b55f-b2be90e2bdc2" providerId="ADAL" clId="{794224D3-789D-47BB-A0D2-62C663EDB1CA}" dt="2020-06-04T23:59:52.700" v="1826" actId="1076"/>
+          <ac:picMkLst>
+            <pc:docMk/>
+            <pc:sldMk cId="71803066" sldId="296"/>
+            <ac:picMk id="4" creationId="{2FD7439F-18AB-4B49-9378-779731F4A3ED}"/>
+          </ac:picMkLst>
+        </pc:picChg>
+        <pc:picChg chg="add mod">
+          <ac:chgData name="Ming-Chih Lin" userId="f1ba3ba5-e185-404b-b55f-b2be90e2bdc2" providerId="ADAL" clId="{794224D3-789D-47BB-A0D2-62C663EDB1CA}" dt="2020-06-04T23:59:45.706" v="1824" actId="1076"/>
+          <ac:picMkLst>
+            <pc:docMk/>
+            <pc:sldMk cId="71803066" sldId="296"/>
+            <ac:picMk id="5" creationId="{1E919EFB-B2DC-4B75-9AAA-7044AD624FD8}"/>
+          </ac:picMkLst>
+        </pc:picChg>
+        <pc:picChg chg="add del mod">
+          <ac:chgData name="Ming-Chih Lin" userId="f1ba3ba5-e185-404b-b55f-b2be90e2bdc2" providerId="ADAL" clId="{794224D3-789D-47BB-A0D2-62C663EDB1CA}" dt="2020-06-04T23:57:57.417" v="1739" actId="478"/>
+          <ac:picMkLst>
+            <pc:docMk/>
+            <pc:sldMk cId="71803066" sldId="296"/>
+            <ac:picMk id="1026" creationId="{9A719752-AFD2-4869-B4D4-43B1E0D2B27D}"/>
+          </ac:picMkLst>
+        </pc:picChg>
       </pc:sldChg>
-      <pc:sldChg chg="modSp new">
-        <pc:chgData name="Ming-Chih Lin" userId="f1ba3ba5-e185-404b-b55f-b2be90e2bdc2" providerId="ADAL" clId="{794224D3-789D-47BB-A0D2-62C663EDB1CA}" dt="2020-06-01T07:46:03.193" v="861"/>
+      <pc:sldChg chg="modSp new del">
+        <pc:chgData name="Ming-Chih Lin" userId="f1ba3ba5-e185-404b-b55f-b2be90e2bdc2" providerId="ADAL" clId="{794224D3-789D-47BB-A0D2-62C663EDB1CA}" dt="2020-06-05T00:00:23.234" v="1827" actId="47"/>
         <pc:sldMkLst>
           <pc:docMk/>
           <pc:sldMk cId="3823943526" sldId="297"/>
@@ -4890,7 +4928,7 @@
           <a:p>
             <a:fld id="{FA1E3ED8-1BB4-4BD2-AB23-359644E070C2}" type="datetimeFigureOut">
               <a:rPr lang="zh-TW" altLang="en-US" smtClean="0"/>
-              <a:t>2020/6/2</a:t>
+              <a:t>2020/6/5</a:t>
             </a:fld>
             <a:endParaRPr lang="zh-TW" altLang="en-US"/>
           </a:p>
@@ -10068,7 +10106,7 @@
           <p:cNvPr id="2" name="內容版面配置區 1">
             <a:extLst>
               <a:ext uri="{FF2B5EF4-FFF2-40B4-BE49-F238E27FC236}">
-                <a16:creationId xmlns:a16="http://schemas.microsoft.com/office/drawing/2014/main" id="{5F3943C5-BE9F-4BF4-A111-F83F5931DA07}"/>
+                <a16:creationId xmlns:a16="http://schemas.microsoft.com/office/drawing/2014/main" id="{CF66E4CC-5385-41E9-B512-1FCF9A63B10A}"/>
               </a:ext>
             </a:extLst>
           </p:cNvPr>
@@ -10089,140 +10127,33 @@
             </a:pPr>
             <a:r>
               <a:rPr lang="zh-TW" altLang="en-US" dirty="0"/>
-              <a:t>並不是。除了基本語法之外，你還要熟悉以下這些函式庫，你才能透過</a:t>
+              <a:t>初學者可以考慮下面幾個方向：</a:t>
+            </a:r>
+          </a:p>
+          <a:p>
+            <a:r>
+              <a:rPr lang="zh-TW" altLang="en-US" dirty="0"/>
+              <a:t>前處理。比方說是建模，設</a:t>
             </a:r>
             <a:r>
               <a:rPr lang="en-US" altLang="zh-TW" dirty="0"/>
-              <a:t>Python</a:t>
-            </a:r>
-            <a:r>
-              <a:rPr lang="zh-TW" altLang="en-US" dirty="0"/>
-              <a:t>控制函式庫來與</a:t>
-            </a:r>
-            <a:r>
-              <a:rPr lang="en-US" altLang="zh-TW" dirty="0"/>
-              <a:t>AEDT</a:t>
-            </a:r>
-            <a:r>
-              <a:rPr lang="zh-TW" altLang="en-US" dirty="0"/>
-              <a:t>互動</a:t>
-            </a:r>
-          </a:p>
-          <a:p>
-            <a:r>
-              <a:rPr lang="zh-TW" altLang="en-US" dirty="0">
-                <a:solidFill>
-                  <a:srgbClr val="0070C0"/>
-                </a:solidFill>
-              </a:rPr>
-              <a:t>基本函式庫：</a:t>
-            </a:r>
-            <a:r>
-              <a:rPr lang="en-US" altLang="zh-TW" dirty="0">
-                <a:solidFill>
-                  <a:srgbClr val="0070C0"/>
-                </a:solidFill>
-              </a:rPr>
-              <a:t>math, </a:t>
-            </a:r>
-            <a:r>
-              <a:rPr lang="en-US" altLang="zh-TW" dirty="0" err="1">
-                <a:solidFill>
-                  <a:srgbClr val="0070C0"/>
-                </a:solidFill>
-              </a:rPr>
-              <a:t>os</a:t>
-            </a:r>
-            <a:r>
-              <a:rPr lang="en-US" altLang="zh-TW" dirty="0">
-                <a:solidFill>
-                  <a:srgbClr val="0070C0"/>
-                </a:solidFill>
-              </a:rPr>
-              <a:t>, sys,...</a:t>
-            </a:r>
-          </a:p>
-          <a:p>
-            <a:r>
-              <a:rPr lang="zh-TW" altLang="en-US" dirty="0">
-                <a:solidFill>
-                  <a:srgbClr val="0070C0"/>
-                </a:solidFill>
-              </a:rPr>
-              <a:t>進階函式庫：</a:t>
-            </a:r>
-            <a:r>
-              <a:rPr lang="en-US" altLang="zh-TW" dirty="0">
-                <a:solidFill>
-                  <a:srgbClr val="0070C0"/>
-                </a:solidFill>
-              </a:rPr>
-              <a:t>re, </a:t>
-            </a:r>
-            <a:r>
-              <a:rPr lang="en-US" altLang="zh-TW" dirty="0" err="1">
-                <a:solidFill>
-                  <a:srgbClr val="0070C0"/>
-                </a:solidFill>
-              </a:rPr>
-              <a:t>tkinter</a:t>
-            </a:r>
-            <a:r>
-              <a:rPr lang="en-US" altLang="zh-TW" dirty="0">
-                <a:solidFill>
-                  <a:srgbClr val="0070C0"/>
-                </a:solidFill>
-              </a:rPr>
-              <a:t>, matplotlib,...</a:t>
-            </a:r>
-          </a:p>
-          <a:p>
-            <a:r>
-              <a:rPr lang="en-US" altLang="zh-TW" dirty="0">
-                <a:solidFill>
-                  <a:srgbClr val="0070C0"/>
-                </a:solidFill>
-              </a:rPr>
-              <a:t>AEDT</a:t>
-            </a:r>
-            <a:r>
-              <a:rPr lang="zh-TW" altLang="en-US" dirty="0">
-                <a:solidFill>
-                  <a:srgbClr val="0070C0"/>
-                </a:solidFill>
-              </a:rPr>
-              <a:t>函式庫：</a:t>
-            </a:r>
-            <a:r>
-              <a:rPr lang="en-US" altLang="zh-TW" dirty="0">
-                <a:solidFill>
-                  <a:srgbClr val="0070C0"/>
-                </a:solidFill>
-              </a:rPr>
-              <a:t>Project, Design, Edit, Module</a:t>
-            </a:r>
-          </a:p>
-          <a:p>
-            <a:pPr marL="0" indent="0">
-              <a:buNone/>
-            </a:pPr>
-            <a:endParaRPr lang="en-US" altLang="zh-TW" dirty="0"/>
-          </a:p>
-          <a:p>
-            <a:pPr marL="0" indent="0">
-              <a:buNone/>
-            </a:pPr>
-            <a:r>
-              <a:rPr lang="zh-TW" altLang="en-US" dirty="0"/>
-              <a:t>熟悉的意思並不是要背下所有的函式以及參數，而是要知道函式庫提供了何種功能，可以解決何種問題。只要知道如何發問問題，便可以透過</a:t>
-            </a:r>
-            <a:r>
-              <a:rPr lang="en-US" altLang="zh-TW" dirty="0"/>
-              <a:t>Google</a:t>
-            </a:r>
-            <a:r>
-              <a:rPr lang="zh-TW" altLang="en-US" dirty="0"/>
-              <a:t>找到答案。</a:t>
+              <a:t>port</a:t>
+            </a:r>
+            <a:r>
+              <a:rPr lang="zh-TW" altLang="en-US" dirty="0"/>
+              <a:t>，合成電路原理圖等等。</a:t>
+            </a:r>
+          </a:p>
+          <a:p>
+            <a:r>
+              <a:rPr lang="zh-TW" altLang="en-US" dirty="0"/>
+              <a:t>後處理。比方說是匯出模擬資料並生成報告，輸出模擬資源等。</a:t>
+            </a:r>
+          </a:p>
+          <a:p>
+            <a:r>
+              <a:rPr lang="zh-TW" altLang="en-US" dirty="0"/>
+              <a:t>簡化操作。將多個步驟連接成單一步驟，並連接到熱鍵。</a:t>
             </a:r>
           </a:p>
           <a:p>
@@ -10235,7 +10166,7 @@
           <p:cNvPr id="3" name="標題 2">
             <a:extLst>
               <a:ext uri="{FF2B5EF4-FFF2-40B4-BE49-F238E27FC236}">
-                <a16:creationId xmlns:a16="http://schemas.microsoft.com/office/drawing/2014/main" id="{CC22D15C-4B6A-4C30-9E72-7AA476A720D1}"/>
+                <a16:creationId xmlns:a16="http://schemas.microsoft.com/office/drawing/2014/main" id="{B9BA11D4-5DA0-4953-8C53-1201BD9A3419}"/>
               </a:ext>
             </a:extLst>
           </p:cNvPr>
@@ -10253,15 +10184,7 @@
           <a:p>
             <a:r>
               <a:rPr lang="zh-TW" altLang="en-US" dirty="0"/>
-              <a:t>是不是學會</a:t>
-            </a:r>
-            <a:r>
-              <a:rPr lang="en-US" altLang="zh-TW" dirty="0"/>
-              <a:t>Python</a:t>
-            </a:r>
-            <a:r>
-              <a:rPr lang="zh-TW" altLang="en-US" dirty="0"/>
-              <a:t>就可以開發自動化程式了</a:t>
+              <a:t>可以從哪些步驟切入模擬自動化？</a:t>
             </a:r>
             <a:br>
               <a:rPr lang="zh-TW" altLang="en-US" dirty="0"/>
@@ -10273,7 +10196,7 @@
     </p:spTree>
     <p:extLst>
       <p:ext uri="{BB962C8B-B14F-4D97-AF65-F5344CB8AC3E}">
-        <p14:creationId xmlns:p14="http://schemas.microsoft.com/office/powerpoint/2010/main" val="1480965944"/>
+        <p14:creationId xmlns:p14="http://schemas.microsoft.com/office/powerpoint/2010/main" val="2984231426"/>
       </p:ext>
     </p:extLst>
   </p:cSld>
@@ -10317,7 +10240,7 @@
           <p:cNvPr id="2" name="內容版面配置區 1">
             <a:extLst>
               <a:ext uri="{FF2B5EF4-FFF2-40B4-BE49-F238E27FC236}">
-                <a16:creationId xmlns:a16="http://schemas.microsoft.com/office/drawing/2014/main" id="{CF66E4CC-5385-41E9-B512-1FCF9A63B10A}"/>
+                <a16:creationId xmlns:a16="http://schemas.microsoft.com/office/drawing/2014/main" id="{5F3943C5-BE9F-4BF4-A111-F83F5931DA07}"/>
               </a:ext>
             </a:extLst>
           </p:cNvPr>
@@ -10338,33 +10261,71 @@
             </a:pPr>
             <a:r>
               <a:rPr lang="zh-TW" altLang="en-US" dirty="0"/>
-              <a:t>初學者可以考慮下面幾個方向：</a:t>
-            </a:r>
-          </a:p>
-          <a:p>
-            <a:r>
-              <a:rPr lang="zh-TW" altLang="en-US" dirty="0"/>
-              <a:t>前處理。比方說是建模，設</a:t>
+              <a:t>在執行模擬之前，我們必須先完成設計或</a:t>
             </a:r>
             <a:r>
               <a:rPr lang="en-US" altLang="zh-TW" dirty="0"/>
-              <a:t>port</a:t>
-            </a:r>
-            <a:r>
-              <a:rPr lang="zh-TW" altLang="en-US" dirty="0"/>
-              <a:t>，合成電路原理圖等等。</a:t>
-            </a:r>
-          </a:p>
-          <a:p>
-            <a:r>
-              <a:rPr lang="zh-TW" altLang="en-US" dirty="0"/>
-              <a:t>後處理。比方說是匯出模擬資料並生成報告，輸出模擬資源等。</a:t>
-            </a:r>
-          </a:p>
-          <a:p>
-            <a:r>
-              <a:rPr lang="zh-TW" altLang="en-US" dirty="0"/>
-              <a:t>簡化操作。將多個步驟連接成單一步驟，並連接到熱鍵。</a:t>
+              <a:t>3D</a:t>
+            </a:r>
+            <a:r>
+              <a:rPr lang="zh-TW" altLang="en-US" dirty="0"/>
+              <a:t>建模，材料庫的設定，</a:t>
+            </a:r>
+            <a:r>
+              <a:rPr lang="en-US" altLang="zh-TW" dirty="0"/>
+              <a:t>Port</a:t>
+            </a:r>
+            <a:r>
+              <a:rPr lang="zh-TW" altLang="en-US" dirty="0"/>
+              <a:t>的設置等等。對於某些設計，上述所提到的工作相當的繁複。例如大型天線陣列。手動設置往往曠日廢時又容易出錯。此時便可以透過前處理自動化來加速完成。</a:t>
+            </a:r>
+            <a:endParaRPr lang="en-US" altLang="zh-TW" dirty="0"/>
+          </a:p>
+          <a:p>
+            <a:pPr marL="0" indent="0">
+              <a:buNone/>
+            </a:pPr>
+            <a:endParaRPr lang="en-US" altLang="zh-TW" dirty="0"/>
+          </a:p>
+          <a:p>
+            <a:pPr marL="0" indent="0">
+              <a:buNone/>
+            </a:pPr>
+            <a:r>
+              <a:rPr lang="zh-TW" altLang="en-US" dirty="0"/>
+              <a:t>前處理自動化主要是透過呼叫</a:t>
+            </a:r>
+            <a:r>
+              <a:rPr lang="en-US" altLang="zh-TW" dirty="0"/>
+              <a:t>AEDT</a:t>
+            </a:r>
+            <a:r>
+              <a:rPr lang="zh-TW" altLang="en-US" dirty="0"/>
+              <a:t>的</a:t>
+            </a:r>
+            <a:r>
+              <a:rPr lang="en-US" altLang="zh-TW" dirty="0"/>
+              <a:t>API(Application Programming Interface)</a:t>
+            </a:r>
+            <a:r>
+              <a:rPr lang="zh-TW" altLang="en-US" dirty="0"/>
+              <a:t>函式來完成建模或加入新的材料等等。一般開發前處理自動化程式的方式是先行錄製一段操作，再加以修改擴充。比方說是加入迴圈來重複其操作，以節省人為操作所耗費的時間。錄製的</a:t>
+            </a:r>
+            <a:r>
+              <a:rPr lang="en-US" altLang="zh-TW" dirty="0"/>
+              <a:t>Python</a:t>
+            </a:r>
+            <a:r>
+              <a:rPr lang="zh-TW" altLang="en-US" dirty="0"/>
+              <a:t>程式可以用一般文字編輯器加以修改，個人偏好</a:t>
+            </a:r>
+            <a:r>
+              <a:rPr lang="en-US" altLang="zh-TW" dirty="0"/>
+              <a:t>Notepad++</a:t>
+            </a:r>
+            <a:r>
+              <a:rPr lang="zh-TW" altLang="en-US" dirty="0"/>
+              <a:t>。</a:t>
             </a:r>
           </a:p>
           <a:p>
@@ -10377,7 +10338,7 @@
           <p:cNvPr id="3" name="標題 2">
             <a:extLst>
               <a:ext uri="{FF2B5EF4-FFF2-40B4-BE49-F238E27FC236}">
-                <a16:creationId xmlns:a16="http://schemas.microsoft.com/office/drawing/2014/main" id="{B9BA11D4-5DA0-4953-8C53-1201BD9A3419}"/>
+                <a16:creationId xmlns:a16="http://schemas.microsoft.com/office/drawing/2014/main" id="{CC22D15C-4B6A-4C30-9E72-7AA476A720D1}"/>
               </a:ext>
             </a:extLst>
           </p:cNvPr>
@@ -10395,19 +10356,31 @@
           <a:p>
             <a:r>
               <a:rPr lang="zh-TW" altLang="en-US" dirty="0"/>
-              <a:t>可以從哪些步驟切入模擬自動化？</a:t>
-            </a:r>
-            <a:br>
-              <a:rPr lang="zh-TW" altLang="en-US" dirty="0"/>
-            </a:br>
-            <a:endParaRPr lang="zh-TW" altLang="en-US" dirty="0"/>
+              <a:t>可以介紹</a:t>
+            </a:r>
+            <a:r>
+              <a:rPr lang="en-US" altLang="zh-TW" dirty="0"/>
+              <a:t>"</a:t>
+            </a:r>
+            <a:r>
+              <a:rPr lang="zh-TW" altLang="en-US" dirty="0"/>
+              <a:t>前處理</a:t>
+            </a:r>
+            <a:r>
+              <a:rPr lang="en-US" altLang="zh-TW" dirty="0"/>
+              <a:t>"</a:t>
+            </a:r>
+            <a:r>
+              <a:rPr lang="zh-TW" altLang="en-US" dirty="0"/>
+              <a:t>自動化嗎？</a:t>
+            </a:r>
           </a:p>
         </p:txBody>
       </p:sp>
     </p:spTree>
     <p:extLst>
       <p:ext uri="{BB962C8B-B14F-4D97-AF65-F5344CB8AC3E}">
-        <p14:creationId xmlns:p14="http://schemas.microsoft.com/office/powerpoint/2010/main" val="2984231426"/>
+        <p14:creationId xmlns:p14="http://schemas.microsoft.com/office/powerpoint/2010/main" val="2336614475"/>
       </p:ext>
     </p:extLst>
   </p:cSld>
@@ -10464,7 +10437,9 @@
         </p:nvSpPr>
         <p:spPr/>
         <p:txBody>
-          <a:bodyPr/>
+          <a:bodyPr>
+            <a:normAutofit/>
+          </a:bodyPr>
           <a:lstStyle/>
           <a:p>
             <a:pPr marL="0" indent="0">
@@ -10472,39 +10447,19 @@
             </a:pPr>
             <a:r>
               <a:rPr lang="zh-TW" altLang="en-US" dirty="0"/>
-              <a:t>在執行模擬之前，我們必須先完成設計或</a:t>
+              <a:t>首先是錄製腳本，如果操作步驟繁複，可以分段錄製到不同的腳本當中。接下來將不同功能的程式碼包裝到不同函式當中，只留下需要的參數即可。每當包裝完一組程式碼，隨即編寫測試程式，如有必要可以用</a:t>
+            </a:r>
+            <a:r>
+              <a:rPr lang="en-US" altLang="zh-TW" dirty="0" err="1"/>
+              <a:t>AddWarningMessage</a:t>
             </a:r>
             <a:r>
               <a:rPr lang="en-US" altLang="zh-TW" dirty="0"/>
-              <a:t>3D</a:t>
-            </a:r>
-            <a:r>
-              <a:rPr lang="zh-TW" altLang="en-US" dirty="0"/>
-              <a:t>建模，材料庫的設定，</a:t>
-            </a:r>
-            <a:r>
-              <a:rPr lang="en-US" altLang="zh-TW" dirty="0"/>
-              <a:t>Port</a:t>
-            </a:r>
-            <a:r>
-              <a:rPr lang="zh-TW" altLang="en-US" dirty="0"/>
-              <a:t>的設置等等。對於某些設計，上述所提到的工作相當的繁複。例如大型天線陣列。手動設置往往曠日廢時又容易出錯。此時便可以透過前處理自動化來加速完成。</a:t>
-            </a:r>
-            <a:endParaRPr lang="en-US" altLang="zh-TW" dirty="0"/>
-          </a:p>
-          <a:p>
-            <a:pPr marL="0" indent="0">
-              <a:buNone/>
-            </a:pPr>
-            <a:endParaRPr lang="en-US" altLang="zh-TW" dirty="0"/>
-          </a:p>
-          <a:p>
-            <a:pPr marL="0" indent="0">
-              <a:buNone/>
-            </a:pPr>
-            <a:r>
-              <a:rPr lang="zh-TW" altLang="en-US" dirty="0"/>
-              <a:t>前處理自動化主要是透過呼叫</a:t>
+              <a:t>()</a:t>
+            </a:r>
+            <a:r>
+              <a:rPr lang="zh-TW" altLang="en-US" dirty="0"/>
+              <a:t>將函式當中的變數輸出到</a:t>
             </a:r>
             <a:r>
               <a:rPr lang="en-US" altLang="zh-TW" dirty="0"/>
@@ -10512,31 +10467,77 @@
             </a:r>
             <a:r>
               <a:rPr lang="zh-TW" altLang="en-US" dirty="0"/>
-              <a:t>的</a:t>
-            </a:r>
-            <a:r>
-              <a:rPr lang="en-US" altLang="zh-TW" dirty="0"/>
-              <a:t>API(Application Programming Interface)</a:t>
-            </a:r>
-            <a:r>
-              <a:rPr lang="zh-TW" altLang="en-US" dirty="0"/>
-              <a:t>函式來完成建模或加入新的材料等等。一般開發前處理自動化程式的方式是先行錄製一段操作，再加以修改擴充。比方說是加入迴圈來重複其操作，以節省人為操作所耗費的時間。錄製的</a:t>
-            </a:r>
-            <a:r>
-              <a:rPr lang="en-US" altLang="zh-TW" dirty="0"/>
-              <a:t>Python</a:t>
-            </a:r>
-            <a:r>
-              <a:rPr lang="zh-TW" altLang="en-US" dirty="0"/>
-              <a:t>程式可以用一般文字編輯器加以修改，個人偏好</a:t>
-            </a:r>
-            <a:r>
-              <a:rPr lang="en-US" altLang="zh-TW" dirty="0"/>
-              <a:t>Notepad++</a:t>
-            </a:r>
-            <a:r>
-              <a:rPr lang="zh-TW" altLang="en-US" dirty="0"/>
-              <a:t>。</a:t>
+              <a:t>的訊息視窗當中來協助除錯。最後串接所有程式之後進行完整功能測試。一切無誤，再視需要編寫使用者介面，並連結功能碼及使用者介面碼，完成開發工作。最後便是編寫使用說明並發布。</a:t>
+            </a:r>
+          </a:p>
+          <a:p>
+            <a:pPr marL="457200" indent="-457200">
+              <a:buFont typeface="+mj-lt"/>
+              <a:buAutoNum type="arabicPeriod"/>
+            </a:pPr>
+            <a:r>
+              <a:rPr lang="zh-TW" altLang="en-US" dirty="0">
+                <a:solidFill>
+                  <a:srgbClr val="0070C0"/>
+                </a:solidFill>
+              </a:rPr>
+              <a:t>錄製腳本</a:t>
+            </a:r>
+          </a:p>
+          <a:p>
+            <a:pPr marL="457200" indent="-457200">
+              <a:buFont typeface="+mj-lt"/>
+              <a:buAutoNum type="arabicPeriod"/>
+            </a:pPr>
+            <a:r>
+              <a:rPr lang="zh-TW" altLang="en-US" dirty="0">
+                <a:solidFill>
+                  <a:srgbClr val="0070C0"/>
+                </a:solidFill>
+              </a:rPr>
+              <a:t>函式包裝及測試</a:t>
+            </a:r>
+          </a:p>
+          <a:p>
+            <a:pPr marL="457200" indent="-457200">
+              <a:buFont typeface="+mj-lt"/>
+              <a:buAutoNum type="arabicPeriod"/>
+            </a:pPr>
+            <a:r>
+              <a:rPr lang="zh-TW" altLang="en-US" dirty="0">
+                <a:solidFill>
+                  <a:srgbClr val="0070C0"/>
+                </a:solidFill>
+              </a:rPr>
+              <a:t>整合函式並完成系統測試</a:t>
+            </a:r>
+          </a:p>
+          <a:p>
+            <a:pPr marL="457200" indent="-457200">
+              <a:buFont typeface="+mj-lt"/>
+              <a:buAutoNum type="arabicPeriod"/>
+            </a:pPr>
+            <a:r>
+              <a:rPr lang="zh-TW" altLang="en-US" dirty="0">
+                <a:solidFill>
+                  <a:srgbClr val="0070C0"/>
+                </a:solidFill>
+              </a:rPr>
+              <a:t>加入使用者介面</a:t>
+            </a:r>
+          </a:p>
+          <a:p>
+            <a:pPr marL="457200" indent="-457200">
+              <a:buFont typeface="+mj-lt"/>
+              <a:buAutoNum type="arabicPeriod"/>
+            </a:pPr>
+            <a:r>
+              <a:rPr lang="zh-TW" altLang="en-US" dirty="0">
+                <a:solidFill>
+                  <a:srgbClr val="0070C0"/>
+                </a:solidFill>
+              </a:rPr>
+              <a:t>編寫說明並發布</a:t>
             </a:r>
           </a:p>
           <a:p>
@@ -10567,7 +10568,7 @@
           <a:p>
             <a:r>
               <a:rPr lang="zh-TW" altLang="en-US" dirty="0"/>
-              <a:t>可以介紹</a:t>
+              <a:t>可以簡單描述</a:t>
             </a:r>
             <a:r>
               <a:rPr lang="en-US" altLang="zh-TW" dirty="0"/>
@@ -10583,15 +10584,19 @@
             </a:r>
             <a:r>
               <a:rPr lang="zh-TW" altLang="en-US" dirty="0"/>
-              <a:t>自動化嗎？</a:t>
-            </a:r>
+              <a:t>自動化的流程嗎？</a:t>
+            </a:r>
+            <a:br>
+              <a:rPr lang="zh-TW" altLang="en-US" dirty="0"/>
+            </a:br>
+            <a:endParaRPr lang="zh-TW" altLang="en-US" dirty="0"/>
           </a:p>
         </p:txBody>
       </p:sp>
     </p:spTree>
     <p:extLst>
       <p:ext uri="{BB962C8B-B14F-4D97-AF65-F5344CB8AC3E}">
-        <p14:creationId xmlns:p14="http://schemas.microsoft.com/office/powerpoint/2010/main" val="2336614475"/>
+        <p14:creationId xmlns:p14="http://schemas.microsoft.com/office/powerpoint/2010/main" val="252655923"/>
       </p:ext>
     </p:extLst>
   </p:cSld>
@@ -10648,9 +10653,7 @@
         </p:nvSpPr>
         <p:spPr/>
         <p:txBody>
-          <a:bodyPr>
-            <a:normAutofit/>
-          </a:bodyPr>
+          <a:bodyPr/>
           <a:lstStyle/>
           <a:p>
             <a:pPr marL="0" indent="0">
@@ -10658,19 +10661,7 @@
             </a:pPr>
             <a:r>
               <a:rPr lang="zh-TW" altLang="en-US" dirty="0"/>
-              <a:t>首先是錄製腳本，如果操作步驟繁複，可以分段錄製到不同的腳本當中。接下來將不同功能的程式碼包裝到不同函式當中，只留下需要的參數即可。每當包裝完一組程式碼，隨即編寫測試程式，如有必要可以用</a:t>
-            </a:r>
-            <a:r>
-              <a:rPr lang="en-US" altLang="zh-TW" dirty="0" err="1"/>
-              <a:t>AddWarningMessage</a:t>
-            </a:r>
-            <a:r>
-              <a:rPr lang="en-US" altLang="zh-TW" dirty="0"/>
-              <a:t>()</a:t>
-            </a:r>
-            <a:r>
-              <a:rPr lang="zh-TW" altLang="en-US" dirty="0"/>
-              <a:t>將函式當中的變數輸出到</a:t>
+              <a:t>後處理指的是模擬後的資料處理。模擬的大量資料產出提供了設計的重要訊息，</a:t>
             </a:r>
             <a:r>
               <a:rPr lang="en-US" altLang="zh-TW" dirty="0"/>
@@ -10678,77 +10669,126 @@
             </a:r>
             <a:r>
               <a:rPr lang="zh-TW" altLang="en-US" dirty="0"/>
-              <a:t>的訊息視窗當中來協助除錯。最後串接所有程式之後進行完整功能測試。一切無誤，再視需要編寫使用者介面，並連結功能碼及使用者介面碼，完成開發工作。最後便是編寫使用說明並發布。</a:t>
-            </a:r>
-          </a:p>
-          <a:p>
-            <a:pPr marL="457200" indent="-457200">
-              <a:buFont typeface="+mj-lt"/>
-              <a:buAutoNum type="arabicPeriod"/>
+              <a:t>當中的各式報表可以支持大部分的需求，比方說是</a:t>
+            </a:r>
+            <a:r>
+              <a:rPr lang="en-US" altLang="zh-TW" dirty="0"/>
+              <a:t>XY</a:t>
+            </a:r>
+            <a:r>
+              <a:rPr lang="zh-TW" altLang="en-US" dirty="0"/>
+              <a:t>圖，表格，密度分布圖等等。但是一旦要分析的資料較為複雜，</a:t>
+            </a:r>
+            <a:r>
+              <a:rPr lang="en-US" altLang="zh-TW" dirty="0"/>
+              <a:t>Report</a:t>
+            </a:r>
+            <a:r>
+              <a:rPr lang="zh-TW" altLang="en-US" dirty="0"/>
+              <a:t>無法勝任時，我們便需要將模擬完成的原始資料匯出到第三方軟體</a:t>
+            </a:r>
+            <a:r>
+              <a:rPr lang="en-US" altLang="zh-TW" dirty="0"/>
+              <a:t>(</a:t>
+            </a:r>
+            <a:r>
+              <a:rPr lang="zh-TW" altLang="en-US" dirty="0"/>
+              <a:t>如</a:t>
+            </a:r>
+            <a:r>
+              <a:rPr lang="en-US" altLang="zh-TW" dirty="0" err="1"/>
+              <a:t>Matlab</a:t>
+            </a:r>
+            <a:r>
+              <a:rPr lang="en-US" altLang="zh-TW" dirty="0"/>
+              <a:t>, Python)</a:t>
+            </a:r>
+            <a:r>
+              <a:rPr lang="zh-TW" altLang="en-US" dirty="0"/>
+              <a:t>來分析。這部分牽涉了資料匯出、運算、視覺化、排版等等。需要自動化來簡化這一連串的瑣碎流程。舉例來說，一組複雜的</a:t>
+            </a:r>
+            <a:r>
+              <a:rPr lang="en-US" altLang="zh-TW" dirty="0"/>
+              <a:t>QFN</a:t>
+            </a:r>
+            <a:r>
+              <a:rPr lang="zh-TW" altLang="en-US" dirty="0"/>
+              <a:t>封裝完成模擬之後，生成了上百組的</a:t>
+            </a:r>
+            <a:r>
+              <a:rPr lang="en-US" altLang="zh-TW" dirty="0"/>
+              <a:t>RLC</a:t>
+            </a:r>
+            <a:r>
+              <a:rPr lang="zh-TW" altLang="en-US" dirty="0"/>
+              <a:t>等效電路模型，便可以透過腳本快速找出</a:t>
+            </a:r>
+            <a:r>
+              <a:rPr lang="en-US" altLang="zh-TW" dirty="0"/>
+              <a:t>RLC</a:t>
+            </a:r>
+            <a:r>
+              <a:rPr lang="zh-TW" altLang="en-US" dirty="0"/>
+              <a:t>值超出標準的腳位，而不需要人工逐條檢視紀錄。</a:t>
+            </a:r>
+          </a:p>
+          <a:p>
+            <a:pPr marL="0" indent="0">
+              <a:buNone/>
             </a:pPr>
-            <a:r>
-              <a:rPr lang="zh-TW" altLang="en-US" dirty="0">
-                <a:solidFill>
-                  <a:srgbClr val="0070C0"/>
-                </a:solidFill>
-              </a:rPr>
-              <a:t>錄製腳本</a:t>
-            </a:r>
-          </a:p>
-          <a:p>
-            <a:pPr marL="457200" indent="-457200">
-              <a:buFont typeface="+mj-lt"/>
-              <a:buAutoNum type="arabicPeriod"/>
+            <a:endParaRPr lang="en-US" altLang="zh-TW" dirty="0"/>
+          </a:p>
+          <a:p>
+            <a:pPr marL="0" indent="0">
+              <a:buNone/>
             </a:pPr>
             <a:r>
-              <a:rPr lang="zh-TW" altLang="en-US" dirty="0">
-                <a:solidFill>
-                  <a:srgbClr val="0070C0"/>
-                </a:solidFill>
-              </a:rPr>
-              <a:t>函式包裝及測試</a:t>
-            </a:r>
-          </a:p>
-          <a:p>
-            <a:pPr marL="457200" indent="-457200">
-              <a:buFont typeface="+mj-lt"/>
-              <a:buAutoNum type="arabicPeriod"/>
-            </a:pPr>
-            <a:r>
-              <a:rPr lang="zh-TW" altLang="en-US" dirty="0">
-                <a:solidFill>
-                  <a:srgbClr val="0070C0"/>
-                </a:solidFill>
-              </a:rPr>
-              <a:t>整合函式並完成系統測試</a:t>
-            </a:r>
-          </a:p>
-          <a:p>
-            <a:pPr marL="457200" indent="-457200">
-              <a:buFont typeface="+mj-lt"/>
-              <a:buAutoNum type="arabicPeriod"/>
-            </a:pPr>
-            <a:r>
-              <a:rPr lang="zh-TW" altLang="en-US" dirty="0">
-                <a:solidFill>
-                  <a:srgbClr val="0070C0"/>
-                </a:solidFill>
-              </a:rPr>
-              <a:t>加入使用者介面</a:t>
-            </a:r>
-          </a:p>
-          <a:p>
-            <a:pPr marL="457200" indent="-457200">
-              <a:buFont typeface="+mj-lt"/>
-              <a:buAutoNum type="arabicPeriod"/>
-            </a:pPr>
-            <a:r>
-              <a:rPr lang="zh-TW" altLang="en-US" dirty="0">
-                <a:solidFill>
-                  <a:srgbClr val="0070C0"/>
-                </a:solidFill>
-              </a:rPr>
-              <a:t>編寫說明並發布</a:t>
+              <a:rPr lang="en-US" altLang="zh-TW" dirty="0"/>
+              <a:t>Anaconda</a:t>
+            </a:r>
+            <a:r>
+              <a:rPr lang="zh-TW" altLang="en-US" dirty="0"/>
+              <a:t>支援了</a:t>
+            </a:r>
+            <a:r>
+              <a:rPr lang="en-US" altLang="zh-TW" dirty="0" err="1"/>
+              <a:t>Pythoon</a:t>
+            </a:r>
+            <a:r>
+              <a:rPr lang="zh-TW" altLang="en-US" dirty="0"/>
+              <a:t>語言，並支援</a:t>
+            </a:r>
+            <a:r>
+              <a:rPr lang="en-US" altLang="zh-TW" dirty="0" err="1"/>
+              <a:t>Numpy</a:t>
+            </a:r>
+            <a:r>
+              <a:rPr lang="zh-TW" altLang="en-US" dirty="0"/>
+              <a:t>及</a:t>
+            </a:r>
+            <a:r>
+              <a:rPr lang="en-US" altLang="zh-TW" dirty="0" err="1"/>
+              <a:t>Scipy</a:t>
+            </a:r>
+            <a:r>
+              <a:rPr lang="zh-TW" altLang="en-US" dirty="0"/>
+              <a:t>科學運算庫，</a:t>
+            </a:r>
+            <a:r>
+              <a:rPr lang="en-US" altLang="zh-TW" dirty="0"/>
+              <a:t>Matplotlib</a:t>
+            </a:r>
+            <a:r>
+              <a:rPr lang="zh-TW" altLang="en-US" dirty="0"/>
+              <a:t>繪圖庫，目前已在各個科學運算領域取代了</a:t>
+            </a:r>
+            <a:r>
+              <a:rPr lang="en-US" altLang="zh-TW" dirty="0" err="1"/>
+              <a:t>Matlab</a:t>
+            </a:r>
+            <a:r>
+              <a:rPr lang="zh-TW" altLang="en-US" dirty="0"/>
+              <a:t>成為工程師的首選，再加上其為開源軟體，可無償使用。是後處理自動化的首選。</a:t>
             </a:r>
           </a:p>
           <a:p>
@@ -10779,7 +10819,7 @@
           <a:p>
             <a:r>
               <a:rPr lang="zh-TW" altLang="en-US" dirty="0"/>
-              <a:t>可以簡單描述</a:t>
+              <a:t>可以說明</a:t>
             </a:r>
             <a:r>
               <a:rPr lang="en-US" altLang="zh-TW" dirty="0"/>
@@ -10787,7 +10827,7 @@
             </a:r>
             <a:r>
               <a:rPr lang="zh-TW" altLang="en-US" dirty="0"/>
-              <a:t>前處理</a:t>
+              <a:t>後處理</a:t>
             </a:r>
             <a:r>
               <a:rPr lang="en-US" altLang="zh-TW" dirty="0"/>
@@ -10795,7 +10835,7 @@
             </a:r>
             <a:r>
               <a:rPr lang="zh-TW" altLang="en-US" dirty="0"/>
-              <a:t>自動化的流程嗎？</a:t>
+              <a:t>自動化嗎？</a:t>
             </a:r>
             <a:br>
               <a:rPr lang="zh-TW" altLang="en-US" dirty="0"/>
@@ -10807,7 +10847,7 @@
     </p:spTree>
     <p:extLst>
       <p:ext uri="{BB962C8B-B14F-4D97-AF65-F5344CB8AC3E}">
-        <p14:creationId xmlns:p14="http://schemas.microsoft.com/office/powerpoint/2010/main" val="252655923"/>
+        <p14:creationId xmlns:p14="http://schemas.microsoft.com/office/powerpoint/2010/main" val="2517686270"/>
       </p:ext>
     </p:extLst>
   </p:cSld>
@@ -10872,7 +10912,7 @@
             </a:pPr>
             <a:r>
               <a:rPr lang="zh-TW" altLang="en-US" dirty="0"/>
-              <a:t>後處理指的是模擬後的資料處理。模擬的大量資料產出提供了設計的重要訊息，</a:t>
+              <a:t>簡單的程式數十行代碼即可完成，開發時間不過數十分鐘。複雜的幾千行，開發時間需要數天到數周。這當然跟工程師對程式設計的掌握度及</a:t>
             </a:r>
             <a:r>
               <a:rPr lang="en-US" altLang="zh-TW" dirty="0"/>
@@ -10880,129 +10920,72 @@
             </a:r>
             <a:r>
               <a:rPr lang="zh-TW" altLang="en-US" dirty="0"/>
-              <a:t>當中的各式報表可以支持大部分的需求，比方說是</a:t>
+              <a:t>的熟悉度有絕對的關係。開發自動化程式需要使用到</a:t>
             </a:r>
             <a:r>
               <a:rPr lang="en-US" altLang="zh-TW" dirty="0"/>
-              <a:t>XY</a:t>
-            </a:r>
-            <a:r>
-              <a:rPr lang="zh-TW" altLang="en-US" dirty="0"/>
-              <a:t>圖，表格，密度分布圖等等。但是一旦要分析的資料較為複雜，</a:t>
+              <a:t>AEDT</a:t>
+            </a:r>
+            <a:r>
+              <a:rPr lang="zh-TW" altLang="en-US" dirty="0"/>
+              <a:t>的函式庫，找到所需的函式並熟悉函式的輸出入是最花時間的地方。單單</a:t>
             </a:r>
             <a:r>
               <a:rPr lang="en-US" altLang="zh-TW" dirty="0"/>
-              <a:t>Report</a:t>
-            </a:r>
-            <a:r>
-              <a:rPr lang="zh-TW" altLang="en-US" dirty="0"/>
-              <a:t>無法勝任時，我們便需要將模擬完成的原始資料匯出到第三方軟體</a:t>
+              <a:t>HFSS</a:t>
+            </a:r>
+            <a:r>
+              <a:rPr lang="zh-TW" altLang="en-US" dirty="0"/>
+              <a:t>就提供了上千個函式，如果要透過人工從無到有開發自動化程式其工作量不敢想像。所幸</a:t>
             </a:r>
             <a:r>
               <a:rPr lang="en-US" altLang="zh-TW" dirty="0"/>
-              <a:t>(</a:t>
-            </a:r>
-            <a:r>
-              <a:rPr lang="zh-TW" altLang="en-US" dirty="0"/>
-              <a:t>如</a:t>
-            </a:r>
-            <a:r>
-              <a:rPr lang="en-US" altLang="zh-TW" dirty="0" err="1"/>
-              <a:t>Matlab</a:t>
+              <a:t>AEDT</a:t>
+            </a:r>
+            <a:r>
+              <a:rPr lang="zh-TW" altLang="en-US" dirty="0"/>
+              <a:t>可以讓使用者錄製操作步驟並輸出腳本，這約莫節省了</a:t>
             </a:r>
             <a:r>
               <a:rPr lang="en-US" altLang="zh-TW" dirty="0"/>
-              <a:t>, Python)</a:t>
-            </a:r>
-            <a:r>
-              <a:rPr lang="zh-TW" altLang="en-US" dirty="0"/>
-              <a:t>來分析。這部分牽涉了資料匯出、運算、視覺化、排版等等。需要自動化來簡化這一連串的瑣碎流程。舉例來說，一組複雜的</a:t>
+              <a:t>80%</a:t>
+            </a:r>
+            <a:r>
+              <a:rPr lang="zh-TW" altLang="en-US" dirty="0"/>
+              <a:t>函式查詢及學習的時間。另外</a:t>
             </a:r>
             <a:r>
               <a:rPr lang="en-US" altLang="zh-TW" dirty="0"/>
-              <a:t>QFN</a:t>
-            </a:r>
-            <a:r>
-              <a:rPr lang="zh-TW" altLang="en-US" dirty="0"/>
-              <a:t>封裝完成模擬之後，生成了上百組的</a:t>
+              <a:t>20%</a:t>
+            </a:r>
+            <a:r>
+              <a:rPr lang="zh-TW" altLang="en-US" dirty="0"/>
+              <a:t>的函數是</a:t>
             </a:r>
             <a:r>
               <a:rPr lang="en-US" altLang="zh-TW" dirty="0"/>
-              <a:t>RLC</a:t>
-            </a:r>
-            <a:r>
-              <a:rPr lang="zh-TW" altLang="en-US" dirty="0"/>
-              <a:t>等效電路模型，便可以透過腳本快速找出</a:t>
+              <a:t>"</a:t>
+            </a:r>
+            <a:r>
+              <a:rPr lang="zh-TW" altLang="en-US" dirty="0"/>
+              <a:t>查詢</a:t>
             </a:r>
             <a:r>
               <a:rPr lang="en-US" altLang="zh-TW" dirty="0"/>
-              <a:t>RLC</a:t>
-            </a:r>
-            <a:r>
-              <a:rPr lang="zh-TW" altLang="en-US" dirty="0"/>
-              <a:t>值超出標準的腳位，而不需要人工逐條檢視紀錄。</a:t>
+              <a:t>"</a:t>
+            </a:r>
+            <a:r>
+              <a:rPr lang="zh-TW" altLang="en-US" dirty="0"/>
+              <a:t>相關的函式無法透過錄製得到，便需要查找文件。</a:t>
             </a:r>
           </a:p>
           <a:p>
             <a:pPr marL="0" indent="0">
               <a:buNone/>
             </a:pPr>
-            <a:endParaRPr lang="en-US" altLang="zh-TW" dirty="0"/>
-          </a:p>
-          <a:p>
-            <a:pPr marL="0" indent="0">
-              <a:buNone/>
-            </a:pPr>
-            <a:r>
-              <a:rPr lang="en-US" altLang="zh-TW" dirty="0"/>
-              <a:t>Anaconda</a:t>
-            </a:r>
-            <a:r>
-              <a:rPr lang="zh-TW" altLang="en-US" dirty="0"/>
-              <a:t>支援了</a:t>
-            </a:r>
-            <a:r>
-              <a:rPr lang="en-US" altLang="zh-TW" dirty="0" err="1"/>
-              <a:t>Pythoon</a:t>
-            </a:r>
-            <a:r>
-              <a:rPr lang="zh-TW" altLang="en-US" dirty="0"/>
-              <a:t>語言，並支援</a:t>
-            </a:r>
-            <a:r>
-              <a:rPr lang="en-US" altLang="zh-TW" dirty="0" err="1"/>
-              <a:t>Numpy</a:t>
-            </a:r>
-            <a:r>
-              <a:rPr lang="zh-TW" altLang="en-US" dirty="0"/>
-              <a:t>及</a:t>
-            </a:r>
-            <a:r>
-              <a:rPr lang="en-US" altLang="zh-TW" dirty="0" err="1"/>
-              <a:t>Scipy</a:t>
-            </a:r>
-            <a:r>
-              <a:rPr lang="zh-TW" altLang="en-US" dirty="0"/>
-              <a:t>科學運算庫，</a:t>
-            </a:r>
-            <a:r>
-              <a:rPr lang="en-US" altLang="zh-TW" dirty="0"/>
-              <a:t>Matplotlib</a:t>
-            </a:r>
-            <a:r>
-              <a:rPr lang="zh-TW" altLang="en-US" dirty="0"/>
-              <a:t>繪圖庫，目前已在各個科學運算領域取代了</a:t>
-            </a:r>
-            <a:r>
-              <a:rPr lang="en-US" altLang="zh-TW" dirty="0" err="1"/>
-              <a:t>Matlab</a:t>
-            </a:r>
-            <a:r>
-              <a:rPr lang="zh-TW" altLang="en-US" dirty="0"/>
-              <a:t>成為工程師的首選，再加上其為開源軟體，可無償使用。是後處理自動化的首選。</a:t>
-            </a:r>
-          </a:p>
-          <a:p>
+            <a:br>
+              <a:rPr lang="zh-TW" altLang="en-US" dirty="0"/>
+            </a:br>
             <a:endParaRPr lang="zh-TW" altLang="en-US" dirty="0"/>
           </a:p>
         </p:txBody>
@@ -11030,23 +11013,15 @@
           <a:p>
             <a:r>
               <a:rPr lang="zh-TW" altLang="en-US" dirty="0"/>
-              <a:t>可以說明</a:t>
+              <a:t>完成一個</a:t>
             </a:r>
             <a:r>
               <a:rPr lang="en-US" altLang="zh-TW" dirty="0"/>
-              <a:t>"</a:t>
-            </a:r>
-            <a:r>
-              <a:rPr lang="zh-TW" altLang="en-US" dirty="0"/>
-              <a:t>後處理</a:t>
-            </a:r>
-            <a:r>
-              <a:rPr lang="en-US" altLang="zh-TW" dirty="0"/>
-              <a:t>"</a:t>
-            </a:r>
-            <a:r>
-              <a:rPr lang="zh-TW" altLang="en-US" dirty="0"/>
-              <a:t>自動化嗎？</a:t>
+              <a:t>AEDT</a:t>
+            </a:r>
+            <a:r>
+              <a:rPr lang="zh-TW" altLang="en-US" dirty="0"/>
+              <a:t>自動化程式要多久時間？最大的困難是什麼？</a:t>
             </a:r>
             <a:br>
               <a:rPr lang="zh-TW" altLang="en-US" dirty="0"/>
@@ -11058,7 +11033,7 @@
     </p:spTree>
     <p:extLst>
       <p:ext uri="{BB962C8B-B14F-4D97-AF65-F5344CB8AC3E}">
-        <p14:creationId xmlns:p14="http://schemas.microsoft.com/office/powerpoint/2010/main" val="2517686270"/>
+        <p14:creationId xmlns:p14="http://schemas.microsoft.com/office/powerpoint/2010/main" val="2963169921"/>
       </p:ext>
     </p:extLst>
   </p:cSld>
@@ -11099,10 +11074,10 @@
       </p:grpSpPr>
       <p:sp>
         <p:nvSpPr>
-          <p:cNvPr id="2" name="內容版面配置區 1">
-            <a:extLst>
-              <a:ext uri="{FF2B5EF4-FFF2-40B4-BE49-F238E27FC236}">
-                <a16:creationId xmlns:a16="http://schemas.microsoft.com/office/drawing/2014/main" id="{5F3943C5-BE9F-4BF4-A111-F83F5931DA07}"/>
+          <p:cNvPr id="4" name="文字版面配置區 3">
+            <a:extLst>
+              <a:ext uri="{FF2B5EF4-FFF2-40B4-BE49-F238E27FC236}">
+                <a16:creationId xmlns:a16="http://schemas.microsoft.com/office/drawing/2014/main" id="{2FA54F75-D405-4104-B6BB-EA44A23A109A}"/>
               </a:ext>
             </a:extLst>
           </p:cNvPr>
@@ -11110,7 +11085,7 @@
             <a:spLocks noGrp="1"/>
           </p:cNvSpPr>
           <p:nvPr>
-            <p:ph idx="1"/>
+            <p:ph type="body" sz="quarter" idx="10"/>
           </p:nvPr>
         </p:nvSpPr>
         <p:spPr/>
@@ -11118,12 +11093,9 @@
           <a:bodyPr/>
           <a:lstStyle/>
           <a:p>
-            <a:pPr marL="0" indent="0">
-              <a:buNone/>
-            </a:pPr>
-            <a:r>
-              <a:rPr lang="zh-TW" altLang="en-US" dirty="0"/>
-              <a:t>簡單的程式數十行代碼即可完成，開發時間不過數十分鐘。複雜的幾千行，開發時間需要數天到數周。這當然跟工程師對程式設計的掌握度及</a:t>
+            <a:r>
+              <a:rPr lang="zh-TW" altLang="en-US" dirty="0"/>
+              <a:t>了解</a:t>
             </a:r>
             <a:r>
               <a:rPr lang="en-US" altLang="zh-TW" dirty="0"/>
@@ -11131,82 +11103,17 @@
             </a:r>
             <a:r>
               <a:rPr lang="zh-TW" altLang="en-US" dirty="0"/>
-              <a:t>的熟悉度有絕對的關係。開發自動化程式需要使用到</a:t>
-            </a:r>
-            <a:r>
-              <a:rPr lang="en-US" altLang="zh-TW" dirty="0"/>
-              <a:t>AEDT</a:t>
-            </a:r>
-            <a:r>
-              <a:rPr lang="zh-TW" altLang="en-US" dirty="0"/>
-              <a:t>的函式庫，找到所需的函式並熟悉函式的輸出入是最花時間的地方。單單</a:t>
-            </a:r>
-            <a:r>
-              <a:rPr lang="en-US" altLang="zh-TW" dirty="0"/>
-              <a:t>HFSS</a:t>
-            </a:r>
-            <a:r>
-              <a:rPr lang="zh-TW" altLang="en-US" dirty="0"/>
-              <a:t>就提供了上千個函式，如果要透過人工從無到有開發自動化程式其工作量不敢想像。所幸</a:t>
-            </a:r>
-            <a:r>
-              <a:rPr lang="en-US" altLang="zh-TW" dirty="0"/>
-              <a:t>AEDT</a:t>
-            </a:r>
-            <a:r>
-              <a:rPr lang="zh-TW" altLang="en-US" dirty="0"/>
-              <a:t>可以讓使用者錄製操作步驟並輸出腳本，這約莫節省了</a:t>
-            </a:r>
-            <a:r>
-              <a:rPr lang="en-US" altLang="zh-TW" dirty="0"/>
-              <a:t>80%</a:t>
-            </a:r>
-            <a:r>
-              <a:rPr lang="zh-TW" altLang="en-US" dirty="0"/>
-              <a:t>函式查詢及學習的時間。另外</a:t>
-            </a:r>
-            <a:r>
-              <a:rPr lang="en-US" altLang="zh-TW" dirty="0"/>
-              <a:t>20%</a:t>
-            </a:r>
-            <a:r>
-              <a:rPr lang="zh-TW" altLang="en-US" dirty="0"/>
-              <a:t>的函數是</a:t>
-            </a:r>
-            <a:r>
-              <a:rPr lang="en-US" altLang="zh-TW" dirty="0"/>
-              <a:t>"</a:t>
-            </a:r>
-            <a:r>
-              <a:rPr lang="zh-TW" altLang="en-US" dirty="0"/>
-              <a:t>查詢</a:t>
-            </a:r>
-            <a:r>
-              <a:rPr lang="en-US" altLang="zh-TW" dirty="0"/>
-              <a:t>"</a:t>
-            </a:r>
-            <a:r>
-              <a:rPr lang="zh-TW" altLang="en-US" dirty="0"/>
-              <a:t>相關的函式無法透過錄製得到，便需要查找文件。</a:t>
-            </a:r>
-          </a:p>
-          <a:p>
-            <a:pPr marL="0" indent="0">
-              <a:buNone/>
-            </a:pPr>
-            <a:br>
-              <a:rPr lang="zh-TW" altLang="en-US" dirty="0"/>
-            </a:br>
-            <a:endParaRPr lang="zh-TW" altLang="en-US" dirty="0"/>
-          </a:p>
-        </p:txBody>
-      </p:sp>
-      <p:sp>
-        <p:nvSpPr>
-          <p:cNvPr id="3" name="標題 2">
-            <a:extLst>
-              <a:ext uri="{FF2B5EF4-FFF2-40B4-BE49-F238E27FC236}">
-                <a16:creationId xmlns:a16="http://schemas.microsoft.com/office/drawing/2014/main" id="{CC22D15C-4B6A-4C30-9E72-7AA476A720D1}"/>
+              <a:t>模擬自動化程式的框架</a:t>
+            </a:r>
+          </a:p>
+        </p:txBody>
+      </p:sp>
+      <p:sp>
+        <p:nvSpPr>
+          <p:cNvPr id="5" name="文字版面配置區 4">
+            <a:extLst>
+              <a:ext uri="{FF2B5EF4-FFF2-40B4-BE49-F238E27FC236}">
+                <a16:creationId xmlns:a16="http://schemas.microsoft.com/office/drawing/2014/main" id="{CEE2A55E-C73D-43FF-AA36-95C0FF95B7B1}"/>
               </a:ext>
             </a:extLst>
           </p:cNvPr>
@@ -11214,7 +11121,7 @@
             <a:spLocks noGrp="1"/>
           </p:cNvSpPr>
           <p:nvPr>
-            <p:ph type="title"/>
+            <p:ph type="body" sz="quarter" idx="12"/>
           </p:nvPr>
         </p:nvSpPr>
         <p:spPr/>
@@ -11222,29 +11129,14 @@
           <a:bodyPr/>
           <a:lstStyle/>
           <a:p>
-            <a:r>
-              <a:rPr lang="zh-TW" altLang="en-US" dirty="0"/>
-              <a:t>完成一個</a:t>
-            </a:r>
-            <a:r>
-              <a:rPr lang="en-US" altLang="zh-TW" dirty="0"/>
-              <a:t>AEDT</a:t>
-            </a:r>
-            <a:r>
-              <a:rPr lang="zh-TW" altLang="en-US" dirty="0"/>
-              <a:t>自動化程式要多久時間？最大的困難是什麼？</a:t>
-            </a:r>
-            <a:br>
-              <a:rPr lang="zh-TW" altLang="en-US" dirty="0"/>
-            </a:br>
-            <a:endParaRPr lang="zh-TW" altLang="en-US" dirty="0"/>
+            <a:endParaRPr lang="zh-TW" altLang="en-US"/>
           </a:p>
         </p:txBody>
       </p:sp>
     </p:spTree>
     <p:extLst>
       <p:ext uri="{BB962C8B-B14F-4D97-AF65-F5344CB8AC3E}">
-        <p14:creationId xmlns:p14="http://schemas.microsoft.com/office/powerpoint/2010/main" val="2963169921"/>
+        <p14:creationId xmlns:p14="http://schemas.microsoft.com/office/powerpoint/2010/main" val="1322618313"/>
       </p:ext>
     </p:extLst>
   </p:cSld>
@@ -11285,10 +11177,10 @@
       </p:grpSpPr>
       <p:sp>
         <p:nvSpPr>
-          <p:cNvPr id="4" name="文字版面配置區 3">
-            <a:extLst>
-              <a:ext uri="{FF2B5EF4-FFF2-40B4-BE49-F238E27FC236}">
-                <a16:creationId xmlns:a16="http://schemas.microsoft.com/office/drawing/2014/main" id="{2FA54F75-D405-4104-B6BB-EA44A23A109A}"/>
+          <p:cNvPr id="5" name="內容版面配置區 4">
+            <a:extLst>
+              <a:ext uri="{FF2B5EF4-FFF2-40B4-BE49-F238E27FC236}">
+                <a16:creationId xmlns:a16="http://schemas.microsoft.com/office/drawing/2014/main" id="{A7067C16-CC57-469B-A123-29FCF8BAE70C}"/>
               </a:ext>
             </a:extLst>
           </p:cNvPr>
@@ -11296,7 +11188,7 @@
             <a:spLocks noGrp="1"/>
           </p:cNvSpPr>
           <p:nvPr>
-            <p:ph type="body" sz="quarter" idx="10"/>
+            <p:ph idx="1"/>
           </p:nvPr>
         </p:nvSpPr>
         <p:spPr/>
@@ -11304,9 +11196,84 @@
           <a:bodyPr/>
           <a:lstStyle/>
           <a:p>
-            <a:r>
-              <a:rPr lang="zh-TW" altLang="en-US" dirty="0"/>
-              <a:t>了解</a:t>
+            <a:pPr marL="0" indent="0">
+              <a:buNone/>
+            </a:pPr>
+            <a:r>
+              <a:rPr lang="zh-TW" altLang="en-US" dirty="0"/>
+              <a:t>一般的</a:t>
+            </a:r>
+            <a:r>
+              <a:rPr lang="en-US" altLang="zh-TW" dirty="0"/>
+              <a:t>Python</a:t>
+            </a:r>
+            <a:r>
+              <a:rPr lang="zh-TW" altLang="en-US" dirty="0"/>
+              <a:t>又稱為</a:t>
+            </a:r>
+            <a:r>
+              <a:rPr lang="en-US" altLang="zh-TW" dirty="0" err="1"/>
+              <a:t>Cpython</a:t>
+            </a:r>
+            <a:r>
+              <a:rPr lang="zh-TW" altLang="en-US" dirty="0"/>
+              <a:t>。兩者的語法是類似的，內建基本函式庫也相同。但是目前多數科學用函式庫如</a:t>
+            </a:r>
+            <a:r>
+              <a:rPr lang="en-US" altLang="zh-TW" dirty="0"/>
+              <a:t>Matplotlib</a:t>
+            </a:r>
+            <a:r>
+              <a:rPr lang="zh-TW" altLang="en-US" dirty="0"/>
+              <a:t>，</a:t>
+            </a:r>
+            <a:r>
+              <a:rPr lang="en-US" altLang="zh-TW" dirty="0" err="1"/>
+              <a:t>Scipy</a:t>
+            </a:r>
+            <a:r>
+              <a:rPr lang="zh-TW" altLang="en-US" dirty="0"/>
+              <a:t>及</a:t>
+            </a:r>
+            <a:r>
+              <a:rPr lang="en-US" altLang="zh-TW" dirty="0" err="1"/>
+              <a:t>Numpy</a:t>
+            </a:r>
+            <a:r>
+              <a:rPr lang="zh-TW" altLang="en-US" dirty="0"/>
+              <a:t>僅支援</a:t>
+            </a:r>
+            <a:r>
+              <a:rPr lang="en-US" altLang="zh-TW" dirty="0" err="1"/>
+              <a:t>Cpython</a:t>
+            </a:r>
+            <a:r>
+              <a:rPr lang="zh-TW" altLang="en-US" dirty="0"/>
+              <a:t>。</a:t>
+            </a:r>
+            <a:r>
+              <a:rPr lang="en-US" altLang="zh-TW" dirty="0"/>
+              <a:t>Iron Python</a:t>
+            </a:r>
+            <a:r>
+              <a:rPr lang="zh-TW" altLang="en-US" dirty="0"/>
+              <a:t>主要建構在微軟的</a:t>
+            </a:r>
+            <a:r>
+              <a:rPr lang="en-US" altLang="zh-TW" dirty="0"/>
+              <a:t>.NET</a:t>
+            </a:r>
+            <a:r>
+              <a:rPr lang="zh-TW" altLang="en-US" dirty="0"/>
+              <a:t>框架，好處是可以使用到</a:t>
+            </a:r>
+            <a:r>
+              <a:rPr lang="en-US" altLang="zh-TW" dirty="0"/>
+              <a:t>WPF</a:t>
+            </a:r>
+            <a:r>
+              <a:rPr lang="zh-TW" altLang="en-US" dirty="0"/>
+              <a:t>技術，在</a:t>
             </a:r>
             <a:r>
               <a:rPr lang="en-US" altLang="zh-TW" dirty="0"/>
@@ -11314,17 +11281,100 @@
             </a:r>
             <a:r>
               <a:rPr lang="zh-TW" altLang="en-US" dirty="0"/>
-              <a:t>模擬自動化程式的框架</a:t>
-            </a:r>
-          </a:p>
-        </p:txBody>
-      </p:sp>
-      <p:sp>
-        <p:nvSpPr>
-          <p:cNvPr id="5" name="文字版面配置區 4">
-            <a:extLst>
-              <a:ext uri="{FF2B5EF4-FFF2-40B4-BE49-F238E27FC236}">
-                <a16:creationId xmlns:a16="http://schemas.microsoft.com/office/drawing/2014/main" id="{CEE2A55E-C73D-43FF-AA36-95C0FF95B7B1}"/>
+              <a:t>當中建立使用者介面相對容易。</a:t>
+            </a:r>
+            <a:endParaRPr lang="en-US" altLang="zh-TW" dirty="0"/>
+          </a:p>
+          <a:p>
+            <a:pPr marL="0" indent="0">
+              <a:buNone/>
+            </a:pPr>
+            <a:endParaRPr lang="en-US" altLang="zh-TW" dirty="0"/>
+          </a:p>
+          <a:p>
+            <a:pPr marL="0" indent="0">
+              <a:buNone/>
+            </a:pPr>
+            <a:r>
+              <a:rPr lang="zh-TW" altLang="en-US" dirty="0"/>
+              <a:t>比方說。兩者都可以讀寫</a:t>
+            </a:r>
+            <a:r>
+              <a:rPr lang="en-US" altLang="zh-TW" dirty="0"/>
+              <a:t>EXCEL</a:t>
+            </a:r>
+            <a:r>
+              <a:rPr lang="zh-TW" altLang="en-US" dirty="0"/>
+              <a:t>或</a:t>
+            </a:r>
+            <a:r>
+              <a:rPr lang="en-US" altLang="zh-TW" dirty="0"/>
+              <a:t>PPT</a:t>
+            </a:r>
+            <a:r>
+              <a:rPr lang="zh-TW" altLang="en-US" dirty="0"/>
+              <a:t>，但是各自使用不同的函式庫。此外，目前</a:t>
+            </a:r>
+            <a:r>
+              <a:rPr lang="en-US" altLang="zh-TW" dirty="0" err="1"/>
+              <a:t>Cpython</a:t>
+            </a:r>
+            <a:r>
+              <a:rPr lang="zh-TW" altLang="en-US" dirty="0"/>
+              <a:t>已來到</a:t>
+            </a:r>
+            <a:r>
+              <a:rPr lang="en-US" altLang="zh-TW" dirty="0"/>
+              <a:t>3.8</a:t>
+            </a:r>
+            <a:r>
+              <a:rPr lang="zh-TW" altLang="en-US" dirty="0"/>
+              <a:t>版，而</a:t>
+            </a:r>
+            <a:r>
+              <a:rPr lang="en-US" altLang="zh-TW" dirty="0"/>
+              <a:t>Iron Python</a:t>
+            </a:r>
+            <a:r>
+              <a:rPr lang="zh-TW" altLang="en-US" dirty="0"/>
+              <a:t>仍停留在</a:t>
+            </a:r>
+            <a:r>
+              <a:rPr lang="en-US" altLang="zh-TW" dirty="0"/>
+              <a:t>2.7</a:t>
+            </a:r>
+            <a:r>
+              <a:rPr lang="zh-TW" altLang="en-US" dirty="0"/>
+              <a:t>版。部分語法已有差異。總的來說。已經學會</a:t>
+            </a:r>
+            <a:r>
+              <a:rPr lang="en-US" altLang="zh-TW" dirty="0" err="1"/>
+              <a:t>CPython</a:t>
+            </a:r>
+            <a:r>
+              <a:rPr lang="zh-TW" altLang="en-US" dirty="0"/>
+              <a:t>的很容易就可以習慣</a:t>
+            </a:r>
+            <a:r>
+              <a:rPr lang="en-US" altLang="zh-TW" dirty="0" err="1"/>
+              <a:t>IronPython</a:t>
+            </a:r>
+            <a:r>
+              <a:rPr lang="zh-TW" altLang="en-US" dirty="0"/>
+              <a:t>。</a:t>
+            </a:r>
+          </a:p>
+          <a:p>
+            <a:endParaRPr lang="zh-TW" altLang="en-US" dirty="0"/>
+          </a:p>
+        </p:txBody>
+      </p:sp>
+      <p:sp>
+        <p:nvSpPr>
+          <p:cNvPr id="4" name="標題 3">
+            <a:extLst>
+              <a:ext uri="{FF2B5EF4-FFF2-40B4-BE49-F238E27FC236}">
+                <a16:creationId xmlns:a16="http://schemas.microsoft.com/office/drawing/2014/main" id="{B68597D7-C456-4791-B517-661F12F17554}"/>
               </a:ext>
             </a:extLst>
           </p:cNvPr>
@@ -11332,7 +11382,7 @@
             <a:spLocks noGrp="1"/>
           </p:cNvSpPr>
           <p:nvPr>
-            <p:ph type="body" sz="quarter" idx="12"/>
+            <p:ph type="title"/>
           </p:nvPr>
         </p:nvSpPr>
         <p:spPr/>
@@ -11340,14 +11390,41 @@
           <a:bodyPr/>
           <a:lstStyle/>
           <a:p>
-            <a:endParaRPr lang="zh-TW" altLang="en-US"/>
+            <a:r>
+              <a:rPr lang="en-US" altLang="zh-TW" dirty="0"/>
+              <a:t>AEDT</a:t>
+            </a:r>
+            <a:r>
+              <a:rPr lang="zh-TW" altLang="en-US" dirty="0"/>
+              <a:t>使用的是</a:t>
+            </a:r>
+            <a:r>
+              <a:rPr lang="en-US" altLang="zh-TW" dirty="0"/>
+              <a:t>Iron Python</a:t>
+            </a:r>
+            <a:r>
+              <a:rPr lang="zh-TW" altLang="en-US" dirty="0"/>
+              <a:t>，這和一般的</a:t>
+            </a:r>
+            <a:r>
+              <a:rPr lang="en-US" altLang="zh-TW" dirty="0"/>
+              <a:t>Python</a:t>
+            </a:r>
+            <a:r>
+              <a:rPr lang="zh-TW" altLang="en-US" dirty="0"/>
+              <a:t>有何差別？</a:t>
+            </a:r>
+            <a:br>
+              <a:rPr lang="zh-TW" altLang="en-US" dirty="0"/>
+            </a:br>
+            <a:endParaRPr lang="zh-TW" altLang="en-US" dirty="0"/>
           </a:p>
         </p:txBody>
       </p:sp>
     </p:spTree>
     <p:extLst>
       <p:ext uri="{BB962C8B-B14F-4D97-AF65-F5344CB8AC3E}">
-        <p14:creationId xmlns:p14="http://schemas.microsoft.com/office/powerpoint/2010/main" val="1322618313"/>
+        <p14:creationId xmlns:p14="http://schemas.microsoft.com/office/powerpoint/2010/main" val="1580561292"/>
       </p:ext>
     </p:extLst>
   </p:cSld>
@@ -11388,10 +11465,10 @@
       </p:grpSpPr>
       <p:sp>
         <p:nvSpPr>
-          <p:cNvPr id="5" name="內容版面配置區 4">
-            <a:extLst>
-              <a:ext uri="{FF2B5EF4-FFF2-40B4-BE49-F238E27FC236}">
-                <a16:creationId xmlns:a16="http://schemas.microsoft.com/office/drawing/2014/main" id="{A7067C16-CC57-469B-A123-29FCF8BAE70C}"/>
+          <p:cNvPr id="4" name="內容版面配置區 3">
+            <a:extLst>
+              <a:ext uri="{FF2B5EF4-FFF2-40B4-BE49-F238E27FC236}">
+                <a16:creationId xmlns:a16="http://schemas.microsoft.com/office/drawing/2014/main" id="{27ED805F-CF52-4A12-B033-57768935D442}"/>
               </a:ext>
             </a:extLst>
           </p:cNvPr>
@@ -11412,167 +11489,263 @@
             </a:pPr>
             <a:r>
               <a:rPr lang="zh-TW" altLang="en-US" dirty="0"/>
-              <a:t>一般的</a:t>
-            </a:r>
-            <a:r>
-              <a:rPr lang="en-US" altLang="zh-TW" dirty="0"/>
-              <a:t>Python</a:t>
-            </a:r>
-            <a:r>
-              <a:rPr lang="zh-TW" altLang="en-US" dirty="0"/>
-              <a:t>又稱為</a:t>
-            </a:r>
-            <a:r>
-              <a:rPr lang="en-US" altLang="zh-TW" dirty="0" err="1"/>
+              <a:t>主要方法有下列幾種：</a:t>
+            </a:r>
+          </a:p>
+          <a:p>
+            <a:r>
+              <a:rPr lang="zh-TW" altLang="en-US" dirty="0">
+                <a:solidFill>
+                  <a:srgbClr val="0070C0"/>
+                </a:solidFill>
+              </a:rPr>
+              <a:t>從</a:t>
+            </a:r>
+            <a:r>
+              <a:rPr lang="en-US" altLang="zh-TW" dirty="0">
+                <a:solidFill>
+                  <a:srgbClr val="0070C0"/>
+                </a:solidFill>
+              </a:rPr>
+              <a:t>Automation</a:t>
+            </a:r>
+            <a:r>
+              <a:rPr lang="zh-TW" altLang="en-US" dirty="0">
+                <a:solidFill>
+                  <a:srgbClr val="0070C0"/>
+                </a:solidFill>
+              </a:rPr>
+              <a:t>執行</a:t>
+            </a:r>
+            <a:r>
+              <a:rPr lang="en-US" altLang="zh-TW" dirty="0">
+                <a:solidFill>
+                  <a:srgbClr val="0070C0"/>
+                </a:solidFill>
+              </a:rPr>
+              <a:t>script</a:t>
+            </a:r>
+          </a:p>
+          <a:p>
+            <a:r>
+              <a:rPr lang="zh-TW" altLang="en-US" dirty="0">
+                <a:solidFill>
+                  <a:srgbClr val="0070C0"/>
+                </a:solidFill>
+              </a:rPr>
+              <a:t>從</a:t>
+            </a:r>
+            <a:r>
+              <a:rPr lang="en-US" altLang="zh-TW" dirty="0">
+                <a:solidFill>
+                  <a:srgbClr val="0070C0"/>
+                </a:solidFill>
+              </a:rPr>
+              <a:t>Toolkit</a:t>
+            </a:r>
+            <a:r>
+              <a:rPr lang="zh-TW" altLang="en-US" dirty="0">
+                <a:solidFill>
+                  <a:srgbClr val="0070C0"/>
+                </a:solidFill>
+              </a:rPr>
+              <a:t>執行</a:t>
+            </a:r>
+            <a:r>
+              <a:rPr lang="en-US" altLang="zh-TW" dirty="0">
+                <a:solidFill>
+                  <a:srgbClr val="0070C0"/>
+                </a:solidFill>
+              </a:rPr>
+              <a:t>script</a:t>
+            </a:r>
+          </a:p>
+          <a:p>
+            <a:r>
+              <a:rPr lang="zh-TW" altLang="en-US" dirty="0">
+                <a:solidFill>
+                  <a:srgbClr val="0070C0"/>
+                </a:solidFill>
+              </a:rPr>
+              <a:t>熱鍵執行</a:t>
+            </a:r>
+            <a:r>
+              <a:rPr lang="en-US" altLang="zh-TW" dirty="0">
+                <a:solidFill>
+                  <a:srgbClr val="0070C0"/>
+                </a:solidFill>
+              </a:rPr>
+              <a:t>script</a:t>
+            </a:r>
+          </a:p>
+          <a:p>
+            <a:r>
+              <a:rPr lang="en-US" altLang="zh-TW" dirty="0">
+                <a:solidFill>
+                  <a:srgbClr val="0070C0"/>
+                </a:solidFill>
+              </a:rPr>
+              <a:t>ACT</a:t>
+            </a:r>
+            <a:r>
+              <a:rPr lang="zh-TW" altLang="en-US" dirty="0">
+                <a:solidFill>
+                  <a:srgbClr val="0070C0"/>
+                </a:solidFill>
+              </a:rPr>
+              <a:t>啟動</a:t>
+            </a:r>
+            <a:r>
+              <a:rPr lang="en-US" altLang="zh-TW" dirty="0">
+                <a:solidFill>
+                  <a:srgbClr val="0070C0"/>
+                </a:solidFill>
+              </a:rPr>
+              <a:t>GUI</a:t>
+            </a:r>
+            <a:r>
+              <a:rPr lang="zh-TW" altLang="en-US" dirty="0">
+                <a:solidFill>
+                  <a:srgbClr val="0070C0"/>
+                </a:solidFill>
+              </a:rPr>
+              <a:t>以執行</a:t>
+            </a:r>
+            <a:r>
+              <a:rPr lang="en-US" altLang="zh-TW" dirty="0">
+                <a:solidFill>
+                  <a:srgbClr val="0070C0"/>
+                </a:solidFill>
+              </a:rPr>
+              <a:t>script</a:t>
+            </a:r>
+          </a:p>
+          <a:p>
+            <a:r>
+              <a:rPr lang="en-US" altLang="zh-TW" dirty="0">
+                <a:solidFill>
+                  <a:srgbClr val="0070C0"/>
+                </a:solidFill>
+              </a:rPr>
+              <a:t>UDO(User Defined </a:t>
+            </a:r>
+            <a:r>
+              <a:rPr lang="en-US" altLang="zh-TW" dirty="0" err="1">
+                <a:solidFill>
+                  <a:srgbClr val="0070C0"/>
+                </a:solidFill>
+              </a:rPr>
+              <a:t>Outout</a:t>
+            </a:r>
+            <a:r>
+              <a:rPr lang="en-US" altLang="zh-TW" dirty="0">
+                <a:solidFill>
+                  <a:srgbClr val="0070C0"/>
+                </a:solidFill>
+              </a:rPr>
+              <a:t>)</a:t>
+            </a:r>
+            <a:r>
+              <a:rPr lang="zh-TW" altLang="en-US" dirty="0">
+                <a:solidFill>
+                  <a:srgbClr val="0070C0"/>
+                </a:solidFill>
+              </a:rPr>
+              <a:t>，建立客製化方程式</a:t>
+            </a:r>
+          </a:p>
+          <a:p>
+            <a:r>
+              <a:rPr lang="en-US" altLang="zh-TW" dirty="0">
+                <a:solidFill>
+                  <a:srgbClr val="0070C0"/>
+                </a:solidFill>
+              </a:rPr>
+              <a:t>UDP(User Defined Primitive)</a:t>
+            </a:r>
+            <a:r>
+              <a:rPr lang="zh-TW" altLang="en-US" dirty="0">
+                <a:solidFill>
+                  <a:srgbClr val="0070C0"/>
+                </a:solidFill>
+              </a:rPr>
+              <a:t>，建立客製化</a:t>
+            </a:r>
+            <a:r>
+              <a:rPr lang="en-US" altLang="zh-TW" dirty="0">
+                <a:solidFill>
+                  <a:srgbClr val="0070C0"/>
+                </a:solidFill>
+              </a:rPr>
+              <a:t>3D</a:t>
+            </a:r>
+            <a:r>
+              <a:rPr lang="zh-TW" altLang="en-US" dirty="0">
+                <a:solidFill>
+                  <a:srgbClr val="0070C0"/>
+                </a:solidFill>
+              </a:rPr>
+              <a:t>模型</a:t>
+            </a:r>
+          </a:p>
+          <a:p>
+            <a:r>
+              <a:rPr lang="zh-TW" altLang="en-US" dirty="0">
+                <a:solidFill>
+                  <a:srgbClr val="0070C0"/>
+                </a:solidFill>
+              </a:rPr>
+              <a:t>將資料輸出到外部用</a:t>
+            </a:r>
+            <a:r>
+              <a:rPr lang="en-US" altLang="zh-TW" dirty="0" err="1">
+                <a:solidFill>
+                  <a:srgbClr val="0070C0"/>
+                </a:solidFill>
+              </a:rPr>
               <a:t>Cpython</a:t>
             </a:r>
             <a:r>
-              <a:rPr lang="zh-TW" altLang="en-US" dirty="0"/>
-              <a:t>。兩者的語法是類似的，內建基本函式庫也相同。但是目前多數科學用函式庫如</a:t>
-            </a:r>
-            <a:r>
-              <a:rPr lang="en-US" altLang="zh-TW" dirty="0"/>
-              <a:t>Matplotlib</a:t>
-            </a:r>
-            <a:r>
-              <a:rPr lang="zh-TW" altLang="en-US" dirty="0"/>
-              <a:t>，</a:t>
-            </a:r>
-            <a:r>
-              <a:rPr lang="en-US" altLang="zh-TW" dirty="0" err="1"/>
-              <a:t>Scipy</a:t>
-            </a:r>
-            <a:r>
-              <a:rPr lang="zh-TW" altLang="en-US" dirty="0"/>
-              <a:t>及</a:t>
-            </a:r>
-            <a:r>
-              <a:rPr lang="en-US" altLang="zh-TW" dirty="0" err="1"/>
-              <a:t>Numpy</a:t>
-            </a:r>
-            <a:r>
-              <a:rPr lang="zh-TW" altLang="en-US" dirty="0"/>
-              <a:t>僅支援</a:t>
-            </a:r>
-            <a:r>
-              <a:rPr lang="en-US" altLang="zh-TW" dirty="0" err="1"/>
-              <a:t>Cpython</a:t>
-            </a:r>
-            <a:r>
-              <a:rPr lang="zh-TW" altLang="en-US" dirty="0"/>
-              <a:t>。</a:t>
-            </a:r>
-            <a:r>
-              <a:rPr lang="en-US" altLang="zh-TW" dirty="0"/>
-              <a:t>Iron Python</a:t>
-            </a:r>
-            <a:r>
-              <a:rPr lang="zh-TW" altLang="en-US" dirty="0"/>
-              <a:t>主要建構在微軟的</a:t>
-            </a:r>
-            <a:r>
-              <a:rPr lang="en-US" altLang="zh-TW" dirty="0"/>
-              <a:t>.NET</a:t>
-            </a:r>
-            <a:r>
-              <a:rPr lang="zh-TW" altLang="en-US" dirty="0"/>
-              <a:t>框架，好處是可以使用到</a:t>
-            </a:r>
-            <a:r>
-              <a:rPr lang="en-US" altLang="zh-TW" dirty="0"/>
-              <a:t>WPF</a:t>
-            </a:r>
-            <a:r>
-              <a:rPr lang="zh-TW" altLang="en-US" dirty="0"/>
-              <a:t>技術在</a:t>
-            </a:r>
-            <a:r>
-              <a:rPr lang="en-US" altLang="zh-TW" dirty="0"/>
+              <a:rPr lang="zh-TW" altLang="en-US" dirty="0">
+                <a:solidFill>
+                  <a:srgbClr val="0070C0"/>
+                </a:solidFill>
+              </a:rPr>
+              <a:t>處理</a:t>
+            </a:r>
+            <a:r>
+              <a:rPr lang="en-US" altLang="zh-TW" dirty="0">
+                <a:solidFill>
+                  <a:srgbClr val="0070C0"/>
+                </a:solidFill>
+              </a:rPr>
+              <a:t>(Anaconda)</a:t>
+            </a:r>
+          </a:p>
+          <a:p>
+            <a:r>
+              <a:rPr lang="zh-TW" altLang="en-US" dirty="0">
+                <a:solidFill>
+                  <a:srgbClr val="0070C0"/>
+                </a:solidFill>
+              </a:rPr>
+              <a:t>透過批次檔控制</a:t>
+            </a:r>
+            <a:r>
+              <a:rPr lang="en-US" altLang="zh-TW" dirty="0">
+                <a:solidFill>
+                  <a:srgbClr val="0070C0"/>
+                </a:solidFill>
+              </a:rPr>
               <a:t>AEDT</a:t>
             </a:r>
             <a:r>
-              <a:rPr lang="zh-TW" altLang="en-US" dirty="0"/>
-              <a:t>當中建立使用者介面。</a:t>
-            </a:r>
-            <a:endParaRPr lang="en-US" altLang="zh-TW" dirty="0"/>
-          </a:p>
-          <a:p>
-            <a:pPr marL="0" indent="0">
-              <a:buNone/>
-            </a:pPr>
-            <a:endParaRPr lang="en-US" altLang="zh-TW" dirty="0"/>
-          </a:p>
-          <a:p>
-            <a:pPr marL="0" indent="0">
-              <a:buNone/>
-            </a:pPr>
-            <a:r>
-              <a:rPr lang="zh-TW" altLang="en-US" dirty="0"/>
-              <a:t>兩者都可以讀寫</a:t>
-            </a:r>
-            <a:r>
-              <a:rPr lang="en-US" altLang="zh-TW" dirty="0"/>
-              <a:t>EXCEL</a:t>
-            </a:r>
-            <a:r>
-              <a:rPr lang="zh-TW" altLang="en-US" dirty="0"/>
-              <a:t>或</a:t>
-            </a:r>
-            <a:r>
-              <a:rPr lang="en-US" altLang="zh-TW" dirty="0"/>
-              <a:t>PPT</a:t>
-            </a:r>
-            <a:r>
-              <a:rPr lang="zh-TW" altLang="en-US" dirty="0"/>
-              <a:t>，但是各自使用不同的函式庫。此外，目前</a:t>
-            </a:r>
-            <a:r>
-              <a:rPr lang="en-US" altLang="zh-TW" dirty="0" err="1"/>
-              <a:t>Cpython</a:t>
-            </a:r>
-            <a:r>
-              <a:rPr lang="zh-TW" altLang="en-US" dirty="0"/>
-              <a:t>已來到</a:t>
-            </a:r>
-            <a:r>
-              <a:rPr lang="en-US" altLang="zh-TW" dirty="0"/>
-              <a:t>3.8</a:t>
-            </a:r>
-            <a:r>
-              <a:rPr lang="zh-TW" altLang="en-US" dirty="0"/>
-              <a:t>版，而</a:t>
-            </a:r>
-            <a:r>
-              <a:rPr lang="en-US" altLang="zh-TW" dirty="0"/>
-              <a:t>Iron Python</a:t>
-            </a:r>
-            <a:r>
-              <a:rPr lang="zh-TW" altLang="en-US" dirty="0"/>
-              <a:t>仍停留在</a:t>
-            </a:r>
-            <a:r>
-              <a:rPr lang="en-US" altLang="zh-TW" dirty="0"/>
-              <a:t>2.7</a:t>
-            </a:r>
-            <a:r>
-              <a:rPr lang="zh-TW" altLang="en-US" dirty="0"/>
-              <a:t>版。已經會</a:t>
-            </a:r>
-            <a:r>
-              <a:rPr lang="en-US" altLang="zh-TW" dirty="0" err="1"/>
-              <a:t>CPython</a:t>
-            </a:r>
-            <a:r>
-              <a:rPr lang="zh-TW" altLang="en-US" dirty="0"/>
-              <a:t>的很容易就可以習慣</a:t>
-            </a:r>
-            <a:r>
-              <a:rPr lang="en-US" altLang="zh-TW" dirty="0" err="1"/>
-              <a:t>IronPython</a:t>
-            </a:r>
-            <a:r>
-              <a:rPr lang="zh-TW" altLang="en-US" dirty="0"/>
-              <a:t>。</a:t>
+              <a:rPr lang="zh-TW" altLang="en-US" dirty="0">
+                <a:solidFill>
+                  <a:srgbClr val="0070C0"/>
+                </a:solidFill>
+              </a:rPr>
+              <a:t>完成前處理及後處理</a:t>
             </a:r>
           </a:p>
           <a:p>
@@ -11582,10 +11755,10 @@
       </p:sp>
       <p:sp>
         <p:nvSpPr>
-          <p:cNvPr id="4" name="標題 3">
-            <a:extLst>
-              <a:ext uri="{FF2B5EF4-FFF2-40B4-BE49-F238E27FC236}">
-                <a16:creationId xmlns:a16="http://schemas.microsoft.com/office/drawing/2014/main" id="{B68597D7-C456-4791-B517-661F12F17554}"/>
+          <p:cNvPr id="3" name="標題 2">
+            <a:extLst>
+              <a:ext uri="{FF2B5EF4-FFF2-40B4-BE49-F238E27FC236}">
+                <a16:creationId xmlns:a16="http://schemas.microsoft.com/office/drawing/2014/main" id="{CC22D15C-4B6A-4C30-9E72-7AA476A720D1}"/>
               </a:ext>
             </a:extLst>
           </p:cNvPr>
@@ -11602,40 +11775,24 @@
           <a:lstStyle/>
           <a:p>
             <a:r>
+              <a:rPr lang="zh-TW" altLang="en-US" dirty="0"/>
+              <a:t>在</a:t>
+            </a:r>
+            <a:r>
               <a:rPr lang="en-US" altLang="zh-TW" dirty="0"/>
               <a:t>AEDT</a:t>
             </a:r>
             <a:r>
               <a:rPr lang="zh-TW" altLang="en-US" dirty="0"/>
-              <a:t>使用的是</a:t>
-            </a:r>
-            <a:r>
-              <a:rPr lang="en-US" altLang="zh-TW" dirty="0"/>
-              <a:t>Iron Python</a:t>
-            </a:r>
-            <a:r>
-              <a:rPr lang="zh-TW" altLang="en-US" dirty="0"/>
-              <a:t>，這和一般的</a:t>
-            </a:r>
-            <a:r>
-              <a:rPr lang="en-US" altLang="zh-TW" dirty="0"/>
-              <a:t>Python</a:t>
-            </a:r>
-            <a:r>
-              <a:rPr lang="zh-TW" altLang="en-US" dirty="0"/>
-              <a:t>有何差別？</a:t>
-            </a:r>
-            <a:br>
-              <a:rPr lang="zh-TW" altLang="en-US" dirty="0"/>
-            </a:br>
-            <a:endParaRPr lang="zh-TW" altLang="en-US" dirty="0"/>
+              <a:t>執行自動化程式的方式有哪些？</a:t>
+            </a:r>
           </a:p>
         </p:txBody>
       </p:sp>
     </p:spTree>
     <p:extLst>
       <p:ext uri="{BB962C8B-B14F-4D97-AF65-F5344CB8AC3E}">
-        <p14:creationId xmlns:p14="http://schemas.microsoft.com/office/powerpoint/2010/main" val="1580561292"/>
+        <p14:creationId xmlns:p14="http://schemas.microsoft.com/office/powerpoint/2010/main" val="679909818"/>
       </p:ext>
     </p:extLst>
   </p:cSld>
@@ -11676,10 +11833,10 @@
       </p:grpSpPr>
       <p:sp>
         <p:nvSpPr>
-          <p:cNvPr id="4" name="內容版面配置區 3">
-            <a:extLst>
-              <a:ext uri="{FF2B5EF4-FFF2-40B4-BE49-F238E27FC236}">
-                <a16:creationId xmlns:a16="http://schemas.microsoft.com/office/drawing/2014/main" id="{27ED805F-CF52-4A12-B033-57768935D442}"/>
+          <p:cNvPr id="2" name="內容版面配置區 1">
+            <a:extLst>
+              <a:ext uri="{FF2B5EF4-FFF2-40B4-BE49-F238E27FC236}">
+                <a16:creationId xmlns:a16="http://schemas.microsoft.com/office/drawing/2014/main" id="{6798ECCD-BF38-4125-A2D9-1FBB0828F79C}"/>
               </a:ext>
             </a:extLst>
           </p:cNvPr>
@@ -11690,277 +11847,44 @@
             <p:ph idx="1"/>
           </p:nvPr>
         </p:nvSpPr>
-        <p:spPr/>
+        <p:spPr>
+          <a:xfrm>
+            <a:off x="609600" y="1371600"/>
+            <a:ext cx="6231467" cy="4762471"/>
+          </a:xfrm>
+        </p:spPr>
         <p:txBody>
           <a:bodyPr/>
           <a:lstStyle/>
           <a:p>
-            <a:pPr marL="0" indent="0">
-              <a:buNone/>
-            </a:pPr>
-            <a:r>
-              <a:rPr lang="zh-TW" altLang="en-US" dirty="0"/>
-              <a:t>主要方法有下列幾種：</a:t>
-            </a:r>
-          </a:p>
-          <a:p>
-            <a:r>
-              <a:rPr lang="zh-TW" altLang="en-US" dirty="0">
-                <a:solidFill>
-                  <a:srgbClr val="0070C0"/>
-                </a:solidFill>
-              </a:rPr>
-              <a:t>從</a:t>
-            </a:r>
-            <a:r>
-              <a:rPr lang="en-US" altLang="zh-TW" dirty="0">
-                <a:solidFill>
-                  <a:srgbClr val="0070C0"/>
-                </a:solidFill>
-              </a:rPr>
+            <a:r>
+              <a:rPr lang="zh-TW" altLang="en-US" dirty="0"/>
+              <a:t>這是最常用來執行腳本的方法，也常用在腳本開發及除錯過程。在</a:t>
+            </a:r>
+            <a:r>
+              <a:rPr lang="en-US" altLang="zh-TW" dirty="0"/>
               <a:t>Automation</a:t>
             </a:r>
             <a:r>
-              <a:rPr lang="zh-TW" altLang="en-US" dirty="0">
-                <a:solidFill>
-                  <a:srgbClr val="0070C0"/>
-                </a:solidFill>
-              </a:rPr>
-              <a:t>執行</a:t>
-            </a:r>
-            <a:r>
-              <a:rPr lang="en-US" altLang="zh-TW" dirty="0">
-                <a:solidFill>
-                  <a:srgbClr val="0070C0"/>
-                </a:solidFill>
-              </a:rPr>
-              <a:t>script</a:t>
-            </a:r>
-          </a:p>
-          <a:p>
-            <a:r>
-              <a:rPr lang="zh-TW" altLang="en-US" dirty="0">
-                <a:solidFill>
-                  <a:srgbClr val="0070C0"/>
-                </a:solidFill>
-              </a:rPr>
-              <a:t>從</a:t>
-            </a:r>
-            <a:r>
-              <a:rPr lang="en-US" altLang="zh-TW" dirty="0">
-                <a:solidFill>
-                  <a:srgbClr val="0070C0"/>
-                </a:solidFill>
-              </a:rPr>
-              <a:t>Toolkit</a:t>
-            </a:r>
-            <a:r>
-              <a:rPr lang="zh-TW" altLang="en-US" dirty="0">
-                <a:solidFill>
-                  <a:srgbClr val="0070C0"/>
-                </a:solidFill>
-              </a:rPr>
-              <a:t>執行</a:t>
-            </a:r>
-            <a:r>
-              <a:rPr lang="en-US" altLang="zh-TW" dirty="0">
-                <a:solidFill>
-                  <a:srgbClr val="0070C0"/>
-                </a:solidFill>
-              </a:rPr>
-              <a:t>script</a:t>
-            </a:r>
-          </a:p>
-          <a:p>
-            <a:r>
-              <a:rPr lang="zh-TW" altLang="en-US" dirty="0">
-                <a:solidFill>
-                  <a:srgbClr val="0070C0"/>
-                </a:solidFill>
-              </a:rPr>
-              <a:t>熱鍵執行</a:t>
-            </a:r>
-            <a:r>
-              <a:rPr lang="en-US" altLang="zh-TW" dirty="0">
-                <a:solidFill>
-                  <a:srgbClr val="0070C0"/>
-                </a:solidFill>
-              </a:rPr>
-              <a:t>script</a:t>
-            </a:r>
-          </a:p>
-          <a:p>
-            <a:r>
-              <a:rPr lang="en-US" altLang="zh-TW" dirty="0">
-                <a:solidFill>
-                  <a:srgbClr val="0070C0"/>
-                </a:solidFill>
-              </a:rPr>
-              <a:t>ACT</a:t>
-            </a:r>
-            <a:r>
-              <a:rPr lang="zh-TW" altLang="en-US" dirty="0">
-                <a:solidFill>
-                  <a:srgbClr val="0070C0"/>
-                </a:solidFill>
-              </a:rPr>
-              <a:t>啟動</a:t>
-            </a:r>
-            <a:r>
-              <a:rPr lang="en-US" altLang="zh-TW" dirty="0">
-                <a:solidFill>
-                  <a:srgbClr val="0070C0"/>
-                </a:solidFill>
-              </a:rPr>
-              <a:t>GUI</a:t>
-            </a:r>
-            <a:r>
-              <a:rPr lang="zh-TW" altLang="en-US" dirty="0">
-                <a:solidFill>
-                  <a:srgbClr val="0070C0"/>
-                </a:solidFill>
-              </a:rPr>
-              <a:t>以執行</a:t>
-            </a:r>
-            <a:r>
-              <a:rPr lang="en-US" altLang="zh-TW" dirty="0">
-                <a:solidFill>
-                  <a:srgbClr val="0070C0"/>
-                </a:solidFill>
-              </a:rPr>
-              <a:t>script</a:t>
-            </a:r>
-          </a:p>
-          <a:p>
-            <a:r>
-              <a:rPr lang="en-US" altLang="zh-TW" dirty="0">
-                <a:solidFill>
-                  <a:srgbClr val="0070C0"/>
-                </a:solidFill>
-              </a:rPr>
-              <a:t>UDO(User Defined </a:t>
-            </a:r>
-            <a:r>
-              <a:rPr lang="en-US" altLang="zh-TW" dirty="0" err="1">
-                <a:solidFill>
-                  <a:srgbClr val="0070C0"/>
-                </a:solidFill>
-              </a:rPr>
-              <a:t>Outout</a:t>
-            </a:r>
-            <a:r>
-              <a:rPr lang="en-US" altLang="zh-TW" dirty="0">
-                <a:solidFill>
-                  <a:srgbClr val="0070C0"/>
-                </a:solidFill>
-              </a:rPr>
-              <a:t>)</a:t>
-            </a:r>
-            <a:r>
-              <a:rPr lang="zh-TW" altLang="en-US" dirty="0">
-                <a:solidFill>
-                  <a:srgbClr val="0070C0"/>
-                </a:solidFill>
-              </a:rPr>
-              <a:t>，建立客製化方程式</a:t>
-            </a:r>
-          </a:p>
-          <a:p>
-            <a:r>
-              <a:rPr lang="en-US" altLang="zh-TW" dirty="0">
-                <a:solidFill>
-                  <a:srgbClr val="0070C0"/>
-                </a:solidFill>
-              </a:rPr>
-              <a:t>UDP(User Defined Primitive)</a:t>
-            </a:r>
-            <a:r>
-              <a:rPr lang="zh-TW" altLang="en-US" dirty="0">
-                <a:solidFill>
-                  <a:srgbClr val="0070C0"/>
-                </a:solidFill>
-              </a:rPr>
-              <a:t>，建立客製化</a:t>
-            </a:r>
-            <a:r>
-              <a:rPr lang="en-US" altLang="zh-TW" dirty="0">
-                <a:solidFill>
-                  <a:srgbClr val="0070C0"/>
-                </a:solidFill>
-              </a:rPr>
-              <a:t>3D</a:t>
-            </a:r>
-            <a:r>
-              <a:rPr lang="zh-TW" altLang="en-US" dirty="0">
-                <a:solidFill>
-                  <a:srgbClr val="0070C0"/>
-                </a:solidFill>
-              </a:rPr>
-              <a:t>模型</a:t>
-            </a:r>
-          </a:p>
-          <a:p>
-            <a:r>
-              <a:rPr lang="zh-TW" altLang="en-US" dirty="0">
-                <a:solidFill>
-                  <a:srgbClr val="0070C0"/>
-                </a:solidFill>
-              </a:rPr>
-              <a:t>將資料輸出到外部用</a:t>
-            </a:r>
-            <a:r>
-              <a:rPr lang="en-US" altLang="zh-TW" dirty="0" err="1">
-                <a:solidFill>
-                  <a:srgbClr val="0070C0"/>
-                </a:solidFill>
-              </a:rPr>
-              <a:t>Cpython</a:t>
-            </a:r>
-            <a:r>
-              <a:rPr lang="zh-TW" altLang="en-US" dirty="0">
-                <a:solidFill>
-                  <a:srgbClr val="0070C0"/>
-                </a:solidFill>
-              </a:rPr>
-              <a:t>處理</a:t>
-            </a:r>
-            <a:r>
-              <a:rPr lang="en-US" altLang="zh-TW" dirty="0">
-                <a:solidFill>
-                  <a:srgbClr val="0070C0"/>
-                </a:solidFill>
-              </a:rPr>
-              <a:t>(Anaconda)</a:t>
-            </a:r>
-          </a:p>
-          <a:p>
-            <a:r>
-              <a:rPr lang="zh-TW" altLang="en-US" dirty="0">
-                <a:solidFill>
-                  <a:srgbClr val="0070C0"/>
-                </a:solidFill>
-              </a:rPr>
-              <a:t>透過批次檔控制</a:t>
-            </a:r>
-            <a:r>
-              <a:rPr lang="en-US" altLang="zh-TW" dirty="0">
-                <a:solidFill>
-                  <a:srgbClr val="0070C0"/>
-                </a:solidFill>
-              </a:rPr>
-              <a:t>AEDT</a:t>
-            </a:r>
-            <a:r>
-              <a:rPr lang="zh-TW" altLang="en-US" dirty="0">
-                <a:solidFill>
-                  <a:srgbClr val="0070C0"/>
-                </a:solidFill>
-              </a:rPr>
-              <a:t>完成前處理及後處理</a:t>
-            </a:r>
-          </a:p>
-          <a:p>
-            <a:endParaRPr lang="zh-TW" altLang="en-US" dirty="0"/>
+              <a:rPr lang="zh-TW" altLang="en-US" dirty="0"/>
+              <a:t>類別找到並按下</a:t>
+            </a:r>
+            <a:r>
+              <a:rPr lang="en-US" altLang="zh-TW" dirty="0"/>
+              <a:t>Run Script</a:t>
+            </a:r>
+            <a:r>
+              <a:rPr lang="zh-TW" altLang="en-US" dirty="0"/>
+              <a:t>並選擇要執行</a:t>
+            </a:r>
+            <a:r>
+              <a:rPr lang="en-US" altLang="zh-TW" dirty="0"/>
+              <a:t>Python</a:t>
+            </a:r>
+            <a:r>
+              <a:rPr lang="zh-TW" altLang="en-US" dirty="0"/>
+              <a:t>的腳本即可。</a:t>
+            </a:r>
           </a:p>
         </p:txBody>
       </p:sp>
@@ -11969,7 +11893,7 @@
           <p:cNvPr id="3" name="標題 2">
             <a:extLst>
               <a:ext uri="{FF2B5EF4-FFF2-40B4-BE49-F238E27FC236}">
-                <a16:creationId xmlns:a16="http://schemas.microsoft.com/office/drawing/2014/main" id="{CC22D15C-4B6A-4C30-9E72-7AA476A720D1}"/>
+                <a16:creationId xmlns:a16="http://schemas.microsoft.com/office/drawing/2014/main" id="{21DC9115-EA07-4E43-B229-3DDAC0EF5CB9}"/>
               </a:ext>
             </a:extLst>
           </p:cNvPr>
@@ -11987,23 +11911,53 @@
           <a:p>
             <a:r>
               <a:rPr lang="zh-TW" altLang="en-US" dirty="0"/>
-              <a:t>在</a:t>
+              <a:t>透過</a:t>
             </a:r>
             <a:r>
               <a:rPr lang="en-US" altLang="zh-TW" dirty="0"/>
-              <a:t>AEDT</a:t>
-            </a:r>
-            <a:r>
-              <a:rPr lang="zh-TW" altLang="en-US" dirty="0"/>
-              <a:t>執行自動化程式的方式有哪些？</a:t>
-            </a:r>
-          </a:p>
-        </p:txBody>
-      </p:sp>
+              <a:t>Run Script</a:t>
+            </a:r>
+            <a:r>
+              <a:rPr lang="zh-TW" altLang="en-US" dirty="0"/>
+              <a:t>來執行腳本</a:t>
+            </a:r>
+          </a:p>
+        </p:txBody>
+      </p:sp>
+      <p:pic>
+        <p:nvPicPr>
+          <p:cNvPr id="4" name="圖片 3">
+            <a:extLst>
+              <a:ext uri="{FF2B5EF4-FFF2-40B4-BE49-F238E27FC236}">
+                <a16:creationId xmlns:a16="http://schemas.microsoft.com/office/drawing/2014/main" id="{B411296D-BC63-46B8-8633-2EDC31032B75}"/>
+              </a:ext>
+            </a:extLst>
+          </p:cNvPr>
+          <p:cNvPicPr>
+            <a:picLocks noChangeAspect="1"/>
+          </p:cNvPicPr>
+          <p:nvPr/>
+        </p:nvPicPr>
+        <p:blipFill>
+          <a:blip r:embed="rId2"/>
+          <a:stretch>
+            <a:fillRect/>
+          </a:stretch>
+        </p:blipFill>
+        <p:spPr>
+          <a:xfrm>
+            <a:off x="7220037" y="2253959"/>
+            <a:ext cx="3312495" cy="2350081"/>
+          </a:xfrm>
+          <a:prstGeom prst="rect">
+            <a:avLst/>
+          </a:prstGeom>
+        </p:spPr>
+      </p:pic>
     </p:spTree>
     <p:extLst>
       <p:ext uri="{BB962C8B-B14F-4D97-AF65-F5344CB8AC3E}">
-        <p14:creationId xmlns:p14="http://schemas.microsoft.com/office/powerpoint/2010/main" val="679909818"/>
+        <p14:creationId xmlns:p14="http://schemas.microsoft.com/office/powerpoint/2010/main" val="64240318"/>
       </p:ext>
     </p:extLst>
   </p:cSld>
@@ -12047,7 +12001,7 @@
           <p:cNvPr id="2" name="內容版面配置區 1">
             <a:extLst>
               <a:ext uri="{FF2B5EF4-FFF2-40B4-BE49-F238E27FC236}">
-                <a16:creationId xmlns:a16="http://schemas.microsoft.com/office/drawing/2014/main" id="{6798ECCD-BF38-4125-A2D9-1FBB0828F79C}"/>
+                <a16:creationId xmlns:a16="http://schemas.microsoft.com/office/drawing/2014/main" id="{1217C976-378C-48C3-900B-3FE82C45F783}"/>
               </a:ext>
             </a:extLst>
           </p:cNvPr>
@@ -12058,14 +12012,58 @@
             <p:ph idx="1"/>
           </p:nvPr>
         </p:nvSpPr>
-        <p:spPr/>
+        <p:spPr>
+          <a:xfrm>
+            <a:off x="609600" y="1371600"/>
+            <a:ext cx="6890048" cy="4762471"/>
+          </a:xfrm>
+        </p:spPr>
         <p:txBody>
           <a:bodyPr/>
           <a:lstStyle/>
           <a:p>
-            <a:r>
-              <a:rPr lang="zh-TW" altLang="en-US" dirty="0"/>
-              <a:t>這是最常用來執行腳本的方法，也常用在腳本開發及除錯過程。</a:t>
+            <a:pPr marL="0" indent="0">
+              <a:buNone/>
+            </a:pPr>
+            <a:r>
+              <a:rPr lang="zh-TW" altLang="en-US" dirty="0"/>
+              <a:t>一旦完成腳本開發、便可以將腳本放置在特定目錄之下，之後就可以在</a:t>
+            </a:r>
+            <a:r>
+              <a:rPr lang="en-US" altLang="zh-TW" dirty="0"/>
+              <a:t>Toolkit</a:t>
+            </a:r>
+            <a:r>
+              <a:rPr lang="zh-TW" altLang="en-US" dirty="0"/>
+              <a:t>當中選取並執行。</a:t>
+            </a:r>
+            <a:endParaRPr lang="en-US" altLang="zh-TW" dirty="0"/>
+          </a:p>
+          <a:p>
+            <a:pPr marL="0" indent="0">
+              <a:buNone/>
+            </a:pPr>
+            <a:endParaRPr lang="en-US" altLang="zh-TW" dirty="0"/>
+          </a:p>
+          <a:p>
+            <a:pPr marL="0" indent="0">
+              <a:buNone/>
+            </a:pPr>
+            <a:r>
+              <a:rPr lang="en-US" altLang="zh-TW" dirty="0"/>
+              <a:t>Toolkit</a:t>
+            </a:r>
+            <a:r>
+              <a:rPr lang="zh-TW" altLang="en-US" dirty="0"/>
+              <a:t>按照產品類別分類，只有符合該產品的腳本才會被顯示在</a:t>
+            </a:r>
+            <a:r>
+              <a:rPr lang="en-US" altLang="zh-TW" dirty="0"/>
+              <a:t>Toolkit</a:t>
+            </a:r>
+            <a:r>
+              <a:rPr lang="zh-TW" altLang="en-US" dirty="0"/>
+              <a:t>選單當中。</a:t>
             </a:r>
           </a:p>
         </p:txBody>
@@ -12075,7 +12073,7 @@
           <p:cNvPr id="3" name="標題 2">
             <a:extLst>
               <a:ext uri="{FF2B5EF4-FFF2-40B4-BE49-F238E27FC236}">
-                <a16:creationId xmlns:a16="http://schemas.microsoft.com/office/drawing/2014/main" id="{21DC9115-EA07-4E43-B229-3DDAC0EF5CB9}"/>
+                <a16:creationId xmlns:a16="http://schemas.microsoft.com/office/drawing/2014/main" id="{B74F9DDA-5D21-4474-B5A9-0D53658E6B5E}"/>
               </a:ext>
             </a:extLst>
           </p:cNvPr>
@@ -12093,11 +12091,11 @@
           <a:p>
             <a:r>
               <a:rPr lang="zh-TW" altLang="en-US" dirty="0"/>
-              <a:t>透過</a:t>
+              <a:t>通過</a:t>
             </a:r>
             <a:r>
               <a:rPr lang="en-US" altLang="zh-TW" dirty="0"/>
-              <a:t>run</a:t>
+              <a:t>toolkit</a:t>
             </a:r>
             <a:r>
               <a:rPr lang="zh-TW" altLang="en-US" dirty="0"/>
@@ -12106,10 +12104,40 @@
           </a:p>
         </p:txBody>
       </p:sp>
+      <p:pic>
+        <p:nvPicPr>
+          <p:cNvPr id="4" name="圖片 3">
+            <a:extLst>
+              <a:ext uri="{FF2B5EF4-FFF2-40B4-BE49-F238E27FC236}">
+                <a16:creationId xmlns:a16="http://schemas.microsoft.com/office/drawing/2014/main" id="{778FB711-4E94-494F-999A-FFDC79ED57C8}"/>
+              </a:ext>
+            </a:extLst>
+          </p:cNvPr>
+          <p:cNvPicPr>
+            <a:picLocks noChangeAspect="1"/>
+          </p:cNvPicPr>
+          <p:nvPr/>
+        </p:nvPicPr>
+        <p:blipFill>
+          <a:blip r:embed="rId2"/>
+          <a:stretch>
+            <a:fillRect/>
+          </a:stretch>
+        </p:blipFill>
+        <p:spPr>
+          <a:xfrm>
+            <a:off x="7499648" y="571499"/>
+            <a:ext cx="4338012" cy="5396486"/>
+          </a:xfrm>
+          <a:prstGeom prst="rect">
+            <a:avLst/>
+          </a:prstGeom>
+        </p:spPr>
+      </p:pic>
     </p:spTree>
     <p:extLst>
       <p:ext uri="{BB962C8B-B14F-4D97-AF65-F5344CB8AC3E}">
-        <p14:creationId xmlns:p14="http://schemas.microsoft.com/office/powerpoint/2010/main" val="64240318"/>
+        <p14:creationId xmlns:p14="http://schemas.microsoft.com/office/powerpoint/2010/main" val="3800941536"/>
       </p:ext>
     </p:extLst>
   </p:cSld>
@@ -12249,7 +12277,7 @@
           <p:cNvPr id="2" name="內容版面配置區 1">
             <a:extLst>
               <a:ext uri="{FF2B5EF4-FFF2-40B4-BE49-F238E27FC236}">
-                <a16:creationId xmlns:a16="http://schemas.microsoft.com/office/drawing/2014/main" id="{1217C976-378C-48C3-900B-3FE82C45F783}"/>
+                <a16:creationId xmlns:a16="http://schemas.microsoft.com/office/drawing/2014/main" id="{49291F46-BDC7-46BE-AFD5-8495C3C3E5C1}"/>
               </a:ext>
             </a:extLst>
           </p:cNvPr>
@@ -12260,22 +12288,35 @@
             <p:ph idx="1"/>
           </p:nvPr>
         </p:nvSpPr>
-        <p:spPr/>
+        <p:spPr>
+          <a:xfrm>
+            <a:off x="609599" y="1371600"/>
+            <a:ext cx="7374468" cy="1363133"/>
+          </a:xfrm>
+        </p:spPr>
         <p:txBody>
           <a:bodyPr/>
           <a:lstStyle/>
           <a:p>
             <a:r>
               <a:rPr lang="zh-TW" altLang="en-US" dirty="0"/>
-              <a:t>一旦完成腳本開發、便可以將腳本放置在特定目錄之下，之後就可以在</a:t>
+              <a:t>在</a:t>
             </a:r>
             <a:r>
               <a:rPr lang="en-US" altLang="zh-TW" dirty="0"/>
-              <a:t>toolkit</a:t>
-            </a:r>
-            <a:r>
-              <a:rPr lang="zh-TW" altLang="en-US" dirty="0"/>
-              <a:t>當中選取並執行。</a:t>
+              <a:t>External tool</a:t>
+            </a:r>
+            <a:r>
+              <a:rPr lang="zh-TW" altLang="en-US" dirty="0"/>
+              <a:t>設定腳本，並在</a:t>
+            </a:r>
+            <a:r>
+              <a:rPr lang="en-US" altLang="zh-TW" dirty="0"/>
+              <a:t>Keyboard Shortcuts</a:t>
+            </a:r>
+            <a:r>
+              <a:rPr lang="zh-TW" altLang="en-US" dirty="0"/>
+              <a:t>當中連結到熱鍵，便可以執行。在開發除錯過程也相當方便。</a:t>
             </a:r>
           </a:p>
         </p:txBody>
@@ -12285,7 +12326,7 @@
           <p:cNvPr id="3" name="標題 2">
             <a:extLst>
               <a:ext uri="{FF2B5EF4-FFF2-40B4-BE49-F238E27FC236}">
-                <a16:creationId xmlns:a16="http://schemas.microsoft.com/office/drawing/2014/main" id="{B74F9DDA-5D21-4474-B5A9-0D53658E6B5E}"/>
+                <a16:creationId xmlns:a16="http://schemas.microsoft.com/office/drawing/2014/main" id="{C8C03A03-E1F0-43C9-B0BD-2ABDF2CB329D}"/>
               </a:ext>
             </a:extLst>
           </p:cNvPr>
@@ -12303,125 +12344,71 @@
           <a:p>
             <a:r>
               <a:rPr lang="zh-TW" altLang="en-US" dirty="0"/>
-              <a:t>通過</a:t>
-            </a:r>
-            <a:r>
-              <a:rPr lang="en-US" altLang="zh-TW" dirty="0"/>
-              <a:t>toolkit</a:t>
-            </a:r>
-            <a:r>
-              <a:rPr lang="zh-TW" altLang="en-US" dirty="0"/>
-              <a:t>來執行腳本</a:t>
-            </a:r>
-          </a:p>
-        </p:txBody>
-      </p:sp>
-    </p:spTree>
-    <p:extLst>
-      <p:ext uri="{BB962C8B-B14F-4D97-AF65-F5344CB8AC3E}">
-        <p14:creationId xmlns:p14="http://schemas.microsoft.com/office/powerpoint/2010/main" val="3800941536"/>
-      </p:ext>
-    </p:extLst>
-  </p:cSld>
-  <p:clrMapOvr>
-    <a:masterClrMapping/>
-  </p:clrMapOvr>
-  <mc:AlternateContent xmlns:mc="http://schemas.openxmlformats.org/markup-compatibility/2006" xmlns:p14="http://schemas.microsoft.com/office/powerpoint/2010/main">
-    <mc:Choice Requires="p14">
-      <p:transition p14:dur="250">
-        <p:fade/>
-      </p:transition>
-    </mc:Choice>
-    <mc:Fallback xmlns="">
-      <p:transition>
-        <p:fade/>
-      </p:transition>
-    </mc:Fallback>
-  </mc:AlternateContent>
-</p:sld>
-</file>
-
-<file path=ppt/slides/slide21.xml><?xml version="1.0" encoding="utf-8"?>
-<p:sld xmlns:a="http://schemas.openxmlformats.org/drawingml/2006/main" xmlns:r="http://schemas.openxmlformats.org/officeDocument/2006/relationships" xmlns:p="http://schemas.openxmlformats.org/presentationml/2006/main">
-  <p:cSld>
-    <p:spTree>
-      <p:nvGrpSpPr>
-        <p:cNvPr id="1" name=""/>
-        <p:cNvGrpSpPr/>
-        <p:nvPr/>
-      </p:nvGrpSpPr>
-      <p:grpSpPr>
-        <a:xfrm>
-          <a:off x="0" y="0"/>
-          <a:ext cx="0" cy="0"/>
-          <a:chOff x="0" y="0"/>
-          <a:chExt cx="0" cy="0"/>
-        </a:xfrm>
-      </p:grpSpPr>
-      <p:sp>
-        <p:nvSpPr>
-          <p:cNvPr id="2" name="內容版面配置區 1">
-            <a:extLst>
-              <a:ext uri="{FF2B5EF4-FFF2-40B4-BE49-F238E27FC236}">
-                <a16:creationId xmlns:a16="http://schemas.microsoft.com/office/drawing/2014/main" id="{49291F46-BDC7-46BE-AFD5-8495C3C3E5C1}"/>
-              </a:ext>
-            </a:extLst>
-          </p:cNvPr>
-          <p:cNvSpPr>
-            <a:spLocks noGrp="1"/>
-          </p:cNvSpPr>
-          <p:nvPr>
-            <p:ph idx="1"/>
-          </p:nvPr>
-        </p:nvSpPr>
-        <p:spPr/>
-        <p:txBody>
-          <a:bodyPr/>
-          <a:lstStyle/>
-          <a:p>
-            <a:r>
-              <a:rPr lang="zh-TW" altLang="en-US" dirty="0"/>
-              <a:t>將腳本設定為</a:t>
-            </a:r>
-            <a:r>
-              <a:rPr lang="en-US" altLang="zh-TW" dirty="0"/>
-              <a:t>External tool</a:t>
-            </a:r>
-            <a:r>
-              <a:rPr lang="zh-TW" altLang="en-US" dirty="0"/>
-              <a:t>並連結到熱鍵可以方便執行，在開發除錯過程也相當方便。</a:t>
-            </a:r>
-          </a:p>
-        </p:txBody>
-      </p:sp>
-      <p:sp>
-        <p:nvSpPr>
-          <p:cNvPr id="3" name="標題 2">
-            <a:extLst>
-              <a:ext uri="{FF2B5EF4-FFF2-40B4-BE49-F238E27FC236}">
-                <a16:creationId xmlns:a16="http://schemas.microsoft.com/office/drawing/2014/main" id="{C8C03A03-E1F0-43C9-B0BD-2ABDF2CB329D}"/>
-              </a:ext>
-            </a:extLst>
-          </p:cNvPr>
-          <p:cNvSpPr>
-            <a:spLocks noGrp="1"/>
-          </p:cNvSpPr>
-          <p:nvPr>
-            <p:ph type="title"/>
-          </p:nvPr>
-        </p:nvSpPr>
-        <p:spPr/>
-        <p:txBody>
-          <a:bodyPr/>
-          <a:lstStyle/>
-          <a:p>
-            <a:r>
-              <a:rPr lang="zh-TW" altLang="en-US" dirty="0"/>
               <a:t>熱鍵執行腳本</a:t>
             </a:r>
           </a:p>
         </p:txBody>
       </p:sp>
+      <p:pic>
+        <p:nvPicPr>
+          <p:cNvPr id="4" name="圖片 3">
+            <a:extLst>
+              <a:ext uri="{FF2B5EF4-FFF2-40B4-BE49-F238E27FC236}">
+                <a16:creationId xmlns:a16="http://schemas.microsoft.com/office/drawing/2014/main" id="{2FD7439F-18AB-4B49-9378-779731F4A3ED}"/>
+              </a:ext>
+            </a:extLst>
+          </p:cNvPr>
+          <p:cNvPicPr>
+            <a:picLocks noChangeAspect="1"/>
+          </p:cNvPicPr>
+          <p:nvPr/>
+        </p:nvPicPr>
+        <p:blipFill>
+          <a:blip r:embed="rId2"/>
+          <a:stretch>
+            <a:fillRect/>
+          </a:stretch>
+        </p:blipFill>
+        <p:spPr>
+          <a:xfrm>
+            <a:off x="1727557" y="3224951"/>
+            <a:ext cx="4560033" cy="2635066"/>
+          </a:xfrm>
+          <a:prstGeom prst="rect">
+            <a:avLst/>
+          </a:prstGeom>
+        </p:spPr>
+      </p:pic>
+      <p:pic>
+        <p:nvPicPr>
+          <p:cNvPr id="5" name="圖片 4">
+            <a:extLst>
+              <a:ext uri="{FF2B5EF4-FFF2-40B4-BE49-F238E27FC236}">
+                <a16:creationId xmlns:a16="http://schemas.microsoft.com/office/drawing/2014/main" id="{1E919EFB-B2DC-4B75-9AAA-7044AD624FD8}"/>
+              </a:ext>
+            </a:extLst>
+          </p:cNvPr>
+          <p:cNvPicPr>
+            <a:picLocks noChangeAspect="1"/>
+          </p:cNvPicPr>
+          <p:nvPr/>
+        </p:nvPicPr>
+        <p:blipFill>
+          <a:blip r:embed="rId3"/>
+          <a:stretch>
+            <a:fillRect/>
+          </a:stretch>
+        </p:blipFill>
+        <p:spPr>
+          <a:xfrm>
+            <a:off x="8184427" y="1303866"/>
+            <a:ext cx="3606220" cy="4556151"/>
+          </a:xfrm>
+          <a:prstGeom prst="rect">
+            <a:avLst/>
+          </a:prstGeom>
+        </p:spPr>
+      </p:pic>
     </p:spTree>
     <p:extLst>
       <p:ext uri="{BB962C8B-B14F-4D97-AF65-F5344CB8AC3E}">
@@ -12447,121 +12434,7 @@
 </p:sld>
 </file>
 
-<file path=ppt/slides/slide22.xml><?xml version="1.0" encoding="utf-8"?>
-<p:sld xmlns:a="http://schemas.openxmlformats.org/drawingml/2006/main" xmlns:r="http://schemas.openxmlformats.org/officeDocument/2006/relationships" xmlns:p="http://schemas.openxmlformats.org/presentationml/2006/main">
-  <p:cSld>
-    <p:spTree>
-      <p:nvGrpSpPr>
-        <p:cNvPr id="1" name=""/>
-        <p:cNvGrpSpPr/>
-        <p:nvPr/>
-      </p:nvGrpSpPr>
-      <p:grpSpPr>
-        <a:xfrm>
-          <a:off x="0" y="0"/>
-          <a:ext cx="0" cy="0"/>
-          <a:chOff x="0" y="0"/>
-          <a:chExt cx="0" cy="0"/>
-        </a:xfrm>
-      </p:grpSpPr>
-      <p:sp>
-        <p:nvSpPr>
-          <p:cNvPr id="2" name="內容版面配置區 1">
-            <a:extLst>
-              <a:ext uri="{FF2B5EF4-FFF2-40B4-BE49-F238E27FC236}">
-                <a16:creationId xmlns:a16="http://schemas.microsoft.com/office/drawing/2014/main" id="{1F7495A2-3CAF-4C5B-8D98-69F0DC66F037}"/>
-              </a:ext>
-            </a:extLst>
-          </p:cNvPr>
-          <p:cNvSpPr>
-            <a:spLocks noGrp="1"/>
-          </p:cNvSpPr>
-          <p:nvPr>
-            <p:ph idx="1"/>
-          </p:nvPr>
-        </p:nvSpPr>
-        <p:spPr/>
-        <p:txBody>
-          <a:bodyPr/>
-          <a:lstStyle/>
-          <a:p>
-            <a:r>
-              <a:rPr lang="zh-TW" altLang="en-US" dirty="0"/>
-              <a:t>透過批次檔控制前處理及後處理，可以在不需要打開</a:t>
-            </a:r>
-            <a:r>
-              <a:rPr lang="en-US" altLang="zh-TW" dirty="0"/>
-              <a:t>AEDT</a:t>
-            </a:r>
-            <a:r>
-              <a:rPr lang="zh-TW" altLang="en-US" dirty="0"/>
-              <a:t>的狀況執行建模，模擬設定及執行，擷取模擬結果。由於省去</a:t>
-            </a:r>
-            <a:r>
-              <a:rPr lang="en-US" altLang="zh-TW" dirty="0"/>
-              <a:t>AEDT</a:t>
-            </a:r>
-            <a:r>
-              <a:rPr lang="zh-TW" altLang="en-US" dirty="0"/>
-              <a:t>顯示的時間，執行的時間要少掉很多。在腳本功能確定無誤之後便可以轉成由批次檔所控制並執行。</a:t>
-            </a:r>
-          </a:p>
-        </p:txBody>
-      </p:sp>
-      <p:sp>
-        <p:nvSpPr>
-          <p:cNvPr id="3" name="標題 2">
-            <a:extLst>
-              <a:ext uri="{FF2B5EF4-FFF2-40B4-BE49-F238E27FC236}">
-                <a16:creationId xmlns:a16="http://schemas.microsoft.com/office/drawing/2014/main" id="{38DC13CC-BA4B-476C-84B1-232A460D5A2F}"/>
-              </a:ext>
-            </a:extLst>
-          </p:cNvPr>
-          <p:cNvSpPr>
-            <a:spLocks noGrp="1"/>
-          </p:cNvSpPr>
-          <p:nvPr>
-            <p:ph type="title"/>
-          </p:nvPr>
-        </p:nvSpPr>
-        <p:spPr/>
-        <p:txBody>
-          <a:bodyPr/>
-          <a:lstStyle/>
-          <a:p>
-            <a:r>
-              <a:rPr lang="zh-TW" altLang="en-US" dirty="0"/>
-              <a:t>批次檔執行腳本</a:t>
-            </a:r>
-          </a:p>
-        </p:txBody>
-      </p:sp>
-    </p:spTree>
-    <p:extLst>
-      <p:ext uri="{BB962C8B-B14F-4D97-AF65-F5344CB8AC3E}">
-        <p14:creationId xmlns:p14="http://schemas.microsoft.com/office/powerpoint/2010/main" val="3823943526"/>
-      </p:ext>
-    </p:extLst>
-  </p:cSld>
-  <p:clrMapOvr>
-    <a:masterClrMapping/>
-  </p:clrMapOvr>
-  <mc:AlternateContent xmlns:mc="http://schemas.openxmlformats.org/markup-compatibility/2006" xmlns:p14="http://schemas.microsoft.com/office/powerpoint/2010/main">
-    <mc:Choice Requires="p14">
-      <p:transition p14:dur="250">
-        <p:fade/>
-      </p:transition>
-    </mc:Choice>
-    <mc:Fallback xmlns="">
-      <p:transition>
-        <p:fade/>
-      </p:transition>
-    </mc:Fallback>
-  </mc:AlternateContent>
-</p:sld>
-</file>
-
-<file path=ppt/slides/slide23.xml><?xml version="1.0" encoding="utf-8"?>
+<file path=ppt/slides/slide21.xml><?xml version="1.0" encoding="utf-8"?>
 <p:sld xmlns:a="http://schemas.openxmlformats.org/drawingml/2006/main" xmlns:r="http://schemas.openxmlformats.org/officeDocument/2006/relationships" xmlns:p="http://schemas.openxmlformats.org/presentationml/2006/main">
   <p:cSld>
     <p:spTree>
@@ -12854,7 +12727,7 @@
 </p:sld>
 </file>
 
-<file path=ppt/slides/slide24.xml><?xml version="1.0" encoding="utf-8"?>
+<file path=ppt/slides/slide22.xml><?xml version="1.0" encoding="utf-8"?>
 <p:sld xmlns:a="http://schemas.openxmlformats.org/drawingml/2006/main" xmlns:r="http://schemas.openxmlformats.org/officeDocument/2006/relationships" xmlns:p="http://schemas.openxmlformats.org/presentationml/2006/main">
   <p:cSld>
     <p:spTree>
@@ -12953,7 +12826,7 @@
 </p:sld>
 </file>
 
-<file path=ppt/slides/slide25.xml><?xml version="1.0" encoding="utf-8"?>
+<file path=ppt/slides/slide23.xml><?xml version="1.0" encoding="utf-8"?>
 <p:sld xmlns:a="http://schemas.openxmlformats.org/drawingml/2006/main" xmlns:r="http://schemas.openxmlformats.org/officeDocument/2006/relationships" xmlns:p="http://schemas.openxmlformats.org/presentationml/2006/main">
   <p:cSld>
     <p:spTree>
@@ -13131,7 +13004,7 @@
 </p:sld>
 </file>
 
-<file path=ppt/slides/slide26.xml><?xml version="1.0" encoding="utf-8"?>
+<file path=ppt/slides/slide24.xml><?xml version="1.0" encoding="utf-8"?>
 <p:sld xmlns:a="http://schemas.openxmlformats.org/drawingml/2006/main" xmlns:r="http://schemas.openxmlformats.org/officeDocument/2006/relationships" xmlns:p="http://schemas.openxmlformats.org/presentationml/2006/main">
   <p:cSld>
     <p:spTree>
@@ -13314,7 +13187,7 @@
 </p:sld>
 </file>
 
-<file path=ppt/slides/slide27.xml><?xml version="1.0" encoding="utf-8"?>
+<file path=ppt/slides/slide25.xml><?xml version="1.0" encoding="utf-8"?>
 <p:sld xmlns:a="http://schemas.openxmlformats.org/drawingml/2006/main" xmlns:r="http://schemas.openxmlformats.org/officeDocument/2006/relationships" xmlns:p="http://schemas.openxmlformats.org/presentationml/2006/main">
   <p:cSld>
     <p:spTree>
@@ -13468,7 +13341,7 @@
 </p:sld>
 </file>
 
-<file path=ppt/slides/slide28.xml><?xml version="1.0" encoding="utf-8"?>
+<file path=ppt/slides/slide26.xml><?xml version="1.0" encoding="utf-8"?>
 <p:sld xmlns:a="http://schemas.openxmlformats.org/drawingml/2006/main" xmlns:r="http://schemas.openxmlformats.org/officeDocument/2006/relationships" xmlns:p="http://schemas.openxmlformats.org/presentationml/2006/main">
   <p:cSld>
     <p:spTree>
@@ -13610,6 +13483,209 @@
 </p:sld>
 </file>
 
+<file path=ppt/slides/slide27.xml><?xml version="1.0" encoding="utf-8"?>
+<p:sld xmlns:a="http://schemas.openxmlformats.org/drawingml/2006/main" xmlns:r="http://schemas.openxmlformats.org/officeDocument/2006/relationships" xmlns:p="http://schemas.openxmlformats.org/presentationml/2006/main">
+  <p:cSld>
+    <p:spTree>
+      <p:nvGrpSpPr>
+        <p:cNvPr id="1" name=""/>
+        <p:cNvGrpSpPr/>
+        <p:nvPr/>
+      </p:nvGrpSpPr>
+      <p:grpSpPr>
+        <a:xfrm>
+          <a:off x="0" y="0"/>
+          <a:ext cx="0" cy="0"/>
+          <a:chOff x="0" y="0"/>
+          <a:chExt cx="0" cy="0"/>
+        </a:xfrm>
+      </p:grpSpPr>
+      <p:sp>
+        <p:nvSpPr>
+          <p:cNvPr id="4" name="文字版面配置區 3">
+            <a:extLst>
+              <a:ext uri="{FF2B5EF4-FFF2-40B4-BE49-F238E27FC236}">
+                <a16:creationId xmlns:a16="http://schemas.microsoft.com/office/drawing/2014/main" id="{2FA54F75-D405-4104-B6BB-EA44A23A109A}"/>
+              </a:ext>
+            </a:extLst>
+          </p:cNvPr>
+          <p:cNvSpPr>
+            <a:spLocks noGrp="1"/>
+          </p:cNvSpPr>
+          <p:nvPr>
+            <p:ph type="body" sz="quarter" idx="10"/>
+          </p:nvPr>
+        </p:nvSpPr>
+        <p:spPr/>
+        <p:txBody>
+          <a:bodyPr/>
+          <a:lstStyle/>
+          <a:p>
+            <a:r>
+              <a:rPr lang="zh-TW" altLang="en-US" dirty="0"/>
+              <a:t>專題討論 </a:t>
+            </a:r>
+          </a:p>
+        </p:txBody>
+      </p:sp>
+      <p:sp>
+        <p:nvSpPr>
+          <p:cNvPr id="5" name="文字版面配置區 4">
+            <a:extLst>
+              <a:ext uri="{FF2B5EF4-FFF2-40B4-BE49-F238E27FC236}">
+                <a16:creationId xmlns:a16="http://schemas.microsoft.com/office/drawing/2014/main" id="{CEE2A55E-C73D-43FF-AA36-95C0FF95B7B1}"/>
+              </a:ext>
+            </a:extLst>
+          </p:cNvPr>
+          <p:cNvSpPr>
+            <a:spLocks noGrp="1"/>
+          </p:cNvSpPr>
+          <p:nvPr>
+            <p:ph type="body" sz="quarter" idx="12"/>
+          </p:nvPr>
+        </p:nvSpPr>
+        <p:spPr/>
+        <p:txBody>
+          <a:bodyPr/>
+          <a:lstStyle/>
+          <a:p>
+            <a:endParaRPr lang="zh-TW" altLang="en-US"/>
+          </a:p>
+        </p:txBody>
+      </p:sp>
+    </p:spTree>
+    <p:extLst>
+      <p:ext uri="{BB962C8B-B14F-4D97-AF65-F5344CB8AC3E}">
+        <p14:creationId xmlns:p14="http://schemas.microsoft.com/office/powerpoint/2010/main" val="929909194"/>
+      </p:ext>
+    </p:extLst>
+  </p:cSld>
+  <p:clrMapOvr>
+    <a:masterClrMapping/>
+  </p:clrMapOvr>
+  <mc:AlternateContent xmlns:mc="http://schemas.openxmlformats.org/markup-compatibility/2006" xmlns:p14="http://schemas.microsoft.com/office/powerpoint/2010/main">
+    <mc:Choice Requires="p14">
+      <p:transition p14:dur="250">
+        <p:fade/>
+      </p:transition>
+    </mc:Choice>
+    <mc:Fallback xmlns="">
+      <p:transition>
+        <p:fade/>
+      </p:transition>
+    </mc:Fallback>
+  </mc:AlternateContent>
+</p:sld>
+</file>
+
+<file path=ppt/slides/slide28.xml><?xml version="1.0" encoding="utf-8"?>
+<p:sld xmlns:a="http://schemas.openxmlformats.org/drawingml/2006/main" xmlns:r="http://schemas.openxmlformats.org/officeDocument/2006/relationships" xmlns:p="http://schemas.openxmlformats.org/presentationml/2006/main">
+  <p:cSld>
+    <p:spTree>
+      <p:nvGrpSpPr>
+        <p:cNvPr id="1" name=""/>
+        <p:cNvGrpSpPr/>
+        <p:nvPr/>
+      </p:nvGrpSpPr>
+      <p:grpSpPr>
+        <a:xfrm>
+          <a:off x="0" y="0"/>
+          <a:ext cx="0" cy="0"/>
+          <a:chOff x="0" y="0"/>
+          <a:chExt cx="0" cy="0"/>
+        </a:xfrm>
+      </p:grpSpPr>
+      <p:sp>
+        <p:nvSpPr>
+          <p:cNvPr id="5" name="內容版面配置區 4">
+            <a:extLst>
+              <a:ext uri="{FF2B5EF4-FFF2-40B4-BE49-F238E27FC236}">
+                <a16:creationId xmlns:a16="http://schemas.microsoft.com/office/drawing/2014/main" id="{8B0B0ED6-7A59-42E9-B7BB-95B85355591E}"/>
+              </a:ext>
+            </a:extLst>
+          </p:cNvPr>
+          <p:cNvSpPr>
+            <a:spLocks noGrp="1"/>
+          </p:cNvSpPr>
+          <p:nvPr>
+            <p:ph idx="1"/>
+          </p:nvPr>
+        </p:nvSpPr>
+        <p:spPr/>
+        <p:txBody>
+          <a:bodyPr/>
+          <a:lstStyle/>
+          <a:p>
+            <a:pPr marL="0" indent="0">
+              <a:buNone/>
+            </a:pPr>
+            <a:r>
+              <a:rPr lang="zh-TW" altLang="en-US" dirty="0"/>
+              <a:t>只有學以致用，才能真正的落實學習到的知識。透過專題的演練，可以認知到知識不足的部分，並拓展思維的廣度。這是專題實作的意義。</a:t>
+            </a:r>
+          </a:p>
+          <a:p>
+            <a:endParaRPr lang="zh-TW" altLang="en-US" dirty="0"/>
+          </a:p>
+        </p:txBody>
+      </p:sp>
+      <p:sp>
+        <p:nvSpPr>
+          <p:cNvPr id="4" name="標題 3">
+            <a:extLst>
+              <a:ext uri="{FF2B5EF4-FFF2-40B4-BE49-F238E27FC236}">
+                <a16:creationId xmlns:a16="http://schemas.microsoft.com/office/drawing/2014/main" id="{51DDD2F0-454F-4B62-8FC8-8171F6BA137D}"/>
+              </a:ext>
+            </a:extLst>
+          </p:cNvPr>
+          <p:cNvSpPr>
+            <a:spLocks noGrp="1"/>
+          </p:cNvSpPr>
+          <p:nvPr>
+            <p:ph type="title"/>
+          </p:nvPr>
+        </p:nvSpPr>
+        <p:spPr/>
+        <p:txBody>
+          <a:bodyPr/>
+          <a:lstStyle/>
+          <a:p>
+            <a:r>
+              <a:rPr lang="zh-TW" altLang="en-US" dirty="0"/>
+              <a:t>為何課程要完成專題？</a:t>
+            </a:r>
+            <a:br>
+              <a:rPr lang="zh-TW" altLang="en-US" dirty="0"/>
+            </a:br>
+            <a:endParaRPr lang="zh-TW" altLang="en-US" dirty="0"/>
+          </a:p>
+        </p:txBody>
+      </p:sp>
+    </p:spTree>
+    <p:extLst>
+      <p:ext uri="{BB962C8B-B14F-4D97-AF65-F5344CB8AC3E}">
+        <p14:creationId xmlns:p14="http://schemas.microsoft.com/office/powerpoint/2010/main" val="1717474662"/>
+      </p:ext>
+    </p:extLst>
+  </p:cSld>
+  <p:clrMapOvr>
+    <a:masterClrMapping/>
+  </p:clrMapOvr>
+  <mc:AlternateContent xmlns:mc="http://schemas.openxmlformats.org/markup-compatibility/2006" xmlns:p14="http://schemas.microsoft.com/office/powerpoint/2010/main">
+    <mc:Choice Requires="p14">
+      <p:transition p14:dur="250">
+        <p:fade/>
+      </p:transition>
+    </mc:Choice>
+    <mc:Fallback xmlns="">
+      <p:transition>
+        <p:fade/>
+      </p:transition>
+    </mc:Fallback>
+  </mc:AlternateContent>
+</p:sld>
+</file>
+
 <file path=ppt/slides/slide29.xml><?xml version="1.0" encoding="utf-8"?>
 <p:sld xmlns:a="http://schemas.openxmlformats.org/drawingml/2006/main" xmlns:r="http://schemas.openxmlformats.org/officeDocument/2006/relationships" xmlns:p="http://schemas.openxmlformats.org/presentationml/2006/main">
   <p:cSld>
@@ -13629,10 +13705,10 @@
       </p:grpSpPr>
       <p:sp>
         <p:nvSpPr>
-          <p:cNvPr id="4" name="文字版面配置區 3">
-            <a:extLst>
-              <a:ext uri="{FF2B5EF4-FFF2-40B4-BE49-F238E27FC236}">
-                <a16:creationId xmlns:a16="http://schemas.microsoft.com/office/drawing/2014/main" id="{2FA54F75-D405-4104-B6BB-EA44A23A109A}"/>
+          <p:cNvPr id="2" name="內容版面配置區 1">
+            <a:extLst>
+              <a:ext uri="{FF2B5EF4-FFF2-40B4-BE49-F238E27FC236}">
+                <a16:creationId xmlns:a16="http://schemas.microsoft.com/office/drawing/2014/main" id="{C6F078A4-E99D-4092-8AC3-B9698C576328}"/>
               </a:ext>
             </a:extLst>
           </p:cNvPr>
@@ -13640,7 +13716,7 @@
             <a:spLocks noGrp="1"/>
           </p:cNvSpPr>
           <p:nvPr>
-            <p:ph type="body" sz="quarter" idx="10"/>
+            <p:ph idx="1"/>
           </p:nvPr>
         </p:nvSpPr>
         <p:spPr/>
@@ -13648,19 +13724,154 @@
           <a:bodyPr/>
           <a:lstStyle/>
           <a:p>
-            <a:r>
-              <a:rPr lang="zh-TW" altLang="en-US" dirty="0"/>
-              <a:t>專題討論 </a:t>
-            </a:r>
-          </a:p>
-        </p:txBody>
-      </p:sp>
-      <p:sp>
-        <p:nvSpPr>
-          <p:cNvPr id="5" name="文字版面配置區 4">
-            <a:extLst>
-              <a:ext uri="{FF2B5EF4-FFF2-40B4-BE49-F238E27FC236}">
-                <a16:creationId xmlns:a16="http://schemas.microsoft.com/office/drawing/2014/main" id="{CEE2A55E-C73D-43FF-AA36-95C0FF95B7B1}"/>
+            <a:pPr marL="0" indent="0">
+              <a:buNone/>
+            </a:pPr>
+            <a:r>
+              <a:rPr lang="zh-TW" altLang="en-US" dirty="0"/>
+              <a:t>制定自動化專題可以考慮下列幾點作業系統：</a:t>
+            </a:r>
+            <a:r>
+              <a:rPr lang="en-US" altLang="zh-TW" dirty="0"/>
+              <a:t>windows</a:t>
+            </a:r>
+            <a:r>
+              <a:rPr lang="zh-TW" altLang="en-US" dirty="0"/>
+              <a:t>或</a:t>
+            </a:r>
+            <a:r>
+              <a:rPr lang="en-US" altLang="zh-TW" dirty="0"/>
+              <a:t>Linux</a:t>
+            </a:r>
+            <a:r>
+              <a:rPr lang="zh-TW" altLang="en-US" dirty="0"/>
+              <a:t>環境：</a:t>
+            </a:r>
+            <a:r>
+              <a:rPr lang="en-US" altLang="zh-TW" dirty="0" err="1"/>
+              <a:t>Hfss</a:t>
+            </a:r>
+            <a:r>
+              <a:rPr lang="zh-TW" altLang="en-US" dirty="0"/>
+              <a:t>，</a:t>
+            </a:r>
+            <a:r>
+              <a:rPr lang="en-US" altLang="zh-TW" dirty="0"/>
+              <a:t>q3d</a:t>
+            </a:r>
+            <a:r>
+              <a:rPr lang="zh-TW" altLang="en-US" dirty="0"/>
+              <a:t>，</a:t>
+            </a:r>
+            <a:r>
+              <a:rPr lang="en-US" altLang="zh-TW" dirty="0"/>
+              <a:t>schematic</a:t>
+            </a:r>
+            <a:r>
+              <a:rPr lang="zh-TW" altLang="en-US" dirty="0"/>
+              <a:t>，</a:t>
+            </a:r>
+            <a:r>
+              <a:rPr lang="en-US" altLang="zh-TW" dirty="0"/>
+              <a:t>Maxwell</a:t>
+            </a:r>
+            <a:r>
+              <a:rPr lang="zh-TW" altLang="en-US" dirty="0"/>
+              <a:t>工作：前處理或後處理建議可以從平常操作所遇到的問題著手，找出工作流程的瓶頸。除此之外。要衡量自己的編程能力：</a:t>
+            </a:r>
+            <a:endParaRPr lang="en-US" altLang="zh-TW" dirty="0"/>
+          </a:p>
+          <a:p>
+            <a:r>
+              <a:rPr lang="zh-TW" altLang="en-US" dirty="0"/>
+              <a:t>平常沒有做編程工作的學員建議選擇前處理作為專題題目。透過修改錄製好的腳本來逐漸改進編程技巧並建立自信心。</a:t>
+            </a:r>
+            <a:endParaRPr lang="en-US" altLang="zh-TW" dirty="0"/>
+          </a:p>
+          <a:p>
+            <a:r>
+              <a:rPr lang="zh-TW" altLang="en-US" dirty="0"/>
+              <a:t>平時已有編程經驗的可以試著挑戰後處理，學習如何處理上百萬筆的資料並輸出報表。後處理技術也可以用在工作其他領域。</a:t>
+            </a:r>
+            <a:endParaRPr lang="en-US" altLang="zh-TW" dirty="0"/>
+          </a:p>
+          <a:p>
+            <a:r>
+              <a:rPr lang="zh-TW" altLang="en-US" dirty="0"/>
+              <a:t>前處理後處理都熟稔的學員可以挑戰</a:t>
+            </a:r>
+            <a:r>
+              <a:rPr lang="en-US" altLang="zh-TW" dirty="0"/>
+              <a:t>GUI</a:t>
+            </a:r>
+            <a:r>
+              <a:rPr lang="zh-TW" altLang="en-US" dirty="0"/>
+              <a:t>編程或是串連多個環境，像是將</a:t>
+            </a:r>
+            <a:r>
+              <a:rPr lang="en-US" altLang="zh-TW" dirty="0"/>
+              <a:t>HFSS/Q3D</a:t>
+            </a:r>
+            <a:r>
+              <a:rPr lang="zh-TW" altLang="en-US" dirty="0"/>
+              <a:t>結果輸出到原理圖當中並接上電路元件做模擬並輸出報告到</a:t>
+            </a:r>
+            <a:r>
+              <a:rPr lang="en-US" altLang="zh-TW" dirty="0"/>
+              <a:t>ppt</a:t>
+            </a:r>
+            <a:r>
+              <a:rPr lang="zh-TW" altLang="en-US" dirty="0"/>
+              <a:t>檔。</a:t>
+            </a:r>
+            <a:endParaRPr lang="en-US" altLang="zh-TW" dirty="0"/>
+          </a:p>
+          <a:p>
+            <a:r>
+              <a:rPr lang="zh-TW" altLang="en-US" dirty="0"/>
+              <a:t>如果上面都難不倒你，不妨來挑戰</a:t>
+            </a:r>
+            <a:r>
+              <a:rPr lang="en-US" altLang="zh-TW" dirty="0"/>
+              <a:t>ACT</a:t>
+            </a:r>
+            <a:r>
+              <a:rPr lang="zh-TW" altLang="en-US" dirty="0"/>
+              <a:t>。</a:t>
+            </a:r>
+            <a:r>
+              <a:rPr lang="en-US" altLang="zh-TW" dirty="0"/>
+              <a:t>ACT</a:t>
+            </a:r>
+            <a:r>
+              <a:rPr lang="zh-TW" altLang="en-US" dirty="0"/>
+              <a:t>整合了介面設計，也可以串聯多平台。寫得好還可以上架</a:t>
+            </a:r>
+            <a:r>
+              <a:rPr lang="en-US" altLang="zh-TW" dirty="0"/>
+              <a:t>ANSYS</a:t>
+            </a:r>
+            <a:r>
+              <a:rPr lang="zh-TW" altLang="en-US" dirty="0"/>
+              <a:t> </a:t>
+            </a:r>
+            <a:r>
+              <a:rPr lang="en-US" altLang="zh-TW" dirty="0"/>
+              <a:t>Store</a:t>
+            </a:r>
+            <a:r>
+              <a:rPr lang="zh-TW" altLang="en-US" dirty="0"/>
+              <a:t>銷售。</a:t>
+            </a:r>
+          </a:p>
+        </p:txBody>
+      </p:sp>
+      <p:sp>
+        <p:nvSpPr>
+          <p:cNvPr id="3" name="標題 2">
+            <a:extLst>
+              <a:ext uri="{FF2B5EF4-FFF2-40B4-BE49-F238E27FC236}">
+                <a16:creationId xmlns:a16="http://schemas.microsoft.com/office/drawing/2014/main" id="{035077E8-9769-4239-B6FF-C9B606BA0011}"/>
               </a:ext>
             </a:extLst>
           </p:cNvPr>
@@ -13668,7 +13879,7 @@
             <a:spLocks noGrp="1"/>
           </p:cNvSpPr>
           <p:nvPr>
-            <p:ph type="body" sz="quarter" idx="12"/>
+            <p:ph type="title"/>
           </p:nvPr>
         </p:nvSpPr>
         <p:spPr/>
@@ -13676,14 +13887,17 @@
           <a:bodyPr/>
           <a:lstStyle/>
           <a:p>
-            <a:endParaRPr lang="zh-TW" altLang="en-US"/>
+            <a:r>
+              <a:rPr lang="zh-TW" altLang="en-US" dirty="0"/>
+              <a:t>如何制定自動專題題目</a:t>
+            </a:r>
           </a:p>
         </p:txBody>
       </p:sp>
     </p:spTree>
     <p:extLst>
       <p:ext uri="{BB962C8B-B14F-4D97-AF65-F5344CB8AC3E}">
-        <p14:creationId xmlns:p14="http://schemas.microsoft.com/office/powerpoint/2010/main" val="929909194"/>
+        <p14:creationId xmlns:p14="http://schemas.microsoft.com/office/powerpoint/2010/main" val="2609797397"/>
       </p:ext>
     </p:extLst>
   </p:cSld>
@@ -13843,7 +14057,156 @@
             </a:pPr>
             <a:r>
               <a:rPr lang="zh-TW" altLang="en-US" dirty="0"/>
-              <a:t>只有學以致用，才能真正的落實學習到的知識。透過專題的演練，可以認知到知識不足的部分，並拓展思維的廣度。這是專題實作的意義。</a:t>
+              <a:t>回想自己在軟體操作時耗費時間最多的步驟，比方說：</a:t>
+            </a:r>
+          </a:p>
+          <a:p>
+            <a:r>
+              <a:rPr lang="zh-TW" altLang="en-US" dirty="0">
+                <a:solidFill>
+                  <a:srgbClr val="0070C0"/>
+                </a:solidFill>
+              </a:rPr>
+              <a:t>沿著弧形傳輸線兩側佈建</a:t>
+            </a:r>
+            <a:r>
+              <a:rPr lang="en-US" altLang="zh-TW" dirty="0">
+                <a:solidFill>
+                  <a:srgbClr val="0070C0"/>
+                </a:solidFill>
+              </a:rPr>
+              <a:t>via</a:t>
+            </a:r>
+          </a:p>
+          <a:p>
+            <a:r>
+              <a:rPr lang="zh-TW" altLang="en-US" dirty="0">
+                <a:solidFill>
+                  <a:srgbClr val="0070C0"/>
+                </a:solidFill>
+              </a:rPr>
+              <a:t>每次建立新的設計時都要加入同樣的材料與模擬設定</a:t>
+            </a:r>
+          </a:p>
+          <a:p>
+            <a:r>
+              <a:rPr lang="zh-TW" altLang="en-US" dirty="0">
+                <a:solidFill>
+                  <a:srgbClr val="0070C0"/>
+                </a:solidFill>
+              </a:rPr>
+              <a:t>在所有的</a:t>
+            </a:r>
+            <a:r>
+              <a:rPr lang="en-US" altLang="zh-TW" dirty="0">
+                <a:solidFill>
+                  <a:srgbClr val="0070C0"/>
+                </a:solidFill>
+              </a:rPr>
+              <a:t>pad</a:t>
+            </a:r>
+            <a:r>
+              <a:rPr lang="zh-TW" altLang="en-US" dirty="0">
+                <a:solidFill>
+                  <a:srgbClr val="0070C0"/>
+                </a:solidFill>
+              </a:rPr>
+              <a:t>上設置</a:t>
+            </a:r>
+            <a:r>
+              <a:rPr lang="en-US" altLang="zh-TW" dirty="0">
+                <a:solidFill>
+                  <a:srgbClr val="0070C0"/>
+                </a:solidFill>
+              </a:rPr>
+              <a:t>port</a:t>
+            </a:r>
+          </a:p>
+          <a:p>
+            <a:r>
+              <a:rPr lang="zh-TW" altLang="en-US" dirty="0">
+                <a:solidFill>
+                  <a:srgbClr val="0070C0"/>
+                </a:solidFill>
+              </a:rPr>
+              <a:t>輸出每一組走線的頻寬曲線圖</a:t>
+            </a:r>
+          </a:p>
+          <a:p>
+            <a:r>
+              <a:rPr lang="zh-TW" altLang="en-US" dirty="0">
+                <a:solidFill>
+                  <a:srgbClr val="0070C0"/>
+                </a:solidFill>
+              </a:rPr>
+              <a:t>將數十個</a:t>
+            </a:r>
+            <a:r>
+              <a:rPr lang="en-US" altLang="zh-TW" dirty="0">
+                <a:solidFill>
+                  <a:srgbClr val="0070C0"/>
+                </a:solidFill>
+              </a:rPr>
+              <a:t>port</a:t>
+            </a:r>
+            <a:r>
+              <a:rPr lang="zh-TW" altLang="en-US" dirty="0">
+                <a:solidFill>
+                  <a:srgbClr val="0070C0"/>
+                </a:solidFill>
+              </a:rPr>
+              <a:t>的</a:t>
+            </a:r>
+            <a:r>
+              <a:rPr lang="en-US" altLang="zh-TW" dirty="0">
+                <a:solidFill>
+                  <a:srgbClr val="0070C0"/>
+                </a:solidFill>
+              </a:rPr>
+              <a:t>S</a:t>
+            </a:r>
+            <a:r>
+              <a:rPr lang="zh-TW" altLang="en-US" dirty="0">
+                <a:solidFill>
+                  <a:srgbClr val="0070C0"/>
+                </a:solidFill>
+              </a:rPr>
+              <a:t>參數模型接上電路</a:t>
+            </a:r>
+          </a:p>
+          <a:p>
+            <a:r>
+              <a:rPr lang="zh-TW" altLang="en-US" dirty="0">
+                <a:solidFill>
+                  <a:srgbClr val="0070C0"/>
+                </a:solidFill>
+              </a:rPr>
+              <a:t>計算每一組訊號眼高及眼寬並建立統計分布曲線</a:t>
+            </a:r>
+          </a:p>
+          <a:p>
+            <a:r>
+              <a:rPr lang="zh-TW" altLang="en-US" dirty="0">
+                <a:solidFill>
+                  <a:srgbClr val="0070C0"/>
+                </a:solidFill>
+              </a:rPr>
+              <a:t>其它</a:t>
+            </a:r>
+          </a:p>
+          <a:p>
+            <a:pPr marL="0" indent="0">
+              <a:buNone/>
+            </a:pPr>
+            <a:endParaRPr lang="en-US" altLang="zh-TW" dirty="0"/>
+          </a:p>
+          <a:p>
+            <a:pPr marL="0" indent="0">
+              <a:buNone/>
+            </a:pPr>
+            <a:r>
+              <a:rPr lang="zh-TW" altLang="en-US" dirty="0"/>
+              <a:t>總而言之，任何你覺得煩瑣的操作，都是自動化腳本可以發揮的空間。</a:t>
             </a:r>
           </a:p>
           <a:p>
@@ -13874,7 +14237,7 @@
           <a:p>
             <a:r>
               <a:rPr lang="zh-TW" altLang="en-US" dirty="0"/>
-              <a:t>為何課程要完成專題？</a:t>
+              <a:t>自動化專題舉例</a:t>
             </a:r>
             <a:br>
               <a:rPr lang="zh-TW" altLang="en-US" dirty="0"/>
@@ -13886,7 +14249,7 @@
     </p:spTree>
     <p:extLst>
       <p:ext uri="{BB962C8B-B14F-4D97-AF65-F5344CB8AC3E}">
-        <p14:creationId xmlns:p14="http://schemas.microsoft.com/office/powerpoint/2010/main" val="1717474662"/>
+        <p14:creationId xmlns:p14="http://schemas.microsoft.com/office/powerpoint/2010/main" val="751778690"/>
       </p:ext>
     </p:extLst>
   </p:cSld>
@@ -13930,7 +14293,7 @@
           <p:cNvPr id="2" name="內容版面配置區 1">
             <a:extLst>
               <a:ext uri="{FF2B5EF4-FFF2-40B4-BE49-F238E27FC236}">
-                <a16:creationId xmlns:a16="http://schemas.microsoft.com/office/drawing/2014/main" id="{C6F078A4-E99D-4092-8AC3-B9698C576328}"/>
+                <a16:creationId xmlns:a16="http://schemas.microsoft.com/office/drawing/2014/main" id="{02A1E2E6-DFB6-4C76-973C-7FC0AA967CCF}"/>
               </a:ext>
             </a:extLst>
           </p:cNvPr>
@@ -13946,145 +14309,13 @@
           <a:bodyPr/>
           <a:lstStyle/>
           <a:p>
-            <a:pPr marL="0" indent="0">
-              <a:buNone/>
-            </a:pPr>
-            <a:r>
-              <a:rPr lang="zh-TW" altLang="en-US" dirty="0"/>
-              <a:t>制定自動化專題可以考慮下列幾點作業系統：</a:t>
-            </a:r>
-            <a:r>
-              <a:rPr lang="en-US" altLang="zh-TW" dirty="0"/>
-              <a:t>windows</a:t>
-            </a:r>
-            <a:r>
-              <a:rPr lang="zh-TW" altLang="en-US" dirty="0"/>
-              <a:t>或</a:t>
-            </a:r>
-            <a:r>
-              <a:rPr lang="en-US" altLang="zh-TW" dirty="0"/>
-              <a:t>Linux</a:t>
-            </a:r>
-            <a:r>
-              <a:rPr lang="zh-TW" altLang="en-US" dirty="0"/>
-              <a:t>環境：</a:t>
-            </a:r>
-            <a:r>
-              <a:rPr lang="en-US" altLang="zh-TW" dirty="0" err="1"/>
-              <a:t>Hfss</a:t>
-            </a:r>
-            <a:r>
-              <a:rPr lang="zh-TW" altLang="en-US" dirty="0"/>
-              <a:t>，</a:t>
-            </a:r>
-            <a:r>
-              <a:rPr lang="en-US" altLang="zh-TW" dirty="0"/>
-              <a:t>q3d</a:t>
-            </a:r>
-            <a:r>
-              <a:rPr lang="zh-TW" altLang="en-US" dirty="0"/>
-              <a:t>，</a:t>
-            </a:r>
-            <a:r>
-              <a:rPr lang="en-US" altLang="zh-TW" dirty="0"/>
-              <a:t>schematic</a:t>
-            </a:r>
-            <a:r>
-              <a:rPr lang="zh-TW" altLang="en-US" dirty="0"/>
-              <a:t>，</a:t>
-            </a:r>
-            <a:r>
-              <a:rPr lang="en-US" altLang="zh-TW" dirty="0"/>
-              <a:t>Maxwell</a:t>
-            </a:r>
-            <a:r>
-              <a:rPr lang="zh-TW" altLang="en-US" dirty="0"/>
-              <a:t>工作：前處理或後處理建議可以從平常操作所遇到的問題著手，找出工作流程的瓶頸。除此之外。要衡量自己的編程能力：</a:t>
-            </a:r>
-            <a:endParaRPr lang="en-US" altLang="zh-TW" dirty="0"/>
-          </a:p>
-          <a:p>
-            <a:r>
-              <a:rPr lang="zh-TW" altLang="en-US" dirty="0"/>
-              <a:t>平常沒有做編程工作的學員建議選擇前處理作為專題題目。透過修改錄製好的腳本來逐漸改進編程技巧並建立自信心。</a:t>
-            </a:r>
-            <a:endParaRPr lang="en-US" altLang="zh-TW" dirty="0"/>
-          </a:p>
-          <a:p>
-            <a:r>
-              <a:rPr lang="zh-TW" altLang="en-US" dirty="0"/>
-              <a:t>平時已有編程經驗的可以試著挑戰後處理，學習如何處理上百萬筆的資料並輸出報表。後處理技術也可以用在工作其他領域。</a:t>
-            </a:r>
-            <a:endParaRPr lang="en-US" altLang="zh-TW" dirty="0"/>
-          </a:p>
-          <a:p>
-            <a:r>
-              <a:rPr lang="zh-TW" altLang="en-US" dirty="0"/>
-              <a:t>前處理後處理都熟稔的學員可以挑戰</a:t>
-            </a:r>
-            <a:r>
-              <a:rPr lang="en-US" altLang="zh-TW" dirty="0"/>
-              <a:t>GUI</a:t>
-            </a:r>
-            <a:r>
-              <a:rPr lang="zh-TW" altLang="en-US" dirty="0"/>
-              <a:t>編程或是串連多個環境，像是將</a:t>
-            </a:r>
-            <a:r>
-              <a:rPr lang="en-US" altLang="zh-TW" dirty="0"/>
-              <a:t>HFSS/Q3D</a:t>
-            </a:r>
-            <a:r>
-              <a:rPr lang="zh-TW" altLang="en-US" dirty="0"/>
-              <a:t>結果輸出到原理圖當中並接上電路元件做模擬並輸出報告到</a:t>
-            </a:r>
-            <a:r>
-              <a:rPr lang="en-US" altLang="zh-TW" dirty="0"/>
-              <a:t>ppt</a:t>
-            </a:r>
-            <a:r>
-              <a:rPr lang="zh-TW" altLang="en-US" dirty="0"/>
-              <a:t>檔。</a:t>
-            </a:r>
-            <a:endParaRPr lang="en-US" altLang="zh-TW" dirty="0"/>
-          </a:p>
-          <a:p>
-            <a:r>
-              <a:rPr lang="zh-TW" altLang="en-US" dirty="0"/>
-              <a:t>如果上面都難不倒你，不妨來挑戰</a:t>
-            </a:r>
-            <a:r>
-              <a:rPr lang="en-US" altLang="zh-TW" dirty="0"/>
-              <a:t>ACT</a:t>
-            </a:r>
-            <a:r>
-              <a:rPr lang="zh-TW" altLang="en-US" dirty="0"/>
-              <a:t>。</a:t>
-            </a:r>
-            <a:r>
-              <a:rPr lang="en-US" altLang="zh-TW" dirty="0"/>
-              <a:t>ACT</a:t>
-            </a:r>
-            <a:r>
-              <a:rPr lang="zh-TW" altLang="en-US" dirty="0"/>
-              <a:t>整合了介面設計，也可以串聯多平台。寫得好還可以上架</a:t>
-            </a:r>
-            <a:r>
-              <a:rPr lang="en-US" altLang="zh-TW" dirty="0"/>
-              <a:t>ANSYS</a:t>
-            </a:r>
-            <a:r>
-              <a:rPr lang="zh-TW" altLang="en-US" dirty="0"/>
-              <a:t> </a:t>
-            </a:r>
-            <a:r>
-              <a:rPr lang="en-US" altLang="zh-TW" dirty="0"/>
-              <a:t>Store</a:t>
-            </a:r>
-            <a:r>
-              <a:rPr lang="zh-TW" altLang="en-US" dirty="0"/>
-              <a:t>銷售。</a:t>
-            </a:r>
+            <a:r>
+              <a:rPr lang="zh-TW" altLang="en-US" dirty="0"/>
+              <a:t>別擔心，講師會在課程期間協助個人專案的開發。透過討論及腦力激盪來完完成專案。</a:t>
+            </a:r>
+          </a:p>
+          <a:p>
+            <a:endParaRPr lang="zh-TW" altLang="en-US" dirty="0"/>
           </a:p>
         </p:txBody>
       </p:sp>
@@ -14093,7 +14324,7 @@
           <p:cNvPr id="3" name="標題 2">
             <a:extLst>
               <a:ext uri="{FF2B5EF4-FFF2-40B4-BE49-F238E27FC236}">
-                <a16:creationId xmlns:a16="http://schemas.microsoft.com/office/drawing/2014/main" id="{035077E8-9769-4239-B6FF-C9B606BA0011}"/>
+                <a16:creationId xmlns:a16="http://schemas.microsoft.com/office/drawing/2014/main" id="{E1706A94-9322-4DB7-B41B-7F7FDDB0AC02}"/>
               </a:ext>
             </a:extLst>
           </p:cNvPr>
@@ -14111,15 +14342,19 @@
           <a:p>
             <a:r>
               <a:rPr lang="zh-TW" altLang="en-US" dirty="0"/>
-              <a:t>如何制定自動專題題目</a:t>
-            </a:r>
+              <a:t>如果專案開發期間遇到困難該怎麼辦？</a:t>
+            </a:r>
+            <a:br>
+              <a:rPr lang="zh-TW" altLang="en-US" dirty="0"/>
+            </a:br>
+            <a:endParaRPr lang="zh-TW" altLang="en-US" dirty="0"/>
           </a:p>
         </p:txBody>
       </p:sp>
     </p:spTree>
     <p:extLst>
       <p:ext uri="{BB962C8B-B14F-4D97-AF65-F5344CB8AC3E}">
-        <p14:creationId xmlns:p14="http://schemas.microsoft.com/office/powerpoint/2010/main" val="2609797397"/>
+        <p14:creationId xmlns:p14="http://schemas.microsoft.com/office/powerpoint/2010/main" val="4282441724"/>
       </p:ext>
     </p:extLst>
   </p:cSld>
@@ -14160,10 +14395,10 @@
       </p:grpSpPr>
       <p:sp>
         <p:nvSpPr>
-          <p:cNvPr id="5" name="內容版面配置區 4">
-            <a:extLst>
-              <a:ext uri="{FF2B5EF4-FFF2-40B4-BE49-F238E27FC236}">
-                <a16:creationId xmlns:a16="http://schemas.microsoft.com/office/drawing/2014/main" id="{8B0B0ED6-7A59-42E9-B7BB-95B85355591E}"/>
+          <p:cNvPr id="2" name="內容版面配置區 1">
+            <a:extLst>
+              <a:ext uri="{FF2B5EF4-FFF2-40B4-BE49-F238E27FC236}">
+                <a16:creationId xmlns:a16="http://schemas.microsoft.com/office/drawing/2014/main" id="{F8A153BF-506B-47A3-86B9-7313D7DB5BFB}"/>
               </a:ext>
             </a:extLst>
           </p:cNvPr>
@@ -14179,174 +14414,16 @@
           <a:bodyPr/>
           <a:lstStyle/>
           <a:p>
-            <a:pPr marL="0" indent="0">
-              <a:buNone/>
-            </a:pPr>
-            <a:r>
-              <a:rPr lang="zh-TW" altLang="en-US" dirty="0"/>
-              <a:t>回想自己在軟體操作時耗費時間最多的步驟，比方說：</a:t>
-            </a:r>
-          </a:p>
-          <a:p>
-            <a:r>
-              <a:rPr lang="zh-TW" altLang="en-US" dirty="0">
-                <a:solidFill>
-                  <a:srgbClr val="0070C0"/>
-                </a:solidFill>
-              </a:rPr>
-              <a:t>沿著弧形傳輸線兩側佈建</a:t>
-            </a:r>
-            <a:r>
-              <a:rPr lang="en-US" altLang="zh-TW" dirty="0">
-                <a:solidFill>
-                  <a:srgbClr val="0070C0"/>
-                </a:solidFill>
-              </a:rPr>
-              <a:t>via</a:t>
-            </a:r>
-          </a:p>
-          <a:p>
-            <a:r>
-              <a:rPr lang="zh-TW" altLang="en-US" dirty="0">
-                <a:solidFill>
-                  <a:srgbClr val="0070C0"/>
-                </a:solidFill>
-              </a:rPr>
-              <a:t>每次建立新的設計時都要加入同樣的材料與模擬設定</a:t>
-            </a:r>
-          </a:p>
-          <a:p>
-            <a:r>
-              <a:rPr lang="zh-TW" altLang="en-US" dirty="0">
-                <a:solidFill>
-                  <a:srgbClr val="0070C0"/>
-                </a:solidFill>
-              </a:rPr>
-              <a:t>在所有的</a:t>
-            </a:r>
-            <a:r>
-              <a:rPr lang="en-US" altLang="zh-TW" dirty="0">
-                <a:solidFill>
-                  <a:srgbClr val="0070C0"/>
-                </a:solidFill>
-              </a:rPr>
-              <a:t>pad</a:t>
-            </a:r>
-            <a:r>
-              <a:rPr lang="zh-TW" altLang="en-US" dirty="0">
-                <a:solidFill>
-                  <a:srgbClr val="0070C0"/>
-                </a:solidFill>
-              </a:rPr>
-              <a:t>上設置</a:t>
-            </a:r>
-            <a:r>
-              <a:rPr lang="en-US" altLang="zh-TW" dirty="0">
-                <a:solidFill>
-                  <a:srgbClr val="0070C0"/>
-                </a:solidFill>
-              </a:rPr>
-              <a:t>port</a:t>
-            </a:r>
-          </a:p>
-          <a:p>
-            <a:r>
-              <a:rPr lang="zh-TW" altLang="en-US" dirty="0">
-                <a:solidFill>
-                  <a:srgbClr val="0070C0"/>
-                </a:solidFill>
-              </a:rPr>
-              <a:t>輸出每一組走線的頻寬曲線圖</a:t>
-            </a:r>
-          </a:p>
-          <a:p>
-            <a:r>
-              <a:rPr lang="zh-TW" altLang="en-US" dirty="0">
-                <a:solidFill>
-                  <a:srgbClr val="0070C0"/>
-                </a:solidFill>
-              </a:rPr>
-              <a:t>將數十個</a:t>
-            </a:r>
-            <a:r>
-              <a:rPr lang="en-US" altLang="zh-TW" dirty="0">
-                <a:solidFill>
-                  <a:srgbClr val="0070C0"/>
-                </a:solidFill>
-              </a:rPr>
-              <a:t>port</a:t>
-            </a:r>
-            <a:r>
-              <a:rPr lang="zh-TW" altLang="en-US" dirty="0">
-                <a:solidFill>
-                  <a:srgbClr val="0070C0"/>
-                </a:solidFill>
-              </a:rPr>
-              <a:t>的</a:t>
-            </a:r>
-            <a:r>
-              <a:rPr lang="en-US" altLang="zh-TW" dirty="0">
-                <a:solidFill>
-                  <a:srgbClr val="0070C0"/>
-                </a:solidFill>
-              </a:rPr>
-              <a:t>S</a:t>
-            </a:r>
-            <a:r>
-              <a:rPr lang="zh-TW" altLang="en-US" dirty="0">
-                <a:solidFill>
-                  <a:srgbClr val="0070C0"/>
-                </a:solidFill>
-              </a:rPr>
-              <a:t>參數模型接上電路</a:t>
-            </a:r>
-          </a:p>
-          <a:p>
-            <a:r>
-              <a:rPr lang="zh-TW" altLang="en-US" dirty="0">
-                <a:solidFill>
-                  <a:srgbClr val="0070C0"/>
-                </a:solidFill>
-              </a:rPr>
-              <a:t>計算每一組訊號眼高及眼寬並建立統計分布曲線</a:t>
-            </a:r>
-          </a:p>
-          <a:p>
-            <a:r>
-              <a:rPr lang="zh-TW" altLang="en-US" dirty="0">
-                <a:solidFill>
-                  <a:srgbClr val="0070C0"/>
-                </a:solidFill>
-              </a:rPr>
-              <a:t>其它</a:t>
-            </a:r>
-          </a:p>
-          <a:p>
-            <a:pPr marL="0" indent="0">
-              <a:buNone/>
-            </a:pPr>
-            <a:endParaRPr lang="en-US" altLang="zh-TW" dirty="0"/>
-          </a:p>
-          <a:p>
-            <a:pPr marL="0" indent="0">
-              <a:buNone/>
-            </a:pPr>
-            <a:r>
-              <a:rPr lang="zh-TW" altLang="en-US" dirty="0"/>
-              <a:t>總而言之，任何你覺得煩瑣的操作，都是自動化腳本可以發揮的空間。</a:t>
-            </a:r>
-          </a:p>
-          <a:p>
-            <a:endParaRPr lang="zh-TW" altLang="en-US" dirty="0"/>
-          </a:p>
-        </p:txBody>
-      </p:sp>
-      <p:sp>
-        <p:nvSpPr>
-          <p:cNvPr id="4" name="標題 3">
-            <a:extLst>
-              <a:ext uri="{FF2B5EF4-FFF2-40B4-BE49-F238E27FC236}">
-                <a16:creationId xmlns:a16="http://schemas.microsoft.com/office/drawing/2014/main" id="{51DDD2F0-454F-4B62-8FC8-8171F6BA137D}"/>
+            <a:endParaRPr lang="zh-TW" altLang="en-US"/>
+          </a:p>
+        </p:txBody>
+      </p:sp>
+      <p:sp>
+        <p:nvSpPr>
+          <p:cNvPr id="3" name="標題 2">
+            <a:extLst>
+              <a:ext uri="{FF2B5EF4-FFF2-40B4-BE49-F238E27FC236}">
+                <a16:creationId xmlns:a16="http://schemas.microsoft.com/office/drawing/2014/main" id="{EE67A29E-9388-4D5B-87CB-A07D3E8DBFB4}"/>
               </a:ext>
             </a:extLst>
           </p:cNvPr>
@@ -14364,19 +14441,15 @@
           <a:p>
             <a:r>
               <a:rPr lang="zh-TW" altLang="en-US" dirty="0"/>
-              <a:t>自動化專題舉例</a:t>
-            </a:r>
-            <a:br>
-              <a:rPr lang="zh-TW" altLang="en-US" dirty="0"/>
-            </a:br>
-            <a:endParaRPr lang="zh-TW" altLang="en-US" dirty="0"/>
+              <a:t>模擬自動化案例介紹</a:t>
+            </a:r>
           </a:p>
         </p:txBody>
       </p:sp>
     </p:spTree>
     <p:extLst>
       <p:ext uri="{BB962C8B-B14F-4D97-AF65-F5344CB8AC3E}">
-        <p14:creationId xmlns:p14="http://schemas.microsoft.com/office/powerpoint/2010/main" val="751778690"/>
+        <p14:creationId xmlns:p14="http://schemas.microsoft.com/office/powerpoint/2010/main" val="4146132641"/>
       </p:ext>
     </p:extLst>
   </p:cSld>
@@ -14420,206 +14493,6 @@
           <p:cNvPr id="2" name="內容版面配置區 1">
             <a:extLst>
               <a:ext uri="{FF2B5EF4-FFF2-40B4-BE49-F238E27FC236}">
-                <a16:creationId xmlns:a16="http://schemas.microsoft.com/office/drawing/2014/main" id="{02A1E2E6-DFB6-4C76-973C-7FC0AA967CCF}"/>
-              </a:ext>
-            </a:extLst>
-          </p:cNvPr>
-          <p:cNvSpPr>
-            <a:spLocks noGrp="1"/>
-          </p:cNvSpPr>
-          <p:nvPr>
-            <p:ph idx="1"/>
-          </p:nvPr>
-        </p:nvSpPr>
-        <p:spPr/>
-        <p:txBody>
-          <a:bodyPr/>
-          <a:lstStyle/>
-          <a:p>
-            <a:r>
-              <a:rPr lang="zh-TW" altLang="en-US" dirty="0"/>
-              <a:t>別擔心，講師會在課程期間協助個人專案的開發。透過討論及腦力激盪來完完成專案。</a:t>
-            </a:r>
-          </a:p>
-          <a:p>
-            <a:endParaRPr lang="zh-TW" altLang="en-US" dirty="0"/>
-          </a:p>
-        </p:txBody>
-      </p:sp>
-      <p:sp>
-        <p:nvSpPr>
-          <p:cNvPr id="3" name="標題 2">
-            <a:extLst>
-              <a:ext uri="{FF2B5EF4-FFF2-40B4-BE49-F238E27FC236}">
-                <a16:creationId xmlns:a16="http://schemas.microsoft.com/office/drawing/2014/main" id="{E1706A94-9322-4DB7-B41B-7F7FDDB0AC02}"/>
-              </a:ext>
-            </a:extLst>
-          </p:cNvPr>
-          <p:cNvSpPr>
-            <a:spLocks noGrp="1"/>
-          </p:cNvSpPr>
-          <p:nvPr>
-            <p:ph type="title"/>
-          </p:nvPr>
-        </p:nvSpPr>
-        <p:spPr/>
-        <p:txBody>
-          <a:bodyPr/>
-          <a:lstStyle/>
-          <a:p>
-            <a:r>
-              <a:rPr lang="zh-TW" altLang="en-US" dirty="0"/>
-              <a:t>如果專案開發期間遇到困難該怎麼辦？</a:t>
-            </a:r>
-            <a:br>
-              <a:rPr lang="zh-TW" altLang="en-US" dirty="0"/>
-            </a:br>
-            <a:endParaRPr lang="zh-TW" altLang="en-US" dirty="0"/>
-          </a:p>
-        </p:txBody>
-      </p:sp>
-    </p:spTree>
-    <p:extLst>
-      <p:ext uri="{BB962C8B-B14F-4D97-AF65-F5344CB8AC3E}">
-        <p14:creationId xmlns:p14="http://schemas.microsoft.com/office/powerpoint/2010/main" val="4282441724"/>
-      </p:ext>
-    </p:extLst>
-  </p:cSld>
-  <p:clrMapOvr>
-    <a:masterClrMapping/>
-  </p:clrMapOvr>
-  <mc:AlternateContent xmlns:mc="http://schemas.openxmlformats.org/markup-compatibility/2006" xmlns:p14="http://schemas.microsoft.com/office/powerpoint/2010/main">
-    <mc:Choice Requires="p14">
-      <p:transition p14:dur="250">
-        <p:fade/>
-      </p:transition>
-    </mc:Choice>
-    <mc:Fallback xmlns="">
-      <p:transition>
-        <p:fade/>
-      </p:transition>
-    </mc:Fallback>
-  </mc:AlternateContent>
-</p:sld>
-</file>
-
-<file path=ppt/slides/slide34.xml><?xml version="1.0" encoding="utf-8"?>
-<p:sld xmlns:a="http://schemas.openxmlformats.org/drawingml/2006/main" xmlns:r="http://schemas.openxmlformats.org/officeDocument/2006/relationships" xmlns:p="http://schemas.openxmlformats.org/presentationml/2006/main">
-  <p:cSld>
-    <p:spTree>
-      <p:nvGrpSpPr>
-        <p:cNvPr id="1" name=""/>
-        <p:cNvGrpSpPr/>
-        <p:nvPr/>
-      </p:nvGrpSpPr>
-      <p:grpSpPr>
-        <a:xfrm>
-          <a:off x="0" y="0"/>
-          <a:ext cx="0" cy="0"/>
-          <a:chOff x="0" y="0"/>
-          <a:chExt cx="0" cy="0"/>
-        </a:xfrm>
-      </p:grpSpPr>
-      <p:sp>
-        <p:nvSpPr>
-          <p:cNvPr id="2" name="內容版面配置區 1">
-            <a:extLst>
-              <a:ext uri="{FF2B5EF4-FFF2-40B4-BE49-F238E27FC236}">
-                <a16:creationId xmlns:a16="http://schemas.microsoft.com/office/drawing/2014/main" id="{F8A153BF-506B-47A3-86B9-7313D7DB5BFB}"/>
-              </a:ext>
-            </a:extLst>
-          </p:cNvPr>
-          <p:cNvSpPr>
-            <a:spLocks noGrp="1"/>
-          </p:cNvSpPr>
-          <p:nvPr>
-            <p:ph idx="1"/>
-          </p:nvPr>
-        </p:nvSpPr>
-        <p:spPr/>
-        <p:txBody>
-          <a:bodyPr/>
-          <a:lstStyle/>
-          <a:p>
-            <a:endParaRPr lang="zh-TW" altLang="en-US"/>
-          </a:p>
-        </p:txBody>
-      </p:sp>
-      <p:sp>
-        <p:nvSpPr>
-          <p:cNvPr id="3" name="標題 2">
-            <a:extLst>
-              <a:ext uri="{FF2B5EF4-FFF2-40B4-BE49-F238E27FC236}">
-                <a16:creationId xmlns:a16="http://schemas.microsoft.com/office/drawing/2014/main" id="{EE67A29E-9388-4D5B-87CB-A07D3E8DBFB4}"/>
-              </a:ext>
-            </a:extLst>
-          </p:cNvPr>
-          <p:cNvSpPr>
-            <a:spLocks noGrp="1"/>
-          </p:cNvSpPr>
-          <p:nvPr>
-            <p:ph type="title"/>
-          </p:nvPr>
-        </p:nvSpPr>
-        <p:spPr/>
-        <p:txBody>
-          <a:bodyPr/>
-          <a:lstStyle/>
-          <a:p>
-            <a:r>
-              <a:rPr lang="zh-TW" altLang="en-US" dirty="0"/>
-              <a:t>模擬自動化案例介紹</a:t>
-            </a:r>
-          </a:p>
-        </p:txBody>
-      </p:sp>
-    </p:spTree>
-    <p:extLst>
-      <p:ext uri="{BB962C8B-B14F-4D97-AF65-F5344CB8AC3E}">
-        <p14:creationId xmlns:p14="http://schemas.microsoft.com/office/powerpoint/2010/main" val="4146132641"/>
-      </p:ext>
-    </p:extLst>
-  </p:cSld>
-  <p:clrMapOvr>
-    <a:masterClrMapping/>
-  </p:clrMapOvr>
-  <mc:AlternateContent xmlns:mc="http://schemas.openxmlformats.org/markup-compatibility/2006" xmlns:p14="http://schemas.microsoft.com/office/powerpoint/2010/main">
-    <mc:Choice Requires="p14">
-      <p:transition p14:dur="250">
-        <p:fade/>
-      </p:transition>
-    </mc:Choice>
-    <mc:Fallback xmlns="">
-      <p:transition>
-        <p:fade/>
-      </p:transition>
-    </mc:Fallback>
-  </mc:AlternateContent>
-</p:sld>
-</file>
-
-<file path=ppt/slides/slide35.xml><?xml version="1.0" encoding="utf-8"?>
-<p:sld xmlns:a="http://schemas.openxmlformats.org/drawingml/2006/main" xmlns:r="http://schemas.openxmlformats.org/officeDocument/2006/relationships" xmlns:p="http://schemas.openxmlformats.org/presentationml/2006/main">
-  <p:cSld>
-    <p:spTree>
-      <p:nvGrpSpPr>
-        <p:cNvPr id="1" name=""/>
-        <p:cNvGrpSpPr/>
-        <p:nvPr/>
-      </p:nvGrpSpPr>
-      <p:grpSpPr>
-        <a:xfrm>
-          <a:off x="0" y="0"/>
-          <a:ext cx="0" cy="0"/>
-          <a:chOff x="0" y="0"/>
-          <a:chExt cx="0" cy="0"/>
-        </a:xfrm>
-      </p:grpSpPr>
-      <p:sp>
-        <p:nvSpPr>
-          <p:cNvPr id="2" name="內容版面配置區 1">
-            <a:extLst>
-              <a:ext uri="{FF2B5EF4-FFF2-40B4-BE49-F238E27FC236}">
                 <a16:creationId xmlns:a16="http://schemas.microsoft.com/office/drawing/2014/main" id="{457AE28C-BB07-4165-A55A-480058661D87}"/>
               </a:ext>
             </a:extLst>
@@ -14693,7 +14566,7 @@
 </p:sld>
 </file>
 
-<file path=ppt/slides/slide36.xml><?xml version="1.0" encoding="utf-8"?>
+<file path=ppt/slides/slide34.xml><?xml version="1.0" encoding="utf-8"?>
 <p:sld xmlns:a="http://schemas.openxmlformats.org/drawingml/2006/main" xmlns:r="http://schemas.openxmlformats.org/officeDocument/2006/relationships" xmlns:p="http://schemas.openxmlformats.org/presentationml/2006/main">
   <p:cSld>
     <p:spTree>
@@ -15083,10 +14956,10 @@
       </p:grpSpPr>
       <p:sp>
         <p:nvSpPr>
-          <p:cNvPr id="2" name="內容版面配置區 1">
-            <a:extLst>
-              <a:ext uri="{FF2B5EF4-FFF2-40B4-BE49-F238E27FC236}">
-                <a16:creationId xmlns:a16="http://schemas.microsoft.com/office/drawing/2014/main" id="{F11FD2CA-F942-45B8-9174-40F6B5B42065}"/>
+          <p:cNvPr id="4" name="文字版面配置區 3">
+            <a:extLst>
+              <a:ext uri="{FF2B5EF4-FFF2-40B4-BE49-F238E27FC236}">
+                <a16:creationId xmlns:a16="http://schemas.microsoft.com/office/drawing/2014/main" id="{2FA54F75-D405-4104-B6BB-EA44A23A109A}"/>
               </a:ext>
             </a:extLst>
           </p:cNvPr>
@@ -15094,7 +14967,7 @@
             <a:spLocks noGrp="1"/>
           </p:cNvSpPr>
           <p:nvPr>
-            <p:ph idx="1"/>
+            <p:ph type="body" sz="quarter" idx="10"/>
           </p:nvPr>
         </p:nvSpPr>
         <p:spPr/>
@@ -15102,16 +14975,19 @@
           <a:bodyPr/>
           <a:lstStyle/>
           <a:p>
-            <a:endParaRPr lang="zh-TW" altLang="en-US"/>
-          </a:p>
-        </p:txBody>
-      </p:sp>
-      <p:sp>
-        <p:nvSpPr>
-          <p:cNvPr id="3" name="標題 2">
-            <a:extLst>
-              <a:ext uri="{FF2B5EF4-FFF2-40B4-BE49-F238E27FC236}">
-                <a16:creationId xmlns:a16="http://schemas.microsoft.com/office/drawing/2014/main" id="{FDA2CCF4-8156-43AA-A2A5-BCE09F7AF6E8}"/>
+            <a:r>
+              <a:rPr lang="zh-TW" altLang="en-US" dirty="0"/>
+              <a:t>建立模擬自動化基本觀念</a:t>
+            </a:r>
+          </a:p>
+        </p:txBody>
+      </p:sp>
+      <p:sp>
+        <p:nvSpPr>
+          <p:cNvPr id="5" name="文字版面配置區 4">
+            <a:extLst>
+              <a:ext uri="{FF2B5EF4-FFF2-40B4-BE49-F238E27FC236}">
+                <a16:creationId xmlns:a16="http://schemas.microsoft.com/office/drawing/2014/main" id="{CEE2A55E-C73D-43FF-AA36-95C0FF95B7B1}"/>
               </a:ext>
             </a:extLst>
           </p:cNvPr>
@@ -15119,7 +14995,7 @@
             <a:spLocks noGrp="1"/>
           </p:cNvSpPr>
           <p:nvPr>
-            <p:ph type="title"/>
+            <p:ph type="body" sz="quarter" idx="12"/>
           </p:nvPr>
         </p:nvSpPr>
         <p:spPr/>
@@ -15127,17 +15003,14 @@
           <a:bodyPr/>
           <a:lstStyle/>
           <a:p>
-            <a:r>
-              <a:rPr lang="zh-TW" altLang="en-US" dirty="0"/>
-              <a:t>課程期望</a:t>
-            </a:r>
+            <a:endParaRPr lang="zh-TW" altLang="en-US"/>
           </a:p>
         </p:txBody>
       </p:sp>
     </p:spTree>
     <p:extLst>
       <p:ext uri="{BB962C8B-B14F-4D97-AF65-F5344CB8AC3E}">
-        <p14:creationId xmlns:p14="http://schemas.microsoft.com/office/powerpoint/2010/main" val="1663756997"/>
+        <p14:creationId xmlns:p14="http://schemas.microsoft.com/office/powerpoint/2010/main" val="2189207556"/>
       </p:ext>
     </p:extLst>
   </p:cSld>
@@ -15178,10 +15051,10 @@
       </p:grpSpPr>
       <p:sp>
         <p:nvSpPr>
-          <p:cNvPr id="4" name="文字版面配置區 3">
-            <a:extLst>
-              <a:ext uri="{FF2B5EF4-FFF2-40B4-BE49-F238E27FC236}">
-                <a16:creationId xmlns:a16="http://schemas.microsoft.com/office/drawing/2014/main" id="{2FA54F75-D405-4104-B6BB-EA44A23A109A}"/>
+          <p:cNvPr id="2" name="內容版面配置區 1">
+            <a:extLst>
+              <a:ext uri="{FF2B5EF4-FFF2-40B4-BE49-F238E27FC236}">
+                <a16:creationId xmlns:a16="http://schemas.microsoft.com/office/drawing/2014/main" id="{5F3943C5-BE9F-4BF4-A111-F83F5931DA07}"/>
               </a:ext>
             </a:extLst>
           </p:cNvPr>
@@ -15189,7 +15062,7 @@
             <a:spLocks noGrp="1"/>
           </p:cNvSpPr>
           <p:nvPr>
-            <p:ph type="body" sz="quarter" idx="10"/>
+            <p:ph idx="1"/>
           </p:nvPr>
         </p:nvSpPr>
         <p:spPr/>
@@ -15197,19 +15070,88 @@
           <a:bodyPr/>
           <a:lstStyle/>
           <a:p>
-            <a:r>
-              <a:rPr lang="zh-TW" altLang="en-US" dirty="0"/>
-              <a:t>建立模擬自動化基本觀念</a:t>
-            </a:r>
-          </a:p>
-        </p:txBody>
-      </p:sp>
-      <p:sp>
-        <p:nvSpPr>
-          <p:cNvPr id="5" name="文字版面配置區 4">
-            <a:extLst>
-              <a:ext uri="{FF2B5EF4-FFF2-40B4-BE49-F238E27FC236}">
-                <a16:creationId xmlns:a16="http://schemas.microsoft.com/office/drawing/2014/main" id="{CEE2A55E-C73D-43FF-AA36-95C0FF95B7B1}"/>
+            <a:pPr marL="0" indent="0">
+              <a:buNone/>
+            </a:pPr>
+            <a:r>
+              <a:rPr lang="zh-TW" altLang="en-US" dirty="0"/>
+              <a:t>完成一個複雜模擬需要上百個操作步驟才能完成。對於固定的應用</a:t>
+            </a:r>
+            <a:r>
+              <a:rPr lang="en-US" altLang="zh-TW" dirty="0"/>
+              <a:t>(</a:t>
+            </a:r>
+            <a:r>
+              <a:rPr lang="zh-TW" altLang="en-US" dirty="0"/>
+              <a:t>比方說天線設計</a:t>
+            </a:r>
+            <a:r>
+              <a:rPr lang="en-US" altLang="zh-TW" dirty="0"/>
+              <a:t>)</a:t>
+            </a:r>
+            <a:r>
+              <a:rPr lang="zh-TW" altLang="en-US" dirty="0"/>
+              <a:t>而言，某些操作步驟是固定的</a:t>
+            </a:r>
+            <a:r>
+              <a:rPr lang="en-US" altLang="zh-TW" dirty="0"/>
+              <a:t>(</a:t>
+            </a:r>
+            <a:r>
+              <a:rPr lang="zh-TW" altLang="en-US" dirty="0"/>
+              <a:t>比方說設</a:t>
+            </a:r>
+            <a:r>
+              <a:rPr lang="en-US" altLang="zh-TW" dirty="0"/>
+              <a:t>Port, </a:t>
+            </a:r>
+            <a:r>
+              <a:rPr lang="zh-TW" altLang="en-US" dirty="0"/>
+              <a:t>設</a:t>
+            </a:r>
+            <a:r>
+              <a:rPr lang="en-US" altLang="zh-TW" dirty="0"/>
+              <a:t>Radiation boundary</a:t>
+            </a:r>
+            <a:r>
+              <a:rPr lang="zh-TW" altLang="en-US" dirty="0"/>
+              <a:t>，輸出天線參數</a:t>
+            </a:r>
+            <a:r>
+              <a:rPr lang="en-US" altLang="zh-TW" dirty="0"/>
+              <a:t>)</a:t>
+            </a:r>
+            <a:r>
+              <a:rPr lang="zh-TW" altLang="en-US" dirty="0"/>
+              <a:t>。如果這些固定操作步驟可以寫進到腳本之中，一鍵完成執行。一方面縮短操作時間，又避免了設定出錯的機會，一舉兩得。</a:t>
+            </a:r>
+          </a:p>
+          <a:p>
+            <a:pPr marL="0" indent="0">
+              <a:buNone/>
+            </a:pPr>
+            <a:endParaRPr lang="en-US" altLang="zh-TW" dirty="0"/>
+          </a:p>
+          <a:p>
+            <a:pPr marL="0" indent="0">
+              <a:buNone/>
+            </a:pPr>
+            <a:r>
+              <a:rPr lang="zh-TW" altLang="en-US" dirty="0"/>
+              <a:t>對團隊來說，自動化程式可以統合模擬設定方法，避免個人對於模擬設定的見解不同發生模擬結果不一致的狀況發生。</a:t>
+            </a:r>
+          </a:p>
+          <a:p>
+            <a:endParaRPr lang="zh-TW" altLang="en-US" dirty="0"/>
+          </a:p>
+        </p:txBody>
+      </p:sp>
+      <p:sp>
+        <p:nvSpPr>
+          <p:cNvPr id="3" name="標題 2">
+            <a:extLst>
+              <a:ext uri="{FF2B5EF4-FFF2-40B4-BE49-F238E27FC236}">
+                <a16:creationId xmlns:a16="http://schemas.microsoft.com/office/drawing/2014/main" id="{CC22D15C-4B6A-4C30-9E72-7AA476A720D1}"/>
               </a:ext>
             </a:extLst>
           </p:cNvPr>
@@ -15217,7 +15159,7 @@
             <a:spLocks noGrp="1"/>
           </p:cNvSpPr>
           <p:nvPr>
-            <p:ph type="body" sz="quarter" idx="12"/>
+            <p:ph type="title"/>
           </p:nvPr>
         </p:nvSpPr>
         <p:spPr/>
@@ -15225,14 +15167,17 @@
           <a:bodyPr/>
           <a:lstStyle/>
           <a:p>
-            <a:endParaRPr lang="zh-TW" altLang="en-US"/>
+            <a:r>
+              <a:rPr lang="zh-TW" altLang="en-US" dirty="0"/>
+              <a:t>自動化程式可以帶來什麼好處？</a:t>
+            </a:r>
           </a:p>
         </p:txBody>
       </p:sp>
     </p:spTree>
     <p:extLst>
       <p:ext uri="{BB962C8B-B14F-4D97-AF65-F5344CB8AC3E}">
-        <p14:creationId xmlns:p14="http://schemas.microsoft.com/office/powerpoint/2010/main" val="2189207556"/>
+        <p14:creationId xmlns:p14="http://schemas.microsoft.com/office/powerpoint/2010/main" val="1086438915"/>
       </p:ext>
     </p:extLst>
   </p:cSld>
@@ -15276,7 +15221,7 @@
           <p:cNvPr id="2" name="內容版面配置區 1">
             <a:extLst>
               <a:ext uri="{FF2B5EF4-FFF2-40B4-BE49-F238E27FC236}">
-                <a16:creationId xmlns:a16="http://schemas.microsoft.com/office/drawing/2014/main" id="{5F3943C5-BE9F-4BF4-A111-F83F5931DA07}"/>
+                <a16:creationId xmlns:a16="http://schemas.microsoft.com/office/drawing/2014/main" id="{A7C2D190-D47F-4A50-A76B-32331DEAE02D}"/>
               </a:ext>
             </a:extLst>
           </p:cNvPr>
@@ -15292,75 +15237,9 @@
           <a:bodyPr/>
           <a:lstStyle/>
           <a:p>
-            <a:pPr marL="0" indent="0">
-              <a:buNone/>
-            </a:pPr>
-            <a:r>
-              <a:rPr lang="zh-TW" altLang="en-US" dirty="0"/>
-              <a:t>完成一個複雜模擬需要上百個操作步驟才能完成。對於固定的應用</a:t>
-            </a:r>
-            <a:r>
-              <a:rPr lang="en-US" altLang="zh-TW" dirty="0"/>
-              <a:t>(</a:t>
-            </a:r>
-            <a:r>
-              <a:rPr lang="zh-TW" altLang="en-US" dirty="0"/>
-              <a:t>比方說天線設計</a:t>
-            </a:r>
-            <a:r>
-              <a:rPr lang="en-US" altLang="zh-TW" dirty="0"/>
-              <a:t>)</a:t>
-            </a:r>
-            <a:r>
-              <a:rPr lang="zh-TW" altLang="en-US" dirty="0"/>
-              <a:t>而言，某些操作步驟是固定的</a:t>
-            </a:r>
-            <a:r>
-              <a:rPr lang="en-US" altLang="zh-TW" dirty="0"/>
-              <a:t>(</a:t>
-            </a:r>
-            <a:r>
-              <a:rPr lang="zh-TW" altLang="en-US" dirty="0"/>
-              <a:t>比方說設</a:t>
-            </a:r>
-            <a:r>
-              <a:rPr lang="en-US" altLang="zh-TW" dirty="0"/>
-              <a:t>Port, </a:t>
-            </a:r>
-            <a:r>
-              <a:rPr lang="zh-TW" altLang="en-US" dirty="0"/>
-              <a:t>設</a:t>
-            </a:r>
-            <a:r>
-              <a:rPr lang="en-US" altLang="zh-TW" dirty="0"/>
-              <a:t>Radiation boundary</a:t>
-            </a:r>
-            <a:r>
-              <a:rPr lang="zh-TW" altLang="en-US" dirty="0"/>
-              <a:t>，輸出天線參數</a:t>
-            </a:r>
-            <a:r>
-              <a:rPr lang="en-US" altLang="zh-TW" dirty="0"/>
-              <a:t>)</a:t>
-            </a:r>
-            <a:r>
-              <a:rPr lang="zh-TW" altLang="en-US" dirty="0"/>
-              <a:t>。如果這些固定操作步驟可以寫進到腳本之中，一鍵完成執行。一方面縮短操作時間，又避免了設定出錯的機會，一舉兩得。</a:t>
-            </a:r>
-          </a:p>
-          <a:p>
-            <a:pPr marL="0" indent="0">
-              <a:buNone/>
-            </a:pPr>
-            <a:endParaRPr lang="en-US" altLang="zh-TW" dirty="0"/>
-          </a:p>
-          <a:p>
-            <a:pPr marL="0" indent="0">
-              <a:buNone/>
-            </a:pPr>
-            <a:r>
-              <a:rPr lang="zh-TW" altLang="en-US" dirty="0"/>
-              <a:t>對團隊來說，自動化程式可以統合模擬設定方法，避免個人對於模擬設定的見解不同發生模擬結果不一致的狀況發生。</a:t>
+            <a:r>
+              <a:rPr lang="zh-TW" altLang="en-US" dirty="0"/>
+              <a:t>模擬軟體的精通最多不過半年，之後是一個個案子不斷的的操作，其價值是很低的。工程師的價值是持續的攻克工程難題，這必須不斷的學習及思考。只是熟悉工具的操作不可能進階為領域的專家。透過自動化程式將成熟穩定的人工操作流程自動化，工程師才有閒暇去涉獵新的技術，來進一步提升自己的個人價值。</a:t>
             </a:r>
           </a:p>
           <a:p>
@@ -15373,7 +15252,7 @@
           <p:cNvPr id="3" name="標題 2">
             <a:extLst>
               <a:ext uri="{FF2B5EF4-FFF2-40B4-BE49-F238E27FC236}">
-                <a16:creationId xmlns:a16="http://schemas.microsoft.com/office/drawing/2014/main" id="{CC22D15C-4B6A-4C30-9E72-7AA476A720D1}"/>
+                <a16:creationId xmlns:a16="http://schemas.microsoft.com/office/drawing/2014/main" id="{4B98CB43-2487-40FE-B18F-82313D1F9A77}"/>
               </a:ext>
             </a:extLst>
           </p:cNvPr>
@@ -15391,15 +15270,19 @@
           <a:p>
             <a:r>
               <a:rPr lang="zh-TW" altLang="en-US" dirty="0"/>
-              <a:t>自動化程式可以帶來什麼好處？</a:t>
-            </a:r>
+              <a:t>寫自動化程式對模擬工程師個人的價值為何？</a:t>
+            </a:r>
+            <a:br>
+              <a:rPr lang="zh-TW" altLang="en-US" dirty="0"/>
+            </a:br>
+            <a:endParaRPr lang="zh-TW" altLang="en-US" dirty="0"/>
           </a:p>
         </p:txBody>
       </p:sp>
     </p:spTree>
     <p:extLst>
       <p:ext uri="{BB962C8B-B14F-4D97-AF65-F5344CB8AC3E}">
-        <p14:creationId xmlns:p14="http://schemas.microsoft.com/office/powerpoint/2010/main" val="1086438915"/>
+        <p14:creationId xmlns:p14="http://schemas.microsoft.com/office/powerpoint/2010/main" val="3344907558"/>
       </p:ext>
     </p:extLst>
   </p:cSld>
@@ -15443,7 +15326,7 @@
           <p:cNvPr id="2" name="內容版面配置區 1">
             <a:extLst>
               <a:ext uri="{FF2B5EF4-FFF2-40B4-BE49-F238E27FC236}">
-                <a16:creationId xmlns:a16="http://schemas.microsoft.com/office/drawing/2014/main" id="{A7C2D190-D47F-4A50-A76B-32331DEAE02D}"/>
+                <a16:creationId xmlns:a16="http://schemas.microsoft.com/office/drawing/2014/main" id="{5F3943C5-BE9F-4BF4-A111-F83F5931DA07}"/>
               </a:ext>
             </a:extLst>
           </p:cNvPr>
@@ -15459,9 +15342,169 @@
           <a:bodyPr/>
           <a:lstStyle/>
           <a:p>
-            <a:r>
-              <a:rPr lang="zh-TW" altLang="en-US" dirty="0"/>
-              <a:t>模擬軟體的精通最多不過半年，之後是一個個案子不斷的的操作，其價值是很低的。工程師的價值是持續的攻克工程難題，這必須不斷的學習及思考。只是熟悉工具的操作不可能進階為領域的專家。透過自動化程式將成熟穩定的人工操作流程自動化，工程師才有閒暇去涉獵新的技術，來進一步提升自己的個人價值。</a:t>
+            <a:pPr marL="0" indent="0">
+              <a:buNone/>
+            </a:pPr>
+            <a:r>
+              <a:rPr lang="zh-TW" altLang="en-US" dirty="0"/>
+              <a:t>不需要，自動化程式不會用到複雜的語法，只要知道下面這些就夠了：</a:t>
+            </a:r>
+          </a:p>
+          <a:p>
+            <a:r>
+              <a:rPr lang="zh-TW" altLang="en-US" dirty="0">
+                <a:solidFill>
+                  <a:srgbClr val="0070C0"/>
+                </a:solidFill>
+              </a:rPr>
+              <a:t>基本型別及運算</a:t>
+            </a:r>
+            <a:r>
+              <a:rPr lang="en-US" altLang="zh-TW" dirty="0">
+                <a:solidFill>
+                  <a:srgbClr val="0070C0"/>
+                </a:solidFill>
+              </a:rPr>
+              <a:t>: string, int, float, </a:t>
+            </a:r>
+            <a:r>
+              <a:rPr lang="en-US" altLang="zh-TW" dirty="0" err="1">
+                <a:solidFill>
+                  <a:srgbClr val="0070C0"/>
+                </a:solidFill>
+              </a:rPr>
+              <a:t>boolean</a:t>
+            </a:r>
+            <a:endParaRPr lang="en-US" altLang="zh-TW" dirty="0">
+              <a:solidFill>
+                <a:srgbClr val="0070C0"/>
+              </a:solidFill>
+            </a:endParaRPr>
+          </a:p>
+          <a:p>
+            <a:r>
+              <a:rPr lang="zh-TW" altLang="en-US" dirty="0">
+                <a:solidFill>
+                  <a:srgbClr val="0070C0"/>
+                </a:solidFill>
+              </a:rPr>
+              <a:t>基本型別資料結構及運算： </a:t>
+            </a:r>
+            <a:r>
+              <a:rPr lang="en-US" altLang="zh-TW" dirty="0">
+                <a:solidFill>
+                  <a:srgbClr val="0070C0"/>
+                </a:solidFill>
+              </a:rPr>
+              <a:t>list, tuple, dictionary</a:t>
+            </a:r>
+          </a:p>
+          <a:p>
+            <a:r>
+              <a:rPr lang="zh-TW" altLang="en-US" dirty="0">
+                <a:solidFill>
+                  <a:srgbClr val="0070C0"/>
+                </a:solidFill>
+              </a:rPr>
+              <a:t>控制：</a:t>
+            </a:r>
+            <a:r>
+              <a:rPr lang="en-US" altLang="zh-TW" dirty="0">
+                <a:solidFill>
+                  <a:srgbClr val="0070C0"/>
+                </a:solidFill>
+              </a:rPr>
+              <a:t>if, else</a:t>
+            </a:r>
+          </a:p>
+          <a:p>
+            <a:r>
+              <a:rPr lang="zh-TW" altLang="en-US" dirty="0">
+                <a:solidFill>
+                  <a:srgbClr val="0070C0"/>
+                </a:solidFill>
+              </a:rPr>
+              <a:t>迴圈：</a:t>
+            </a:r>
+            <a:r>
+              <a:rPr lang="en-US" altLang="zh-TW" dirty="0">
+                <a:solidFill>
+                  <a:srgbClr val="0070C0"/>
+                </a:solidFill>
+              </a:rPr>
+              <a:t>for, continue, break</a:t>
+            </a:r>
+          </a:p>
+          <a:p>
+            <a:r>
+              <a:rPr lang="zh-TW" altLang="en-US" dirty="0">
+                <a:solidFill>
+                  <a:srgbClr val="0070C0"/>
+                </a:solidFill>
+              </a:rPr>
+              <a:t>匯入：</a:t>
+            </a:r>
+            <a:r>
+              <a:rPr lang="en-US" altLang="zh-TW" dirty="0">
+                <a:solidFill>
+                  <a:srgbClr val="0070C0"/>
+                </a:solidFill>
+              </a:rPr>
+              <a:t>Import</a:t>
+            </a:r>
+          </a:p>
+          <a:p>
+            <a:r>
+              <a:rPr lang="zh-TW" altLang="en-US" dirty="0">
+                <a:solidFill>
+                  <a:srgbClr val="0070C0"/>
+                </a:solidFill>
+              </a:rPr>
+              <a:t>檔案讀寫函數：</a:t>
+            </a:r>
+            <a:r>
+              <a:rPr lang="en-US" altLang="zh-TW" dirty="0">
+                <a:solidFill>
+                  <a:srgbClr val="0070C0"/>
+                </a:solidFill>
+              </a:rPr>
+              <a:t>Open(), Close()</a:t>
+            </a:r>
+          </a:p>
+          <a:p>
+            <a:r>
+              <a:rPr lang="zh-TW" altLang="en-US" dirty="0">
+                <a:solidFill>
+                  <a:srgbClr val="0070C0"/>
+                </a:solidFill>
+              </a:rPr>
+              <a:t>函數定義 </a:t>
+            </a:r>
+            <a:r>
+              <a:rPr lang="en-US" altLang="zh-TW" dirty="0">
+                <a:solidFill>
+                  <a:srgbClr val="0070C0"/>
+                </a:solidFill>
+              </a:rPr>
+              <a:t>def foo():</a:t>
+            </a:r>
+          </a:p>
+          <a:p>
+            <a:r>
+              <a:rPr lang="zh-TW" altLang="en-US" dirty="0">
+                <a:solidFill>
+                  <a:srgbClr val="0070C0"/>
+                </a:solidFill>
+              </a:rPr>
+              <a:t>類別定義 </a:t>
+            </a:r>
+            <a:r>
+              <a:rPr lang="en-US" altLang="zh-TW" dirty="0">
+                <a:solidFill>
+                  <a:srgbClr val="0070C0"/>
+                </a:solidFill>
+              </a:rPr>
+              <a:t>class foo():</a:t>
             </a:r>
           </a:p>
           <a:p>
@@ -15474,7 +15517,7 @@
           <p:cNvPr id="3" name="標題 2">
             <a:extLst>
               <a:ext uri="{FF2B5EF4-FFF2-40B4-BE49-F238E27FC236}">
-                <a16:creationId xmlns:a16="http://schemas.microsoft.com/office/drawing/2014/main" id="{4B98CB43-2487-40FE-B18F-82313D1F9A77}"/>
+                <a16:creationId xmlns:a16="http://schemas.microsoft.com/office/drawing/2014/main" id="{CC22D15C-4B6A-4C30-9E72-7AA476A720D1}"/>
               </a:ext>
             </a:extLst>
           </p:cNvPr>
@@ -15492,7 +15535,23 @@
           <a:p>
             <a:r>
               <a:rPr lang="zh-TW" altLang="en-US" dirty="0"/>
-              <a:t>寫自動化程式對模擬工程師個人的價值為何？</a:t>
+              <a:t>我需要很會寫</a:t>
+            </a:r>
+            <a:r>
+              <a:rPr lang="en-US" altLang="zh-TW" dirty="0"/>
+              <a:t>Python</a:t>
+            </a:r>
+            <a:r>
+              <a:rPr lang="zh-TW" altLang="en-US" dirty="0"/>
+              <a:t>程式才能在</a:t>
+            </a:r>
+            <a:r>
+              <a:rPr lang="en-US" altLang="zh-TW" dirty="0"/>
+              <a:t>AEDT</a:t>
+            </a:r>
+            <a:r>
+              <a:rPr lang="zh-TW" altLang="en-US" dirty="0"/>
+              <a:t>上開發自動化程式嗎？</a:t>
             </a:r>
             <a:br>
               <a:rPr lang="zh-TW" altLang="en-US" dirty="0"/>
@@ -15504,7 +15563,7 @@
     </p:spTree>
     <p:extLst>
       <p:ext uri="{BB962C8B-B14F-4D97-AF65-F5344CB8AC3E}">
-        <p14:creationId xmlns:p14="http://schemas.microsoft.com/office/powerpoint/2010/main" val="3344907558"/>
+        <p14:creationId xmlns:p14="http://schemas.microsoft.com/office/powerpoint/2010/main" val="3291901244"/>
       </p:ext>
     </p:extLst>
   </p:cSld>
@@ -15569,7 +15628,23 @@
             </a:pPr>
             <a:r>
               <a:rPr lang="zh-TW" altLang="en-US" dirty="0"/>
-              <a:t>不需要，自動化程式不會用到複雜的語法，只要知道下面這些就夠了：</a:t>
+              <a:t>並不是。除了基本語法之外，你還要熟悉以下這些函式庫，你才能透過</a:t>
+            </a:r>
+            <a:r>
+              <a:rPr lang="en-US" altLang="zh-TW" dirty="0"/>
+              <a:t>Python</a:t>
+            </a:r>
+            <a:r>
+              <a:rPr lang="zh-TW" altLang="en-US" dirty="0"/>
+              <a:t>控制函式庫來與</a:t>
+            </a:r>
+            <a:r>
+              <a:rPr lang="en-US" altLang="zh-TW" dirty="0"/>
+              <a:t>AEDT</a:t>
+            </a:r>
+            <a:r>
+              <a:rPr lang="zh-TW" altLang="en-US" dirty="0"/>
+              <a:t>互動</a:t>
             </a:r>
           </a:p>
           <a:p>
@@ -15579,7 +15654,7 @@
                   <a:srgbClr val="0070C0"/>
                 </a:solidFill>
               </a:rPr>
-              <a:t>基本型別及運算</a:t>
+              <a:t>基本函式庫：</a:t>
             </a:r>
             <a:r>
               <a:rPr lang="en-US" altLang="zh-TW" dirty="0">
@@ -15587,7 +15662,7 @@
                   <a:srgbClr val="0070C0"/>
                 </a:solidFill>
               </a:rPr>
-              <a:t>: string, int, float, </a:t>
+              <a:t>math, </a:t>
             </a:r>
             <a:r>
               <a:rPr lang="en-US" altLang="zh-TW" dirty="0" err="1">
@@ -15595,13 +15670,16 @@
                   <a:srgbClr val="0070C0"/>
                 </a:solidFill>
               </a:rPr>
-              <a:t>boolean</a:t>
-            </a:r>
-            <a:endParaRPr lang="en-US" altLang="zh-TW" dirty="0">
-              <a:solidFill>
-                <a:srgbClr val="0070C0"/>
-              </a:solidFill>
-            </a:endParaRPr>
+              <a:t>os</a:t>
+            </a:r>
+            <a:r>
+              <a:rPr lang="en-US" altLang="zh-TW" dirty="0">
+                <a:solidFill>
+                  <a:srgbClr val="0070C0"/>
+                </a:solidFill>
+              </a:rPr>
+              <a:t>, sys,...</a:t>
+            </a:r>
           </a:p>
           <a:p>
             <a:r>
@@ -15610,7 +15688,7 @@
                   <a:srgbClr val="0070C0"/>
                 </a:solidFill>
               </a:rPr>
-              <a:t>基本型別資料結構及運算： </a:t>
+              <a:t>進階函式庫：</a:t>
             </a:r>
             <a:r>
               <a:rPr lang="en-US" altLang="zh-TW" dirty="0">
@@ -15618,17 +15696,41 @@
                   <a:srgbClr val="0070C0"/>
                 </a:solidFill>
               </a:rPr>
-              <a:t>list, tuple, dictionary</a:t>
-            </a:r>
-          </a:p>
-          <a:p>
+              <a:t>re, </a:t>
+            </a:r>
+            <a:r>
+              <a:rPr lang="en-US" altLang="zh-TW" dirty="0" err="1">
+                <a:solidFill>
+                  <a:srgbClr val="0070C0"/>
+                </a:solidFill>
+              </a:rPr>
+              <a:t>tkinter</a:t>
+            </a:r>
+            <a:r>
+              <a:rPr lang="en-US" altLang="zh-TW" dirty="0">
+                <a:solidFill>
+                  <a:srgbClr val="0070C0"/>
+                </a:solidFill>
+              </a:rPr>
+              <a:t>, matplotlib,...</a:t>
+            </a:r>
+          </a:p>
+          <a:p>
+            <a:r>
+              <a:rPr lang="en-US" altLang="zh-TW" dirty="0">
+                <a:solidFill>
+                  <a:srgbClr val="0070C0"/>
+                </a:solidFill>
+              </a:rPr>
+              <a:t>AEDT</a:t>
+            </a:r>
             <a:r>
               <a:rPr lang="zh-TW" altLang="en-US" dirty="0">
                 <a:solidFill>
                   <a:srgbClr val="0070C0"/>
                 </a:solidFill>
               </a:rPr>
-              <a:t>控制：</a:t>
+              <a:t>函式庫：</a:t>
             </a:r>
             <a:r>
               <a:rPr lang="en-US" altLang="zh-TW" dirty="0">
@@ -15636,97 +15738,30 @@
                   <a:srgbClr val="0070C0"/>
                 </a:solidFill>
               </a:rPr>
-              <a:t>if, else</a:t>
-            </a:r>
-          </a:p>
-          <a:p>
-            <a:r>
-              <a:rPr lang="zh-TW" altLang="en-US" dirty="0">
-                <a:solidFill>
-                  <a:srgbClr val="0070C0"/>
-                </a:solidFill>
-              </a:rPr>
-              <a:t>迴圈：</a:t>
-            </a:r>
-            <a:r>
-              <a:rPr lang="en-US" altLang="zh-TW" dirty="0">
-                <a:solidFill>
-                  <a:srgbClr val="0070C0"/>
-                </a:solidFill>
-              </a:rPr>
-              <a:t>for, continue, break</a:t>
-            </a:r>
-          </a:p>
-          <a:p>
-            <a:r>
-              <a:rPr lang="zh-TW" altLang="en-US" dirty="0">
-                <a:solidFill>
-                  <a:srgbClr val="0070C0"/>
-                </a:solidFill>
-              </a:rPr>
-              <a:t>匯入：</a:t>
-            </a:r>
-            <a:r>
-              <a:rPr lang="en-US" altLang="zh-TW" dirty="0">
-                <a:solidFill>
-                  <a:srgbClr val="0070C0"/>
-                </a:solidFill>
-              </a:rPr>
-              <a:t>Import</a:t>
-            </a:r>
-          </a:p>
-          <a:p>
-            <a:r>
-              <a:rPr lang="zh-TW" altLang="en-US" dirty="0">
-                <a:solidFill>
-                  <a:srgbClr val="0070C0"/>
-                </a:solidFill>
-              </a:rPr>
-              <a:t>檔案讀寫函數：</a:t>
-            </a:r>
-            <a:r>
-              <a:rPr lang="en-US" altLang="zh-TW" dirty="0">
-                <a:solidFill>
-                  <a:srgbClr val="0070C0"/>
-                </a:solidFill>
-              </a:rPr>
-              <a:t>Open(), Close()</a:t>
-            </a:r>
-          </a:p>
-          <a:p>
-            <a:r>
-              <a:rPr lang="zh-TW" altLang="en-US" dirty="0">
-                <a:solidFill>
-                  <a:srgbClr val="0070C0"/>
-                </a:solidFill>
-              </a:rPr>
-              <a:t>函數定義 </a:t>
-            </a:r>
-            <a:r>
-              <a:rPr lang="en-US" altLang="zh-TW" dirty="0">
-                <a:solidFill>
-                  <a:srgbClr val="0070C0"/>
-                </a:solidFill>
-              </a:rPr>
-              <a:t>def foo():</a:t>
-            </a:r>
-          </a:p>
-          <a:p>
-            <a:r>
-              <a:rPr lang="zh-TW" altLang="en-US" dirty="0">
-                <a:solidFill>
-                  <a:srgbClr val="0070C0"/>
-                </a:solidFill>
-              </a:rPr>
-              <a:t>類別定義 </a:t>
-            </a:r>
-            <a:r>
-              <a:rPr lang="en-US" altLang="zh-TW" dirty="0">
-                <a:solidFill>
-                  <a:srgbClr val="0070C0"/>
-                </a:solidFill>
-              </a:rPr>
-              <a:t>class foo():</a:t>
+              <a:t>Project, Design, Edit, Module</a:t>
+            </a:r>
+          </a:p>
+          <a:p>
+            <a:pPr marL="0" indent="0">
+              <a:buNone/>
+            </a:pPr>
+            <a:endParaRPr lang="en-US" altLang="zh-TW" dirty="0"/>
+          </a:p>
+          <a:p>
+            <a:pPr marL="0" indent="0">
+              <a:buNone/>
+            </a:pPr>
+            <a:r>
+              <a:rPr lang="zh-TW" altLang="en-US" dirty="0"/>
+              <a:t>熟悉的意思並不是要背下所有的函式以及參數，而是要知道函式庫提供了何種功能，可以解決何種問題。只要知道如何發問問題，便可以透過</a:t>
+            </a:r>
+            <a:r>
+              <a:rPr lang="en-US" altLang="zh-TW" dirty="0"/>
+              <a:t>Google</a:t>
+            </a:r>
+            <a:r>
+              <a:rPr lang="zh-TW" altLang="en-US" dirty="0"/>
+              <a:t>找到答案。</a:t>
             </a:r>
           </a:p>
           <a:p>
@@ -15757,7 +15792,7 @@
           <a:p>
             <a:r>
               <a:rPr lang="zh-TW" altLang="en-US" dirty="0"/>
-              <a:t>我需要很會寫</a:t>
+              <a:t>是不是學會</a:t>
             </a:r>
             <a:r>
               <a:rPr lang="en-US" altLang="zh-TW" dirty="0"/>
@@ -15765,15 +15800,7 @@
             </a:r>
             <a:r>
               <a:rPr lang="zh-TW" altLang="en-US" dirty="0"/>
-              <a:t>程式才能在</a:t>
-            </a:r>
-            <a:r>
-              <a:rPr lang="en-US" altLang="zh-TW" dirty="0"/>
-              <a:t>AEDT</a:t>
-            </a:r>
-            <a:r>
-              <a:rPr lang="zh-TW" altLang="en-US" dirty="0"/>
-              <a:t>上開發自動化程式嗎？</a:t>
+              <a:t>就可以開發自動化程式了</a:t>
             </a:r>
             <a:br>
               <a:rPr lang="zh-TW" altLang="en-US" dirty="0"/>
@@ -15785,7 +15812,7 @@
     </p:spTree>
     <p:extLst>
       <p:ext uri="{BB962C8B-B14F-4D97-AF65-F5344CB8AC3E}">
-        <p14:creationId xmlns:p14="http://schemas.microsoft.com/office/powerpoint/2010/main" val="3291901244"/>
+        <p14:creationId xmlns:p14="http://schemas.microsoft.com/office/powerpoint/2010/main" val="1480965944"/>
       </p:ext>
     </p:extLst>
   </p:cSld>
